--- a/Apresentação.pptx
+++ b/Apresentação.pptx
@@ -245,7 +245,7 @@
             <a:pPr rtl="0"/>
             <a:fld id="{7FC1664B-5041-443B-91C6-A45B41A6020A}" type="datetime1">
               <a:rPr lang="pt-BR" smtClean="0"/>
-              <a:t>25/03/2022</a:t>
+              <a:t>31/03/2022</a:t>
             </a:fld>
             <a:endParaRPr lang="pt-BR" dirty="0"/>
           </a:p>
@@ -415,7 +415,7 @@
             <a:pPr rtl="0"/>
             <a:fld id="{F842E89D-3709-4A2B-9A3A-76E4CE2900D4}" type="datetime1">
               <a:rPr lang="pt-BR" noProof="0" smtClean="0"/>
-              <a:t>25/03/2022</a:t>
+              <a:t>31/03/2022</a:t>
             </a:fld>
             <a:endParaRPr lang="pt-BR" noProof="0" dirty="0"/>
           </a:p>
@@ -4505,7 +4505,7 @@
             <a:pPr rtl="0"/>
             <a:fld id="{53458F51-A324-4E75-90AA-F203FA9355A0}" type="datetime1">
               <a:rPr lang="pt-BR" noProof="0" smtClean="0"/>
-              <a:t>25/03/2022</a:t>
+              <a:t>31/03/2022</a:t>
             </a:fld>
             <a:endParaRPr lang="pt-BR" noProof="0" dirty="0"/>
           </a:p>
@@ -4629,7 +4629,7 @@
             <a:pPr rtl="0"/>
             <a:fld id="{4C35D16D-7D9B-419D-82E3-F0B9FF9A3A9D}" type="datetime1">
               <a:rPr lang="pt-BR" noProof="0" smtClean="0"/>
-              <a:t>25/03/2022</a:t>
+              <a:t>31/03/2022</a:t>
             </a:fld>
             <a:endParaRPr lang="pt-BR" noProof="0" dirty="0"/>
           </a:p>
@@ -5022,7 +5022,7 @@
             <a:pPr rtl="0"/>
             <a:fld id="{844F27DD-582C-4796-B2D9-46C6D21E31B6}" type="datetime1">
               <a:rPr lang="pt-BR" noProof="0" smtClean="0"/>
-              <a:t>25/03/2022</a:t>
+              <a:t>31/03/2022</a:t>
             </a:fld>
             <a:endParaRPr lang="pt-BR" noProof="0" dirty="0"/>
           </a:p>
@@ -5866,7 +5866,7 @@
             <a:pPr rtl="0"/>
             <a:fld id="{C61B7B32-8B9D-4D80-9F6E-0970D630EE88}" type="datetime1">
               <a:rPr lang="pt-BR" noProof="0" smtClean="0"/>
-              <a:t>25/03/2022</a:t>
+              <a:t>31/03/2022</a:t>
             </a:fld>
             <a:endParaRPr lang="pt-BR" noProof="0" dirty="0"/>
           </a:p>
@@ -6204,7 +6204,7 @@
             <a:pPr rtl="0"/>
             <a:fld id="{FA95F483-0B9E-4DD8-9124-DC336470C76F}" type="datetime1">
               <a:rPr lang="pt-BR" noProof="0" smtClean="0"/>
-              <a:t>25/03/2022</a:t>
+              <a:t>31/03/2022</a:t>
             </a:fld>
             <a:endParaRPr lang="pt-BR" noProof="0" dirty="0"/>
           </a:p>
@@ -6516,7 +6516,7 @@
             <a:pPr rtl="0"/>
             <a:fld id="{E27684DD-BD0D-4412-A976-BC0D80C04437}" type="datetime1">
               <a:rPr lang="pt-BR" noProof="0" smtClean="0"/>
-              <a:t>25/03/2022</a:t>
+              <a:t>31/03/2022</a:t>
             </a:fld>
             <a:endParaRPr lang="pt-BR" noProof="0" dirty="0"/>
           </a:p>
@@ -7115,7 +7115,7 @@
             <a:pPr rtl="0"/>
             <a:fld id="{5D230792-9F8B-479F-B4EA-6C9554157814}" type="datetime1">
               <a:rPr lang="pt-BR" noProof="0" smtClean="0"/>
-              <a:t>25/03/2022</a:t>
+              <a:t>31/03/2022</a:t>
             </a:fld>
             <a:endParaRPr lang="pt-BR" noProof="0" dirty="0"/>
           </a:p>
@@ -7382,7 +7382,7 @@
             <a:pPr rtl="0"/>
             <a:fld id="{5368CB05-7649-41F3-8F7B-A06299C7FC72}" type="datetime1">
               <a:rPr lang="pt-BR" noProof="0" smtClean="0"/>
-              <a:t>25/03/2022</a:t>
+              <a:t>31/03/2022</a:t>
             </a:fld>
             <a:endParaRPr lang="pt-BR" noProof="0" dirty="0"/>
           </a:p>
@@ -7649,7 +7649,7 @@
             <a:pPr rtl="0"/>
             <a:fld id="{26F4223D-1125-49F4-849D-69C7360807E9}" type="datetime1">
               <a:rPr lang="pt-BR" noProof="0" smtClean="0"/>
-              <a:t>25/03/2022</a:t>
+              <a:t>31/03/2022</a:t>
             </a:fld>
             <a:endParaRPr lang="pt-BR" noProof="0" dirty="0"/>
           </a:p>
@@ -8173,7 +8173,7 @@
             <a:pPr rtl="0"/>
             <a:fld id="{6AD52135-AF53-4A9A-A35F-59933B32DBCF}" type="datetime1">
               <a:rPr lang="pt-BR" noProof="0" smtClean="0"/>
-              <a:t>25/03/2022</a:t>
+              <a:t>31/03/2022</a:t>
             </a:fld>
             <a:endParaRPr lang="pt-BR" noProof="0" dirty="0"/>
           </a:p>
@@ -8297,7 +8297,7 @@
             <a:pPr rtl="0"/>
             <a:fld id="{7F812BA4-192F-42D6-B515-396E862C1C8F}" type="datetime1">
               <a:rPr lang="pt-BR" noProof="0" smtClean="0"/>
-              <a:t>25/03/2022</a:t>
+              <a:t>31/03/2022</a:t>
             </a:fld>
             <a:endParaRPr lang="pt-BR" noProof="0" dirty="0"/>
           </a:p>
@@ -8735,7 +8735,7 @@
             <a:pPr rtl="0"/>
             <a:fld id="{A43CB41E-BD29-439B-BF78-A64CBF9A3F58}" type="datetime1">
               <a:rPr lang="pt-BR" noProof="0" smtClean="0"/>
-              <a:t>25/03/2022</a:t>
+              <a:t>31/03/2022</a:t>
             </a:fld>
             <a:endParaRPr lang="pt-BR" noProof="0" dirty="0"/>
           </a:p>
@@ -9282,7 +9282,7 @@
             <a:pPr rtl="0"/>
             <a:fld id="{B6625A12-B868-480C-9272-328493957447}" type="datetime1">
               <a:rPr lang="pt-BR" noProof="0" smtClean="0"/>
-              <a:t>25/03/2022</a:t>
+              <a:t>31/03/2022</a:t>
             </a:fld>
             <a:endParaRPr lang="pt-BR" noProof="0" dirty="0"/>
           </a:p>
@@ -9937,12 +9937,83 @@
           </a:p>
         </p:txBody>
       </p:sp>
+      <p:sp>
+        <p:nvSpPr>
+          <p:cNvPr id="7" name="CaixaDeTexto 6">
+            <a:extLst>
+              <a:ext uri="{FF2B5EF4-FFF2-40B4-BE49-F238E27FC236}">
+                <a16:creationId xmlns:a16="http://schemas.microsoft.com/office/drawing/2014/main" id="{C43AA3BD-5002-4ECF-9DDC-827405807158}"/>
+              </a:ext>
+            </a:extLst>
+          </p:cNvPr>
+          <p:cNvSpPr txBox="1"/>
+          <p:nvPr/>
+        </p:nvSpPr>
+        <p:spPr>
+          <a:xfrm>
+            <a:off x="5363693" y="4170472"/>
+            <a:ext cx="1116011" cy="338554"/>
+          </a:xfrm>
+          <a:prstGeom prst="rect">
+            <a:avLst/>
+          </a:prstGeom>
+          <a:noFill/>
+        </p:spPr>
+        <p:txBody>
+          <a:bodyPr wrap="none" rtlCol="0">
+            <a:spAutoFit/>
+          </a:bodyPr>
+          <a:lstStyle/>
+          <a:p>
+            <a:r>
+              <a:rPr lang="pt-BR" sz="1600" dirty="0"/>
+              <a:t>Fonte: [4]</a:t>
+            </a:r>
+          </a:p>
+        </p:txBody>
+      </p:sp>
+      <p:sp>
+        <p:nvSpPr>
+          <p:cNvPr id="14" name="CaixaDeTexto 13">
+            <a:extLst>
+              <a:ext uri="{FF2B5EF4-FFF2-40B4-BE49-F238E27FC236}">
+                <a16:creationId xmlns:a16="http://schemas.microsoft.com/office/drawing/2014/main" id="{D3A35BD0-FB59-46CE-BAE7-F806A1E5DA0F}"/>
+              </a:ext>
+            </a:extLst>
+          </p:cNvPr>
+          <p:cNvSpPr txBox="1"/>
+          <p:nvPr/>
+        </p:nvSpPr>
+        <p:spPr>
+          <a:xfrm>
+            <a:off x="3972249" y="2174236"/>
+            <a:ext cx="3787693" cy="584775"/>
+          </a:xfrm>
+          <a:prstGeom prst="rect">
+            <a:avLst/>
+          </a:prstGeom>
+          <a:noFill/>
+        </p:spPr>
+        <p:txBody>
+          <a:bodyPr wrap="square" rtlCol="0">
+            <a:spAutoFit/>
+          </a:bodyPr>
+          <a:lstStyle/>
+          <a:p>
+            <a:pPr algn="ctr"/>
+            <a:r>
+              <a:rPr lang="pt-BR" sz="1600" dirty="0"/>
+              <a:t>Horários dos ataques dia 7 de Julho de 2017</a:t>
+            </a:r>
+          </a:p>
+        </p:txBody>
+      </p:sp>
       <p:graphicFrame>
         <p:nvGraphicFramePr>
-          <p:cNvPr id="5" name="Tabela 4">
+          <p:cNvPr id="2" name="Tabela 1">
             <a:extLst>
               <a:ext uri="{FF2B5EF4-FFF2-40B4-BE49-F238E27FC236}">
-                <a16:creationId xmlns:a16="http://schemas.microsoft.com/office/drawing/2014/main" id="{5EB5A3FF-B5EC-43AA-9709-6E0B84E5D6E9}"/>
+                <a16:creationId xmlns:a16="http://schemas.microsoft.com/office/drawing/2014/main" id="{1FFE176B-9C3F-44EE-B64D-A6162954AB93}"/>
               </a:ext>
             </a:extLst>
           </p:cNvPr>
@@ -9952,14 +10023,14 @@
           <p:nvPr>
             <p:extLst>
               <p:ext uri="{D42A27DB-BD31-4B8C-83A1-F6EECF244321}">
-                <p14:modId xmlns:p14="http://schemas.microsoft.com/office/powerpoint/2010/main" val="4117009278"/>
+                <p14:modId xmlns:p14="http://schemas.microsoft.com/office/powerpoint/2010/main" val="1255288818"/>
               </p:ext>
             </p:extLst>
           </p:nvPr>
         </p:nvGraphicFramePr>
         <p:xfrm>
-          <a:off x="2134006" y="2332512"/>
-          <a:ext cx="3787693" cy="2540191"/>
+          <a:off x="3972249" y="2759011"/>
+          <a:ext cx="3898900" cy="1339978"/>
         </p:xfrm>
         <a:graphic>
           <a:graphicData uri="http://schemas.openxmlformats.org/drawingml/2006/table">
@@ -9968,29 +10039,22 @@
                 <a:tableStyleId>{5C22544A-7EE6-4342-B048-85BDC9FD1C3A}</a:tableStyleId>
               </a:tblPr>
               <a:tblGrid>
-                <a:gridCol w="1262427">
+                <a:gridCol w="1949450">
                   <a:extLst>
                     <a:ext uri="{9D8B030D-6E8A-4147-A177-3AD203B41FA5}">
-                      <a16:colId xmlns:a16="http://schemas.microsoft.com/office/drawing/2014/main" val="1241249450"/>
+                      <a16:colId xmlns:a16="http://schemas.microsoft.com/office/drawing/2014/main" val="3643648169"/>
                     </a:ext>
                   </a:extLst>
                 </a:gridCol>
-                <a:gridCol w="1262427">
+                <a:gridCol w="1949450">
                   <a:extLst>
                     <a:ext uri="{9D8B030D-6E8A-4147-A177-3AD203B41FA5}">
-                      <a16:colId xmlns:a16="http://schemas.microsoft.com/office/drawing/2014/main" val="1847979064"/>
-                    </a:ext>
-                  </a:extLst>
-                </a:gridCol>
-                <a:gridCol w="1262839">
-                  <a:extLst>
-                    <a:ext uri="{9D8B030D-6E8A-4147-A177-3AD203B41FA5}">
-                      <a16:colId xmlns:a16="http://schemas.microsoft.com/office/drawing/2014/main" val="2959949953"/>
+                      <a16:colId xmlns:a16="http://schemas.microsoft.com/office/drawing/2014/main" val="2710689134"/>
                     </a:ext>
                   </a:extLst>
                 </a:gridCol>
               </a:tblGrid>
-              <a:tr h="161464">
+              <a:tr h="0">
                 <a:tc>
                   <a:txBody>
                     <a:bodyPr/>
@@ -10005,17 +10069,17 @@
                         </a:spcAft>
                       </a:pPr>
                       <a:r>
-                        <a:rPr lang="pt-BR" sz="1200" dirty="0">
+                        <a:rPr lang="pt-BR" sz="1200">
                           <a:solidFill>
-                            <a:sysClr val="windowText" lastClr="000000"/>
+                            <a:schemeClr val="tx1"/>
                           </a:solidFill>
                           <a:effectLst/>
                         </a:rPr>
-                        <a:t>Dia</a:t>
+                        <a:t>Tipo de Ataque</a:t>
                       </a:r>
-                      <a:endParaRPr lang="pt-BR" sz="1200" dirty="0">
+                      <a:endParaRPr lang="pt-BR" sz="1200">
                         <a:solidFill>
-                          <a:sysClr val="windowText" lastClr="000000"/>
+                          <a:schemeClr val="tx1"/>
                         </a:solidFill>
                         <a:effectLst/>
                         <a:latin typeface="Times New Roman" panose="02020603050405020304" pitchFamily="18" charset="0"/>
@@ -10024,44 +10088,7 @@
                       </a:endParaRPr>
                     </a:p>
                   </a:txBody>
-                  <a:tcPr marL="44634" marR="44634" marT="0" marB="0">
-                    <a:lnL w="12700" cap="flat" cmpd="sng" algn="ctr">
-                      <a:solidFill>
-                        <a:schemeClr val="tx1"/>
-                      </a:solidFill>
-                      <a:prstDash val="solid"/>
-                      <a:round/>
-                      <a:headEnd type="none" w="med" len="med"/>
-                      <a:tailEnd type="none" w="med" len="med"/>
-                    </a:lnL>
-                    <a:lnR w="12700" cap="flat" cmpd="sng" algn="ctr">
-                      <a:solidFill>
-                        <a:schemeClr val="tx1"/>
-                      </a:solidFill>
-                      <a:prstDash val="solid"/>
-                      <a:round/>
-                      <a:headEnd type="none" w="med" len="med"/>
-                      <a:tailEnd type="none" w="med" len="med"/>
-                    </a:lnR>
-                    <a:lnT w="12700" cap="flat" cmpd="sng" algn="ctr">
-                      <a:solidFill>
-                        <a:schemeClr val="tx1"/>
-                      </a:solidFill>
-                      <a:prstDash val="solid"/>
-                      <a:round/>
-                      <a:headEnd type="none" w="med" len="med"/>
-                      <a:tailEnd type="none" w="med" len="med"/>
-                    </a:lnT>
-                    <a:lnB w="12700" cap="flat" cmpd="sng" algn="ctr">
-                      <a:solidFill>
-                        <a:schemeClr val="tx1"/>
-                      </a:solidFill>
-                      <a:prstDash val="solid"/>
-                      <a:round/>
-                      <a:headEnd type="none" w="med" len="med"/>
-                      <a:tailEnd type="none" w="med" len="med"/>
-                    </a:lnB>
-                  </a:tcPr>
+                  <a:tcPr marL="68580" marR="68580" marT="0" marB="0"/>
                 </a:tc>
                 <a:tc>
                   <a:txBody>
@@ -10077,26 +10104,17 @@
                         </a:spcAft>
                       </a:pPr>
                       <a:r>
-                        <a:rPr lang="pt-BR" sz="1200" dirty="0">
+                        <a:rPr lang="pt-BR" sz="1200">
                           <a:solidFill>
-                            <a:sysClr val="windowText" lastClr="000000"/>
+                            <a:schemeClr val="tx1"/>
                           </a:solidFill>
                           <a:effectLst/>
                         </a:rPr>
-                        <a:t>Tipo de Ataque </a:t>
+                        <a:t>Período do Ataque</a:t>
                       </a:r>
-                      <a:r>
-                        <a:rPr lang="pt-BR" sz="1200" dirty="0" err="1">
-                          <a:solidFill>
-                            <a:sysClr val="windowText" lastClr="000000"/>
-                          </a:solidFill>
-                          <a:effectLst/>
-                        </a:rPr>
-                        <a:t>DDoS</a:t>
-                      </a:r>
-                      <a:endParaRPr lang="pt-BR" sz="1200" dirty="0">
+                      <a:endParaRPr lang="pt-BR" sz="1200">
                         <a:solidFill>
-                          <a:sysClr val="windowText" lastClr="000000"/>
+                          <a:schemeClr val="tx1"/>
                         </a:solidFill>
                         <a:effectLst/>
                         <a:latin typeface="Times New Roman" panose="02020603050405020304" pitchFamily="18" charset="0"/>
@@ -10105,44 +10123,77 @@
                       </a:endParaRPr>
                     </a:p>
                   </a:txBody>
-                  <a:tcPr marL="44634" marR="44634" marT="0" marB="0">
-                    <a:lnL w="12700" cap="flat" cmpd="sng" algn="ctr">
-                      <a:solidFill>
-                        <a:schemeClr val="tx1"/>
-                      </a:solidFill>
-                      <a:prstDash val="solid"/>
-                      <a:round/>
-                      <a:headEnd type="none" w="med" len="med"/>
-                      <a:tailEnd type="none" w="med" len="med"/>
-                    </a:lnL>
-                    <a:lnR w="12700" cap="flat" cmpd="sng" algn="ctr">
-                      <a:solidFill>
-                        <a:schemeClr val="tx1"/>
-                      </a:solidFill>
-                      <a:prstDash val="solid"/>
-                      <a:round/>
-                      <a:headEnd type="none" w="med" len="med"/>
-                      <a:tailEnd type="none" w="med" len="med"/>
-                    </a:lnR>
-                    <a:lnT w="12700" cap="flat" cmpd="sng" algn="ctr">
-                      <a:solidFill>
-                        <a:schemeClr val="tx1"/>
-                      </a:solidFill>
-                      <a:prstDash val="solid"/>
-                      <a:round/>
-                      <a:headEnd type="none" w="med" len="med"/>
-                      <a:tailEnd type="none" w="med" len="med"/>
-                    </a:lnT>
-                    <a:lnB w="12700" cap="flat" cmpd="sng" algn="ctr">
-                      <a:solidFill>
-                        <a:schemeClr val="tx1"/>
-                      </a:solidFill>
-                      <a:prstDash val="solid"/>
-                      <a:round/>
-                      <a:headEnd type="none" w="med" len="med"/>
-                      <a:tailEnd type="none" w="med" len="med"/>
-                    </a:lnB>
-                  </a:tcPr>
+                  <a:tcPr marL="68580" marR="68580" marT="0" marB="0"/>
+                </a:tc>
+                <a:extLst>
+                  <a:ext uri="{0D108BD9-81ED-4DB2-BD59-A6C34878D82A}">
+                    <a16:rowId xmlns:a16="http://schemas.microsoft.com/office/drawing/2014/main" val="1743770824"/>
+                  </a:ext>
+                </a:extLst>
+              </a:tr>
+              <a:tr h="0">
+                <a:tc>
+                  <a:txBody>
+                    <a:bodyPr/>
+                    <a:lstStyle/>
+                    <a:p>
+                      <a:pPr algn="ctr">
+                        <a:lnSpc>
+                          <a:spcPct val="150000"/>
+                        </a:lnSpc>
+                        <a:spcAft>
+                          <a:spcPts val="800"/>
+                        </a:spcAft>
+                      </a:pPr>
+                      <a:r>
+                        <a:rPr lang="pt-BR" sz="1200" dirty="0" err="1">
+                          <a:solidFill>
+                            <a:schemeClr val="tx1"/>
+                          </a:solidFill>
+                          <a:effectLst/>
+                        </a:rPr>
+                        <a:t>Botnet</a:t>
+                      </a:r>
+                      <a:r>
+                        <a:rPr lang="pt-BR" sz="1200" dirty="0">
+                          <a:solidFill>
+                            <a:schemeClr val="tx1"/>
+                          </a:solidFill>
+                          <a:effectLst/>
+                        </a:rPr>
+                        <a:t> ARES</a:t>
+                      </a:r>
+                    </a:p>
+                    <a:p>
+                      <a:pPr algn="ctr">
+                        <a:lnSpc>
+                          <a:spcPct val="150000"/>
+                        </a:lnSpc>
+                        <a:spcAft>
+                          <a:spcPts val="800"/>
+                        </a:spcAft>
+                      </a:pPr>
+                      <a:r>
+                        <a:rPr lang="pt-BR" sz="1200" dirty="0">
+                          <a:solidFill>
+                            <a:schemeClr val="tx1"/>
+                          </a:solidFill>
+                          <a:effectLst/>
+                        </a:rPr>
+                        <a:t> </a:t>
+                      </a:r>
+                      <a:endParaRPr lang="pt-BR" sz="1200" dirty="0">
+                        <a:solidFill>
+                          <a:schemeClr val="tx1"/>
+                        </a:solidFill>
+                        <a:effectLst/>
+                        <a:latin typeface="Times New Roman" panose="02020603050405020304" pitchFamily="18" charset="0"/>
+                        <a:ea typeface="Times New Roman" panose="02020603050405020304" pitchFamily="18" charset="0"/>
+                        <a:cs typeface="Times New Roman" panose="02020603050405020304" pitchFamily="18" charset="0"/>
+                      </a:endParaRPr>
+                    </a:p>
+                  </a:txBody>
+                  <a:tcPr marL="68580" marR="68580" marT="0" marB="0"/>
                 </a:tc>
                 <a:tc>
                   <a:txBody>
@@ -10158,17 +10209,17 @@
                         </a:spcAft>
                       </a:pPr>
                       <a:r>
-                        <a:rPr lang="pt-BR" sz="1200" dirty="0">
+                        <a:rPr lang="pt-BR" sz="1200">
                           <a:solidFill>
-                            <a:sysClr val="windowText" lastClr="000000"/>
+                            <a:schemeClr val="tx1"/>
                           </a:solidFill>
                           <a:effectLst/>
                         </a:rPr>
-                        <a:t>Horário dos ataques</a:t>
+                        <a:t>10:02 - 11:02</a:t>
                       </a:r>
-                      <a:endParaRPr lang="pt-BR" sz="1200" dirty="0">
+                      <a:endParaRPr lang="pt-BR" sz="1200">
                         <a:solidFill>
-                          <a:sysClr val="windowText" lastClr="000000"/>
+                          <a:schemeClr val="tx1"/>
                         </a:solidFill>
                         <a:effectLst/>
                         <a:latin typeface="Times New Roman" panose="02020603050405020304" pitchFamily="18" charset="0"/>
@@ -10177,52 +10228,15 @@
                       </a:endParaRPr>
                     </a:p>
                   </a:txBody>
-                  <a:tcPr marL="44634" marR="44634" marT="0" marB="0">
-                    <a:lnL w="12700" cap="flat" cmpd="sng" algn="ctr">
-                      <a:solidFill>
-                        <a:schemeClr val="tx1"/>
-                      </a:solidFill>
-                      <a:prstDash val="solid"/>
-                      <a:round/>
-                      <a:headEnd type="none" w="med" len="med"/>
-                      <a:tailEnd type="none" w="med" len="med"/>
-                    </a:lnL>
-                    <a:lnR w="12700" cap="flat" cmpd="sng" algn="ctr">
-                      <a:solidFill>
-                        <a:schemeClr val="tx1"/>
-                      </a:solidFill>
-                      <a:prstDash val="solid"/>
-                      <a:round/>
-                      <a:headEnd type="none" w="med" len="med"/>
-                      <a:tailEnd type="none" w="med" len="med"/>
-                    </a:lnR>
-                    <a:lnT w="12700" cap="flat" cmpd="sng" algn="ctr">
-                      <a:solidFill>
-                        <a:schemeClr val="tx1"/>
-                      </a:solidFill>
-                      <a:prstDash val="solid"/>
-                      <a:round/>
-                      <a:headEnd type="none" w="med" len="med"/>
-                      <a:tailEnd type="none" w="med" len="med"/>
-                    </a:lnT>
-                    <a:lnB w="12700" cap="flat" cmpd="sng" algn="ctr">
-                      <a:solidFill>
-                        <a:schemeClr val="tx1"/>
-                      </a:solidFill>
-                      <a:prstDash val="solid"/>
-                      <a:round/>
-                      <a:headEnd type="none" w="med" len="med"/>
-                      <a:tailEnd type="none" w="med" len="med"/>
-                    </a:lnB>
-                  </a:tcPr>
+                  <a:tcPr marL="68580" marR="68580" marT="0" marB="0"/>
                 </a:tc>
                 <a:extLst>
                   <a:ext uri="{0D108BD9-81ED-4DB2-BD59-A6C34878D82A}">
-                    <a16:rowId xmlns:a16="http://schemas.microsoft.com/office/drawing/2014/main" val="2640114858"/>
+                    <a16:rowId xmlns:a16="http://schemas.microsoft.com/office/drawing/2014/main" val="2671241967"/>
                   </a:ext>
                 </a:extLst>
               </a:tr>
-              <a:tr h="1560712">
+              <a:tr h="0">
                 <a:tc>
                   <a:txBody>
                     <a:bodyPr/>
@@ -10237,36 +10251,17 @@
                         </a:spcAft>
                       </a:pPr>
                       <a:r>
-                        <a:rPr lang="pt-BR" sz="1200" dirty="0">
+                        <a:rPr lang="en-US" sz="1200">
                           <a:solidFill>
-                            <a:sysClr val="windowText" lastClr="000000"/>
+                            <a:schemeClr val="tx1"/>
                           </a:solidFill>
                           <a:effectLst/>
                         </a:rPr>
-                        <a:t>1</a:t>
+                        <a:t>Port Scan</a:t>
                       </a:r>
-                    </a:p>
-                    <a:p>
-                      <a:pPr algn="ctr">
-                        <a:lnSpc>
-                          <a:spcPct val="150000"/>
-                        </a:lnSpc>
-                        <a:spcAft>
-                          <a:spcPts val="800"/>
-                        </a:spcAft>
-                      </a:pPr>
-                      <a:r>
-                        <a:rPr lang="pt-BR" sz="1200" dirty="0">
-                          <a:solidFill>
-                            <a:sysClr val="windowText" lastClr="000000"/>
-                          </a:solidFill>
-                          <a:effectLst/>
-                        </a:rPr>
-                        <a:t> </a:t>
-                      </a:r>
-                      <a:endParaRPr lang="pt-BR" sz="1200" dirty="0">
+                      <a:endParaRPr lang="pt-BR" sz="1200">
                         <a:solidFill>
-                          <a:sysClr val="windowText" lastClr="000000"/>
+                          <a:schemeClr val="tx1"/>
                         </a:solidFill>
                         <a:effectLst/>
                         <a:latin typeface="Times New Roman" panose="02020603050405020304" pitchFamily="18" charset="0"/>
@@ -10275,582 +10270,7 @@
                       </a:endParaRPr>
                     </a:p>
                   </a:txBody>
-                  <a:tcPr marL="44634" marR="44634" marT="0" marB="0">
-                    <a:lnL w="12700" cap="flat" cmpd="sng" algn="ctr">
-                      <a:solidFill>
-                        <a:schemeClr val="tx1"/>
-                      </a:solidFill>
-                      <a:prstDash val="solid"/>
-                      <a:round/>
-                      <a:headEnd type="none" w="med" len="med"/>
-                      <a:tailEnd type="none" w="med" len="med"/>
-                    </a:lnL>
-                    <a:lnR w="12700" cap="flat" cmpd="sng" algn="ctr">
-                      <a:solidFill>
-                        <a:schemeClr val="tx1"/>
-                      </a:solidFill>
-                      <a:prstDash val="solid"/>
-                      <a:round/>
-                      <a:headEnd type="none" w="med" len="med"/>
-                      <a:tailEnd type="none" w="med" len="med"/>
-                    </a:lnR>
-                    <a:lnT w="12700" cap="flat" cmpd="sng" algn="ctr">
-                      <a:solidFill>
-                        <a:schemeClr val="tx1"/>
-                      </a:solidFill>
-                      <a:prstDash val="solid"/>
-                      <a:round/>
-                      <a:headEnd type="none" w="med" len="med"/>
-                      <a:tailEnd type="none" w="med" len="med"/>
-                    </a:lnT>
-                    <a:lnB w="12700" cap="flat" cmpd="sng" algn="ctr">
-                      <a:solidFill>
-                        <a:schemeClr val="tx1"/>
-                      </a:solidFill>
-                      <a:prstDash val="solid"/>
-                      <a:round/>
-                      <a:headEnd type="none" w="med" len="med"/>
-                      <a:tailEnd type="none" w="med" len="med"/>
-                    </a:lnB>
-                  </a:tcPr>
-                </a:tc>
-                <a:tc>
-                  <a:txBody>
-                    <a:bodyPr/>
-                    <a:lstStyle/>
-                    <a:p>
-                      <a:pPr algn="ctr">
-                        <a:lnSpc>
-                          <a:spcPct val="107000"/>
-                        </a:lnSpc>
-                        <a:spcAft>
-                          <a:spcPts val="800"/>
-                        </a:spcAft>
-                      </a:pPr>
-                      <a:r>
-                        <a:rPr lang="pt-BR" sz="1200">
-                          <a:solidFill>
-                            <a:sysClr val="windowText" lastClr="000000"/>
-                          </a:solidFill>
-                          <a:effectLst/>
-                        </a:rPr>
-                        <a:t>PortMap</a:t>
-                      </a:r>
-                    </a:p>
-                    <a:p>
-                      <a:pPr algn="ctr">
-                        <a:lnSpc>
-                          <a:spcPct val="107000"/>
-                        </a:lnSpc>
-                        <a:spcAft>
-                          <a:spcPts val="800"/>
-                        </a:spcAft>
-                      </a:pPr>
-                      <a:r>
-                        <a:rPr lang="pt-BR" sz="1200">
-                          <a:solidFill>
-                            <a:sysClr val="windowText" lastClr="000000"/>
-                          </a:solidFill>
-                          <a:effectLst/>
-                        </a:rPr>
-                        <a:t>NetBIOS</a:t>
-                      </a:r>
-                    </a:p>
-                    <a:p>
-                      <a:pPr algn="ctr">
-                        <a:lnSpc>
-                          <a:spcPct val="107000"/>
-                        </a:lnSpc>
-                        <a:spcAft>
-                          <a:spcPts val="800"/>
-                        </a:spcAft>
-                      </a:pPr>
-                      <a:r>
-                        <a:rPr lang="pt-BR" sz="1200">
-                          <a:solidFill>
-                            <a:sysClr val="windowText" lastClr="000000"/>
-                          </a:solidFill>
-                          <a:effectLst/>
-                        </a:rPr>
-                        <a:t>LDAP</a:t>
-                      </a:r>
-                    </a:p>
-                    <a:p>
-                      <a:pPr algn="ctr">
-                        <a:lnSpc>
-                          <a:spcPct val="107000"/>
-                        </a:lnSpc>
-                        <a:spcAft>
-                          <a:spcPts val="800"/>
-                        </a:spcAft>
-                      </a:pPr>
-                      <a:r>
-                        <a:rPr lang="pt-BR" sz="1200">
-                          <a:solidFill>
-                            <a:sysClr val="windowText" lastClr="000000"/>
-                          </a:solidFill>
-                          <a:effectLst/>
-                        </a:rPr>
-                        <a:t>MSSQL</a:t>
-                      </a:r>
-                    </a:p>
-                    <a:p>
-                      <a:pPr algn="ctr">
-                        <a:lnSpc>
-                          <a:spcPct val="107000"/>
-                        </a:lnSpc>
-                        <a:spcAft>
-                          <a:spcPts val="800"/>
-                        </a:spcAft>
-                      </a:pPr>
-                      <a:r>
-                        <a:rPr lang="pt-BR" sz="1200">
-                          <a:solidFill>
-                            <a:sysClr val="windowText" lastClr="000000"/>
-                          </a:solidFill>
-                          <a:effectLst/>
-                        </a:rPr>
-                        <a:t>UDP</a:t>
-                      </a:r>
-                    </a:p>
-                    <a:p>
-                      <a:pPr algn="ctr">
-                        <a:lnSpc>
-                          <a:spcPct val="107000"/>
-                        </a:lnSpc>
-                        <a:spcAft>
-                          <a:spcPts val="800"/>
-                        </a:spcAft>
-                      </a:pPr>
-                      <a:r>
-                        <a:rPr lang="pt-BR" sz="1200">
-                          <a:solidFill>
-                            <a:sysClr val="windowText" lastClr="000000"/>
-                          </a:solidFill>
-                          <a:effectLst/>
-                        </a:rPr>
-                        <a:t>UDP-Lag</a:t>
-                      </a:r>
-                    </a:p>
-                    <a:p>
-                      <a:pPr algn="ctr">
-                        <a:lnSpc>
-                          <a:spcPct val="150000"/>
-                        </a:lnSpc>
-                        <a:spcAft>
-                          <a:spcPts val="800"/>
-                        </a:spcAft>
-                      </a:pPr>
-                      <a:r>
-                        <a:rPr lang="pt-BR" sz="1200">
-                          <a:solidFill>
-                            <a:sysClr val="windowText" lastClr="000000"/>
-                          </a:solidFill>
-                          <a:effectLst/>
-                        </a:rPr>
-                        <a:t>SYN</a:t>
-                      </a:r>
-                      <a:endParaRPr lang="pt-BR" sz="1200">
-                        <a:solidFill>
-                          <a:sysClr val="windowText" lastClr="000000"/>
-                        </a:solidFill>
-                        <a:effectLst/>
-                        <a:latin typeface="Times New Roman" panose="02020603050405020304" pitchFamily="18" charset="0"/>
-                        <a:ea typeface="Times New Roman" panose="02020603050405020304" pitchFamily="18" charset="0"/>
-                        <a:cs typeface="Times New Roman" panose="02020603050405020304" pitchFamily="18" charset="0"/>
-                      </a:endParaRPr>
-                    </a:p>
-                  </a:txBody>
-                  <a:tcPr marL="44634" marR="44634" marT="0" marB="0">
-                    <a:lnL w="12700" cap="flat" cmpd="sng" algn="ctr">
-                      <a:solidFill>
-                        <a:schemeClr val="tx1"/>
-                      </a:solidFill>
-                      <a:prstDash val="solid"/>
-                      <a:round/>
-                      <a:headEnd type="none" w="med" len="med"/>
-                      <a:tailEnd type="none" w="med" len="med"/>
-                    </a:lnL>
-                    <a:lnR w="12700" cap="flat" cmpd="sng" algn="ctr">
-                      <a:solidFill>
-                        <a:schemeClr val="tx1"/>
-                      </a:solidFill>
-                      <a:prstDash val="solid"/>
-                      <a:round/>
-                      <a:headEnd type="none" w="med" len="med"/>
-                      <a:tailEnd type="none" w="med" len="med"/>
-                    </a:lnR>
-                    <a:lnT w="12700" cap="flat" cmpd="sng" algn="ctr">
-                      <a:solidFill>
-                        <a:schemeClr val="tx1"/>
-                      </a:solidFill>
-                      <a:prstDash val="solid"/>
-                      <a:round/>
-                      <a:headEnd type="none" w="med" len="med"/>
-                      <a:tailEnd type="none" w="med" len="med"/>
-                    </a:lnT>
-                    <a:lnB w="12700" cap="flat" cmpd="sng" algn="ctr">
-                      <a:solidFill>
-                        <a:schemeClr val="tx1"/>
-                      </a:solidFill>
-                      <a:prstDash val="solid"/>
-                      <a:round/>
-                      <a:headEnd type="none" w="med" len="med"/>
-                      <a:tailEnd type="none" w="med" len="med"/>
-                    </a:lnB>
-                  </a:tcPr>
-                </a:tc>
-                <a:tc>
-                  <a:txBody>
-                    <a:bodyPr/>
-                    <a:lstStyle/>
-                    <a:p>
-                      <a:pPr algn="ctr">
-                        <a:lnSpc>
-                          <a:spcPct val="107000"/>
-                        </a:lnSpc>
-                        <a:spcAft>
-                          <a:spcPts val="800"/>
-                        </a:spcAft>
-                      </a:pPr>
-                      <a:r>
-                        <a:rPr lang="en-US" sz="1200" dirty="0">
-                          <a:solidFill>
-                            <a:sysClr val="windowText" lastClr="000000"/>
-                          </a:solidFill>
-                          <a:effectLst/>
-                        </a:rPr>
-                        <a:t>9:43 - 9:51</a:t>
-                      </a:r>
-                      <a:endParaRPr lang="pt-BR" sz="1200" dirty="0">
-                        <a:solidFill>
-                          <a:sysClr val="windowText" lastClr="000000"/>
-                        </a:solidFill>
-                        <a:effectLst/>
-                      </a:endParaRPr>
-                    </a:p>
-                    <a:p>
-                      <a:pPr algn="ctr">
-                        <a:lnSpc>
-                          <a:spcPct val="107000"/>
-                        </a:lnSpc>
-                        <a:spcAft>
-                          <a:spcPts val="800"/>
-                        </a:spcAft>
-                      </a:pPr>
-                      <a:r>
-                        <a:rPr lang="en-US" sz="1200" dirty="0">
-                          <a:solidFill>
-                            <a:sysClr val="windowText" lastClr="000000"/>
-                          </a:solidFill>
-                          <a:effectLst/>
-                        </a:rPr>
-                        <a:t>10:00 - 10:09</a:t>
-                      </a:r>
-                      <a:endParaRPr lang="pt-BR" sz="1200" dirty="0">
-                        <a:solidFill>
-                          <a:sysClr val="windowText" lastClr="000000"/>
-                        </a:solidFill>
-                        <a:effectLst/>
-                      </a:endParaRPr>
-                    </a:p>
-                    <a:p>
-                      <a:pPr algn="ctr">
-                        <a:lnSpc>
-                          <a:spcPct val="107000"/>
-                        </a:lnSpc>
-                        <a:spcAft>
-                          <a:spcPts val="800"/>
-                        </a:spcAft>
-                      </a:pPr>
-                      <a:r>
-                        <a:rPr lang="en-US" sz="1200" dirty="0">
-                          <a:solidFill>
-                            <a:sysClr val="windowText" lastClr="000000"/>
-                          </a:solidFill>
-                          <a:effectLst/>
-                        </a:rPr>
-                        <a:t>10:21 - 10:30</a:t>
-                      </a:r>
-                      <a:endParaRPr lang="pt-BR" sz="1200" dirty="0">
-                        <a:solidFill>
-                          <a:sysClr val="windowText" lastClr="000000"/>
-                        </a:solidFill>
-                        <a:effectLst/>
-                      </a:endParaRPr>
-                    </a:p>
-                    <a:p>
-                      <a:pPr algn="ctr">
-                        <a:lnSpc>
-                          <a:spcPct val="107000"/>
-                        </a:lnSpc>
-                        <a:spcAft>
-                          <a:spcPts val="800"/>
-                        </a:spcAft>
-                      </a:pPr>
-                      <a:r>
-                        <a:rPr lang="en-US" sz="1200" dirty="0">
-                          <a:solidFill>
-                            <a:sysClr val="windowText" lastClr="000000"/>
-                          </a:solidFill>
-                          <a:effectLst/>
-                        </a:rPr>
-                        <a:t>10:33 - 10:42</a:t>
-                      </a:r>
-                      <a:endParaRPr lang="pt-BR" sz="1200" dirty="0">
-                        <a:solidFill>
-                          <a:sysClr val="windowText" lastClr="000000"/>
-                        </a:solidFill>
-                        <a:effectLst/>
-                      </a:endParaRPr>
-                    </a:p>
-                    <a:p>
-                      <a:pPr algn="ctr">
-                        <a:lnSpc>
-                          <a:spcPct val="107000"/>
-                        </a:lnSpc>
-                        <a:spcAft>
-                          <a:spcPts val="800"/>
-                        </a:spcAft>
-                      </a:pPr>
-                      <a:r>
-                        <a:rPr lang="en-US" sz="1200" dirty="0">
-                          <a:solidFill>
-                            <a:sysClr val="windowText" lastClr="000000"/>
-                          </a:solidFill>
-                          <a:effectLst/>
-                        </a:rPr>
-                        <a:t>10:53 - 11:03</a:t>
-                      </a:r>
-                      <a:endParaRPr lang="pt-BR" sz="1200" dirty="0">
-                        <a:solidFill>
-                          <a:sysClr val="windowText" lastClr="000000"/>
-                        </a:solidFill>
-                        <a:effectLst/>
-                      </a:endParaRPr>
-                    </a:p>
-                    <a:p>
-                      <a:pPr algn="ctr">
-                        <a:lnSpc>
-                          <a:spcPct val="107000"/>
-                        </a:lnSpc>
-                        <a:spcAft>
-                          <a:spcPts val="800"/>
-                        </a:spcAft>
-                      </a:pPr>
-                      <a:r>
-                        <a:rPr lang="en-US" sz="1200" dirty="0">
-                          <a:solidFill>
-                            <a:sysClr val="windowText" lastClr="000000"/>
-                          </a:solidFill>
-                          <a:effectLst/>
-                        </a:rPr>
-                        <a:t>11:14 - 11:24</a:t>
-                      </a:r>
-                      <a:endParaRPr lang="pt-BR" sz="1200" dirty="0">
-                        <a:solidFill>
-                          <a:sysClr val="windowText" lastClr="000000"/>
-                        </a:solidFill>
-                        <a:effectLst/>
-                      </a:endParaRPr>
-                    </a:p>
-                    <a:p>
-                      <a:pPr algn="ctr">
-                        <a:lnSpc>
-                          <a:spcPct val="150000"/>
-                        </a:lnSpc>
-                        <a:spcAft>
-                          <a:spcPts val="800"/>
-                        </a:spcAft>
-                      </a:pPr>
-                      <a:r>
-                        <a:rPr lang="en-US" sz="1200" dirty="0">
-                          <a:solidFill>
-                            <a:sysClr val="windowText" lastClr="000000"/>
-                          </a:solidFill>
-                          <a:effectLst/>
-                        </a:rPr>
-                        <a:t>11:28 - 17:35</a:t>
-                      </a:r>
-                      <a:endParaRPr lang="pt-BR" sz="1200" dirty="0">
-                        <a:solidFill>
-                          <a:sysClr val="windowText" lastClr="000000"/>
-                        </a:solidFill>
-                        <a:effectLst/>
-                        <a:latin typeface="Times New Roman" panose="02020603050405020304" pitchFamily="18" charset="0"/>
-                        <a:ea typeface="Times New Roman" panose="02020603050405020304" pitchFamily="18" charset="0"/>
-                        <a:cs typeface="Times New Roman" panose="02020603050405020304" pitchFamily="18" charset="0"/>
-                      </a:endParaRPr>
-                    </a:p>
-                  </a:txBody>
-                  <a:tcPr marL="44634" marR="44634" marT="0" marB="0">
-                    <a:lnL w="12700" cap="flat" cmpd="sng" algn="ctr">
-                      <a:solidFill>
-                        <a:schemeClr val="tx1"/>
-                      </a:solidFill>
-                      <a:prstDash val="solid"/>
-                      <a:round/>
-                      <a:headEnd type="none" w="med" len="med"/>
-                      <a:tailEnd type="none" w="med" len="med"/>
-                    </a:lnL>
-                    <a:lnR w="12700" cap="flat" cmpd="sng" algn="ctr">
-                      <a:solidFill>
-                        <a:schemeClr val="tx1"/>
-                      </a:solidFill>
-                      <a:prstDash val="solid"/>
-                      <a:round/>
-                      <a:headEnd type="none" w="med" len="med"/>
-                      <a:tailEnd type="none" w="med" len="med"/>
-                    </a:lnR>
-                    <a:lnT w="12700" cap="flat" cmpd="sng" algn="ctr">
-                      <a:solidFill>
-                        <a:schemeClr val="tx1"/>
-                      </a:solidFill>
-                      <a:prstDash val="solid"/>
-                      <a:round/>
-                      <a:headEnd type="none" w="med" len="med"/>
-                      <a:tailEnd type="none" w="med" len="med"/>
-                    </a:lnT>
-                    <a:lnB w="12700" cap="flat" cmpd="sng" algn="ctr">
-                      <a:solidFill>
-                        <a:schemeClr val="tx1"/>
-                      </a:solidFill>
-                      <a:prstDash val="solid"/>
-                      <a:round/>
-                      <a:headEnd type="none" w="med" len="med"/>
-                      <a:tailEnd type="none" w="med" len="med"/>
-                    </a:lnB>
-                  </a:tcPr>
-                </a:tc>
-                <a:extLst>
-                  <a:ext uri="{0D108BD9-81ED-4DB2-BD59-A6C34878D82A}">
-                    <a16:rowId xmlns:a16="http://schemas.microsoft.com/office/drawing/2014/main" val="2697177599"/>
-                  </a:ext>
-                </a:extLst>
-              </a:tr>
-            </a:tbl>
-          </a:graphicData>
-        </a:graphic>
-      </p:graphicFrame>
-      <p:graphicFrame>
-        <p:nvGraphicFramePr>
-          <p:cNvPr id="6" name="Tabela 5">
-            <a:extLst>
-              <a:ext uri="{FF2B5EF4-FFF2-40B4-BE49-F238E27FC236}">
-                <a16:creationId xmlns:a16="http://schemas.microsoft.com/office/drawing/2014/main" id="{668B9715-C81B-442C-A9AD-840384790F7E}"/>
-              </a:ext>
-            </a:extLst>
-          </p:cNvPr>
-          <p:cNvGraphicFramePr>
-            <a:graphicFrameLocks noGrp="1"/>
-          </p:cNvGraphicFramePr>
-          <p:nvPr>
-            <p:extLst>
-              <p:ext uri="{D42A27DB-BD31-4B8C-83A1-F6EECF244321}">
-                <p14:modId xmlns:p14="http://schemas.microsoft.com/office/powerpoint/2010/main" val="2203682092"/>
-              </p:ext>
-            </p:extLst>
-          </p:nvPr>
-        </p:nvGraphicFramePr>
-        <p:xfrm>
-          <a:off x="7190165" y="1589245"/>
-          <a:ext cx="3473449" cy="4026726"/>
-        </p:xfrm>
-        <a:graphic>
-          <a:graphicData uri="http://schemas.openxmlformats.org/drawingml/2006/table">
-            <a:tbl>
-              <a:tblPr firstRow="1" firstCol="1" bandRow="1">
-                <a:tableStyleId>{5C22544A-7EE6-4342-B048-85BDC9FD1C3A}</a:tableStyleId>
-              </a:tblPr>
-              <a:tblGrid>
-                <a:gridCol w="1120263">
-                  <a:extLst>
-                    <a:ext uri="{9D8B030D-6E8A-4147-A177-3AD203B41FA5}">
-                      <a16:colId xmlns:a16="http://schemas.microsoft.com/office/drawing/2014/main" val="3202254557"/>
-                    </a:ext>
-                  </a:extLst>
-                </a:gridCol>
-                <a:gridCol w="1176401">
-                  <a:extLst>
-                    <a:ext uri="{9D8B030D-6E8A-4147-A177-3AD203B41FA5}">
-                      <a16:colId xmlns:a16="http://schemas.microsoft.com/office/drawing/2014/main" val="4077564764"/>
-                    </a:ext>
-                  </a:extLst>
-                </a:gridCol>
-                <a:gridCol w="1176785">
-                  <a:extLst>
-                    <a:ext uri="{9D8B030D-6E8A-4147-A177-3AD203B41FA5}">
-                      <a16:colId xmlns:a16="http://schemas.microsoft.com/office/drawing/2014/main" val="77989115"/>
-                    </a:ext>
-                  </a:extLst>
-                </a:gridCol>
-              </a:tblGrid>
-              <a:tr h="317679">
-                <a:tc>
-                  <a:txBody>
-                    <a:bodyPr/>
-                    <a:lstStyle/>
-                    <a:p>
-                      <a:pPr algn="ctr">
-                        <a:lnSpc>
-                          <a:spcPct val="150000"/>
-                        </a:lnSpc>
-                        <a:spcAft>
-                          <a:spcPts val="800"/>
-                        </a:spcAft>
-                      </a:pPr>
-                      <a:r>
-                        <a:rPr lang="pt-BR" sz="1200" dirty="0">
-                          <a:solidFill>
-                            <a:sysClr val="windowText" lastClr="000000"/>
-                          </a:solidFill>
-                          <a:effectLst/>
-                          <a:latin typeface="+mn-lt"/>
-                          <a:ea typeface="Times New Roman" panose="02020603050405020304" pitchFamily="18" charset="0"/>
-                          <a:cs typeface="Times New Roman" panose="02020603050405020304" pitchFamily="18" charset="0"/>
-                        </a:rPr>
-                        <a:t>Dia</a:t>
-                      </a:r>
-                    </a:p>
-                  </a:txBody>
-                  <a:tcPr marL="44634" marR="44634" marT="0" marB="0">
-                    <a:lnL w="12700" cap="flat" cmpd="sng" algn="ctr">
-                      <a:solidFill>
-                        <a:schemeClr val="tx1"/>
-                      </a:solidFill>
-                      <a:prstDash val="solid"/>
-                      <a:round/>
-                      <a:headEnd type="none" w="med" len="med"/>
-                      <a:tailEnd type="none" w="med" len="med"/>
-                    </a:lnL>
-                    <a:lnR w="12700" cap="flat" cmpd="sng" algn="ctr">
-                      <a:solidFill>
-                        <a:schemeClr val="tx1"/>
-                      </a:solidFill>
-                      <a:prstDash val="solid"/>
-                      <a:round/>
-                      <a:headEnd type="none" w="med" len="med"/>
-                      <a:tailEnd type="none" w="med" len="med"/>
-                    </a:lnR>
-                    <a:lnT w="12700" cap="flat" cmpd="sng" algn="ctr">
-                      <a:solidFill>
-                        <a:schemeClr val="tx1"/>
-                      </a:solidFill>
-                      <a:prstDash val="solid"/>
-                      <a:round/>
-                      <a:headEnd type="none" w="med" len="med"/>
-                      <a:tailEnd type="none" w="med" len="med"/>
-                    </a:lnT>
-                    <a:lnB w="12700" cap="flat" cmpd="sng" algn="ctr">
-                      <a:solidFill>
-                        <a:schemeClr val="tx1"/>
-                      </a:solidFill>
-                      <a:prstDash val="solid"/>
-                      <a:round/>
-                      <a:headEnd type="none" w="med" len="med"/>
-                      <a:tailEnd type="none" w="med" len="med"/>
-                    </a:lnB>
-                  </a:tcPr>
+                  <a:tcPr marL="68580" marR="68580" marT="0" marB="0"/>
                 </a:tc>
                 <a:tc>
                   <a:txBody>
@@ -10866,26 +10286,17 @@
                         </a:spcAft>
                       </a:pPr>
                       <a:r>
-                        <a:rPr lang="pt-BR" sz="1200" dirty="0">
+                        <a:rPr lang="en-US" sz="1200">
                           <a:solidFill>
-                            <a:sysClr val="windowText" lastClr="000000"/>
+                            <a:schemeClr val="tx1"/>
                           </a:solidFill>
                           <a:effectLst/>
                         </a:rPr>
-                        <a:t>Tipo de Ataque </a:t>
+                        <a:t>-</a:t>
                       </a:r>
-                      <a:r>
-                        <a:rPr lang="pt-BR" sz="1200" dirty="0" err="1">
-                          <a:solidFill>
-                            <a:sysClr val="windowText" lastClr="000000"/>
-                          </a:solidFill>
-                          <a:effectLst/>
-                        </a:rPr>
-                        <a:t>DDoS</a:t>
-                      </a:r>
-                      <a:endParaRPr lang="pt-BR" sz="1200" dirty="0">
+                      <a:endParaRPr lang="pt-BR" sz="1200">
                         <a:solidFill>
-                          <a:sysClr val="windowText" lastClr="000000"/>
+                          <a:schemeClr val="tx1"/>
                         </a:solidFill>
                         <a:effectLst/>
                         <a:latin typeface="Times New Roman" panose="02020603050405020304" pitchFamily="18" charset="0"/>
@@ -10894,124 +10305,15 @@
                       </a:endParaRPr>
                     </a:p>
                   </a:txBody>
-                  <a:tcPr marL="44634" marR="44634" marT="0" marB="0">
-                    <a:lnL w="12700" cap="flat" cmpd="sng" algn="ctr">
-                      <a:solidFill>
-                        <a:schemeClr val="tx1"/>
-                      </a:solidFill>
-                      <a:prstDash val="solid"/>
-                      <a:round/>
-                      <a:headEnd type="none" w="med" len="med"/>
-                      <a:tailEnd type="none" w="med" len="med"/>
-                    </a:lnL>
-                    <a:lnR w="12700" cap="flat" cmpd="sng" algn="ctr">
-                      <a:solidFill>
-                        <a:schemeClr val="tx1"/>
-                      </a:solidFill>
-                      <a:prstDash val="solid"/>
-                      <a:round/>
-                      <a:headEnd type="none" w="med" len="med"/>
-                      <a:tailEnd type="none" w="med" len="med"/>
-                    </a:lnR>
-                    <a:lnT w="12700" cap="flat" cmpd="sng" algn="ctr">
-                      <a:solidFill>
-                        <a:schemeClr val="tx1"/>
-                      </a:solidFill>
-                      <a:prstDash val="solid"/>
-                      <a:round/>
-                      <a:headEnd type="none" w="med" len="med"/>
-                      <a:tailEnd type="none" w="med" len="med"/>
-                    </a:lnT>
-                    <a:lnB w="12700" cap="flat" cmpd="sng" algn="ctr">
-                      <a:solidFill>
-                        <a:schemeClr val="tx1"/>
-                      </a:solidFill>
-                      <a:prstDash val="solid"/>
-                      <a:round/>
-                      <a:headEnd type="none" w="med" len="med"/>
-                      <a:tailEnd type="none" w="med" len="med"/>
-                    </a:lnB>
-                  </a:tcPr>
-                </a:tc>
-                <a:tc>
-                  <a:txBody>
-                    <a:bodyPr/>
-                    <a:lstStyle/>
-                    <a:p>
-                      <a:pPr algn="ctr">
-                        <a:lnSpc>
-                          <a:spcPct val="150000"/>
-                        </a:lnSpc>
-                        <a:spcAft>
-                          <a:spcPts val="800"/>
-                        </a:spcAft>
-                      </a:pPr>
-                      <a:r>
-                        <a:rPr lang="pt-BR" sz="1200" dirty="0">
-                          <a:solidFill>
-                            <a:sysClr val="windowText" lastClr="000000"/>
-                          </a:solidFill>
-                          <a:effectLst/>
-                        </a:rPr>
-                        <a:t>Horário dos ataques</a:t>
-                      </a:r>
-                      <a:endParaRPr lang="pt-BR" sz="1200" dirty="0">
-                        <a:solidFill>
-                          <a:sysClr val="windowText" lastClr="000000"/>
-                        </a:solidFill>
-                        <a:effectLst/>
-                        <a:latin typeface="Times New Roman" panose="02020603050405020304" pitchFamily="18" charset="0"/>
-                        <a:ea typeface="Times New Roman" panose="02020603050405020304" pitchFamily="18" charset="0"/>
-                        <a:cs typeface="Times New Roman" panose="02020603050405020304" pitchFamily="18" charset="0"/>
-                      </a:endParaRPr>
-                    </a:p>
-                  </a:txBody>
-                  <a:tcPr marL="44634" marR="44634" marT="0" marB="0">
-                    <a:lnL w="12700" cap="flat" cmpd="sng" algn="ctr">
-                      <a:solidFill>
-                        <a:schemeClr val="tx1"/>
-                      </a:solidFill>
-                      <a:prstDash val="solid"/>
-                      <a:round/>
-                      <a:headEnd type="none" w="med" len="med"/>
-                      <a:tailEnd type="none" w="med" len="med"/>
-                    </a:lnL>
-                    <a:lnR w="12700" cap="flat" cmpd="sng" algn="ctr">
-                      <a:solidFill>
-                        <a:schemeClr val="tx1"/>
-                      </a:solidFill>
-                      <a:prstDash val="solid"/>
-                      <a:round/>
-                      <a:headEnd type="none" w="med" len="med"/>
-                      <a:tailEnd type="none" w="med" len="med"/>
-                    </a:lnR>
-                    <a:lnT w="12700" cap="flat" cmpd="sng" algn="ctr">
-                      <a:solidFill>
-                        <a:schemeClr val="tx1"/>
-                      </a:solidFill>
-                      <a:prstDash val="solid"/>
-                      <a:round/>
-                      <a:headEnd type="none" w="med" len="med"/>
-                      <a:tailEnd type="none" w="med" len="med"/>
-                    </a:lnT>
-                    <a:lnB w="12700" cap="flat" cmpd="sng" algn="ctr">
-                      <a:solidFill>
-                        <a:schemeClr val="tx1"/>
-                      </a:solidFill>
-                      <a:prstDash val="solid"/>
-                      <a:round/>
-                      <a:headEnd type="none" w="med" len="med"/>
-                      <a:tailEnd type="none" w="med" len="med"/>
-                    </a:lnB>
-                  </a:tcPr>
+                  <a:tcPr marL="68580" marR="68580" marT="0" marB="0"/>
                 </a:tc>
                 <a:extLst>
                   <a:ext uri="{0D108BD9-81ED-4DB2-BD59-A6C34878D82A}">
-                    <a16:rowId xmlns:a16="http://schemas.microsoft.com/office/drawing/2014/main" val="1130631547"/>
+                    <a16:rowId xmlns:a16="http://schemas.microsoft.com/office/drawing/2014/main" val="2259523293"/>
                   </a:ext>
                 </a:extLst>
               </a:tr>
-              <a:tr h="2726698">
+              <a:tr h="0">
                 <a:tc>
                   <a:txBody>
                     <a:bodyPr/>
@@ -11028,15 +10330,15 @@
                       <a:r>
                         <a:rPr lang="en-US" sz="1200" dirty="0">
                           <a:solidFill>
-                            <a:sysClr val="windowText" lastClr="000000"/>
+                            <a:schemeClr val="tx1"/>
                           </a:solidFill>
                           <a:effectLst/>
                         </a:rPr>
-                        <a:t>2</a:t>
+                        <a:t>DDoS LOIT</a:t>
                       </a:r>
                       <a:endParaRPr lang="pt-BR" sz="1200" dirty="0">
                         <a:solidFill>
-                          <a:sysClr val="windowText" lastClr="000000"/>
+                          <a:schemeClr val="tx1"/>
                         </a:solidFill>
                         <a:effectLst/>
                         <a:latin typeface="Times New Roman" panose="02020603050405020304" pitchFamily="18" charset="0"/>
@@ -11045,324 +10347,12 @@
                       </a:endParaRPr>
                     </a:p>
                   </a:txBody>
-                  <a:tcPr marL="44634" marR="44634" marT="0" marB="0">
-                    <a:lnL w="12700" cap="flat" cmpd="sng" algn="ctr">
-                      <a:solidFill>
-                        <a:schemeClr val="tx1"/>
-                      </a:solidFill>
-                      <a:prstDash val="solid"/>
-                      <a:round/>
-                      <a:headEnd type="none" w="med" len="med"/>
-                      <a:tailEnd type="none" w="med" len="med"/>
-                    </a:lnL>
-                    <a:lnR w="12700" cap="flat" cmpd="sng" algn="ctr">
-                      <a:solidFill>
-                        <a:schemeClr val="tx1"/>
-                      </a:solidFill>
-                      <a:prstDash val="solid"/>
-                      <a:round/>
-                      <a:headEnd type="none" w="med" len="med"/>
-                      <a:tailEnd type="none" w="med" len="med"/>
-                    </a:lnR>
-                    <a:lnT w="12700" cap="flat" cmpd="sng" algn="ctr">
-                      <a:solidFill>
-                        <a:schemeClr val="tx1"/>
-                      </a:solidFill>
-                      <a:prstDash val="solid"/>
-                      <a:round/>
-                      <a:headEnd type="none" w="med" len="med"/>
-                      <a:tailEnd type="none" w="med" len="med"/>
-                    </a:lnT>
-                    <a:lnB w="12700" cap="flat" cmpd="sng" algn="ctr">
-                      <a:solidFill>
-                        <a:schemeClr val="tx1"/>
-                      </a:solidFill>
-                      <a:prstDash val="solid"/>
-                      <a:round/>
-                      <a:headEnd type="none" w="med" len="med"/>
-                      <a:tailEnd type="none" w="med" len="med"/>
-                    </a:lnB>
-                  </a:tcPr>
+                  <a:tcPr marL="68580" marR="68580" marT="0" marB="0"/>
                 </a:tc>
                 <a:tc>
                   <a:txBody>
                     <a:bodyPr/>
                     <a:lstStyle/>
-                    <a:p>
-                      <a:pPr algn="ctr">
-                        <a:lnSpc>
-                          <a:spcPct val="107000"/>
-                        </a:lnSpc>
-                        <a:spcAft>
-                          <a:spcPts val="800"/>
-                        </a:spcAft>
-                      </a:pPr>
-                      <a:r>
-                        <a:rPr lang="en-US" sz="1200" dirty="0">
-                          <a:solidFill>
-                            <a:sysClr val="windowText" lastClr="000000"/>
-                          </a:solidFill>
-                          <a:effectLst/>
-                        </a:rPr>
-                        <a:t>NTP</a:t>
-                      </a:r>
-                      <a:endParaRPr lang="pt-BR" sz="1200" dirty="0">
-                        <a:solidFill>
-                          <a:sysClr val="windowText" lastClr="000000"/>
-                        </a:solidFill>
-                        <a:effectLst/>
-                      </a:endParaRPr>
-                    </a:p>
-                    <a:p>
-                      <a:pPr algn="ctr">
-                        <a:lnSpc>
-                          <a:spcPct val="107000"/>
-                        </a:lnSpc>
-                        <a:spcAft>
-                          <a:spcPts val="800"/>
-                        </a:spcAft>
-                      </a:pPr>
-                      <a:r>
-                        <a:rPr lang="en-US" sz="1200" dirty="0">
-                          <a:solidFill>
-                            <a:sysClr val="windowText" lastClr="000000"/>
-                          </a:solidFill>
-                          <a:effectLst/>
-                        </a:rPr>
-                        <a:t>DNS</a:t>
-                      </a:r>
-                      <a:endParaRPr lang="pt-BR" sz="1200" dirty="0">
-                        <a:solidFill>
-                          <a:sysClr val="windowText" lastClr="000000"/>
-                        </a:solidFill>
-                        <a:effectLst/>
-                      </a:endParaRPr>
-                    </a:p>
-                    <a:p>
-                      <a:pPr algn="ctr">
-                        <a:lnSpc>
-                          <a:spcPct val="107000"/>
-                        </a:lnSpc>
-                        <a:spcAft>
-                          <a:spcPts val="800"/>
-                        </a:spcAft>
-                      </a:pPr>
-                      <a:r>
-                        <a:rPr lang="en-US" sz="1200" dirty="0">
-                          <a:solidFill>
-                            <a:sysClr val="windowText" lastClr="000000"/>
-                          </a:solidFill>
-                          <a:effectLst/>
-                        </a:rPr>
-                        <a:t>LDAP</a:t>
-                      </a:r>
-                      <a:endParaRPr lang="pt-BR" sz="1200" dirty="0">
-                        <a:solidFill>
-                          <a:sysClr val="windowText" lastClr="000000"/>
-                        </a:solidFill>
-                        <a:effectLst/>
-                      </a:endParaRPr>
-                    </a:p>
-                    <a:p>
-                      <a:pPr algn="ctr">
-                        <a:lnSpc>
-                          <a:spcPct val="107000"/>
-                        </a:lnSpc>
-                        <a:spcAft>
-                          <a:spcPts val="800"/>
-                        </a:spcAft>
-                      </a:pPr>
-                      <a:r>
-                        <a:rPr lang="en-US" sz="1200" dirty="0">
-                          <a:solidFill>
-                            <a:sysClr val="windowText" lastClr="000000"/>
-                          </a:solidFill>
-                          <a:effectLst/>
-                        </a:rPr>
-                        <a:t>MSSQL</a:t>
-                      </a:r>
-                      <a:endParaRPr lang="pt-BR" sz="1200" dirty="0">
-                        <a:solidFill>
-                          <a:sysClr val="windowText" lastClr="000000"/>
-                        </a:solidFill>
-                        <a:effectLst/>
-                      </a:endParaRPr>
-                    </a:p>
-                    <a:p>
-                      <a:pPr algn="ctr">
-                        <a:lnSpc>
-                          <a:spcPct val="107000"/>
-                        </a:lnSpc>
-                        <a:spcAft>
-                          <a:spcPts val="800"/>
-                        </a:spcAft>
-                      </a:pPr>
-                      <a:r>
-                        <a:rPr lang="en-US" sz="1200" dirty="0">
-                          <a:solidFill>
-                            <a:sysClr val="windowText" lastClr="000000"/>
-                          </a:solidFill>
-                          <a:effectLst/>
-                        </a:rPr>
-                        <a:t>NetBIOS</a:t>
-                      </a:r>
-                      <a:endParaRPr lang="pt-BR" sz="1200" dirty="0">
-                        <a:solidFill>
-                          <a:sysClr val="windowText" lastClr="000000"/>
-                        </a:solidFill>
-                        <a:effectLst/>
-                      </a:endParaRPr>
-                    </a:p>
-                    <a:p>
-                      <a:pPr algn="ctr">
-                        <a:lnSpc>
-                          <a:spcPct val="107000"/>
-                        </a:lnSpc>
-                        <a:spcAft>
-                          <a:spcPts val="800"/>
-                        </a:spcAft>
-                      </a:pPr>
-                      <a:r>
-                        <a:rPr lang="en-US" sz="1200" dirty="0">
-                          <a:solidFill>
-                            <a:sysClr val="windowText" lastClr="000000"/>
-                          </a:solidFill>
-                          <a:effectLst/>
-                        </a:rPr>
-                        <a:t>SNMP</a:t>
-                      </a:r>
-                      <a:endParaRPr lang="pt-BR" sz="1200" dirty="0">
-                        <a:solidFill>
-                          <a:sysClr val="windowText" lastClr="000000"/>
-                        </a:solidFill>
-                        <a:effectLst/>
-                      </a:endParaRPr>
-                    </a:p>
-                    <a:p>
-                      <a:pPr algn="ctr">
-                        <a:lnSpc>
-                          <a:spcPct val="107000"/>
-                        </a:lnSpc>
-                        <a:spcAft>
-                          <a:spcPts val="800"/>
-                        </a:spcAft>
-                      </a:pPr>
-                      <a:r>
-                        <a:rPr lang="en-US" sz="1200" dirty="0">
-                          <a:solidFill>
-                            <a:sysClr val="windowText" lastClr="000000"/>
-                          </a:solidFill>
-                          <a:effectLst/>
-                        </a:rPr>
-                        <a:t>SSDP</a:t>
-                      </a:r>
-                      <a:endParaRPr lang="pt-BR" sz="1200" dirty="0">
-                        <a:solidFill>
-                          <a:sysClr val="windowText" lastClr="000000"/>
-                        </a:solidFill>
-                        <a:effectLst/>
-                      </a:endParaRPr>
-                    </a:p>
-                    <a:p>
-                      <a:pPr algn="ctr">
-                        <a:lnSpc>
-                          <a:spcPct val="107000"/>
-                        </a:lnSpc>
-                        <a:spcAft>
-                          <a:spcPts val="800"/>
-                        </a:spcAft>
-                      </a:pPr>
-                      <a:r>
-                        <a:rPr lang="en-US" sz="1200" dirty="0">
-                          <a:solidFill>
-                            <a:sysClr val="windowText" lastClr="000000"/>
-                          </a:solidFill>
-                          <a:effectLst/>
-                        </a:rPr>
-                        <a:t>UDP</a:t>
-                      </a:r>
-                      <a:endParaRPr lang="pt-BR" sz="1200" dirty="0">
-                        <a:solidFill>
-                          <a:sysClr val="windowText" lastClr="000000"/>
-                        </a:solidFill>
-                        <a:effectLst/>
-                      </a:endParaRPr>
-                    </a:p>
-                    <a:p>
-                      <a:pPr algn="ctr">
-                        <a:lnSpc>
-                          <a:spcPct val="107000"/>
-                        </a:lnSpc>
-                        <a:spcAft>
-                          <a:spcPts val="800"/>
-                        </a:spcAft>
-                      </a:pPr>
-                      <a:r>
-                        <a:rPr lang="en-US" sz="1200" dirty="0">
-                          <a:solidFill>
-                            <a:sysClr val="windowText" lastClr="000000"/>
-                          </a:solidFill>
-                          <a:effectLst/>
-                        </a:rPr>
-                        <a:t>UDP-Lag</a:t>
-                      </a:r>
-                      <a:endParaRPr lang="pt-BR" sz="1200" dirty="0">
-                        <a:solidFill>
-                          <a:sysClr val="windowText" lastClr="000000"/>
-                        </a:solidFill>
-                        <a:effectLst/>
-                      </a:endParaRPr>
-                    </a:p>
-                    <a:p>
-                      <a:pPr algn="ctr">
-                        <a:lnSpc>
-                          <a:spcPct val="107000"/>
-                        </a:lnSpc>
-                        <a:spcAft>
-                          <a:spcPts val="800"/>
-                        </a:spcAft>
-                      </a:pPr>
-                      <a:r>
-                        <a:rPr lang="en-US" sz="1200" dirty="0" err="1">
-                          <a:solidFill>
-                            <a:sysClr val="windowText" lastClr="000000"/>
-                          </a:solidFill>
-                          <a:effectLst/>
-                        </a:rPr>
-                        <a:t>WebDDoS</a:t>
-                      </a:r>
-                      <a:endParaRPr lang="pt-BR" sz="1200" dirty="0">
-                        <a:solidFill>
-                          <a:sysClr val="windowText" lastClr="000000"/>
-                        </a:solidFill>
-                        <a:effectLst/>
-                      </a:endParaRPr>
-                    </a:p>
-                    <a:p>
-                      <a:pPr algn="ctr">
-                        <a:lnSpc>
-                          <a:spcPct val="107000"/>
-                        </a:lnSpc>
-                        <a:spcAft>
-                          <a:spcPts val="800"/>
-                        </a:spcAft>
-                      </a:pPr>
-                      <a:r>
-                        <a:rPr lang="en-US" sz="1200" dirty="0">
-                          <a:solidFill>
-                            <a:sysClr val="windowText" lastClr="000000"/>
-                          </a:solidFill>
-                          <a:effectLst/>
-                        </a:rPr>
-                        <a:t>SYN</a:t>
-                      </a:r>
-                      <a:endParaRPr lang="pt-BR" sz="1200" dirty="0">
-                        <a:solidFill>
-                          <a:sysClr val="windowText" lastClr="000000"/>
-                        </a:solidFill>
-                        <a:effectLst/>
-                      </a:endParaRPr>
-                    </a:p>
                     <a:p>
                       <a:pPr algn="ctr">
                         <a:lnSpc>
@@ -11375,15 +10365,15 @@
                       <a:r>
                         <a:rPr lang="en-US" sz="1200" dirty="0">
                           <a:solidFill>
-                            <a:sysClr val="windowText" lastClr="000000"/>
+                            <a:schemeClr val="tx1"/>
                           </a:solidFill>
                           <a:effectLst/>
                         </a:rPr>
-                        <a:t>TFTP</a:t>
+                        <a:t>15:56 - 16:16</a:t>
                       </a:r>
                       <a:endParaRPr lang="pt-BR" sz="1200" dirty="0">
                         <a:solidFill>
-                          <a:sysClr val="windowText" lastClr="000000"/>
+                          <a:schemeClr val="tx1"/>
                         </a:solidFill>
                         <a:effectLst/>
                         <a:latin typeface="Times New Roman" panose="02020603050405020304" pitchFamily="18" charset="0"/>
@@ -11392,395 +10382,11 @@
                       </a:endParaRPr>
                     </a:p>
                   </a:txBody>
-                  <a:tcPr marL="44634" marR="44634" marT="0" marB="0">
-                    <a:lnL w="12700" cap="flat" cmpd="sng" algn="ctr">
-                      <a:solidFill>
-                        <a:schemeClr val="tx1"/>
-                      </a:solidFill>
-                      <a:prstDash val="solid"/>
-                      <a:round/>
-                      <a:headEnd type="none" w="med" len="med"/>
-                      <a:tailEnd type="none" w="med" len="med"/>
-                    </a:lnL>
-                    <a:lnR w="12700" cap="flat" cmpd="sng" algn="ctr">
-                      <a:solidFill>
-                        <a:schemeClr val="tx1"/>
-                      </a:solidFill>
-                      <a:prstDash val="solid"/>
-                      <a:round/>
-                      <a:headEnd type="none" w="med" len="med"/>
-                      <a:tailEnd type="none" w="med" len="med"/>
-                    </a:lnR>
-                    <a:lnT w="12700" cap="flat" cmpd="sng" algn="ctr">
-                      <a:solidFill>
-                        <a:schemeClr val="tx1"/>
-                      </a:solidFill>
-                      <a:prstDash val="solid"/>
-                      <a:round/>
-                      <a:headEnd type="none" w="med" len="med"/>
-                      <a:tailEnd type="none" w="med" len="med"/>
-                    </a:lnT>
-                    <a:lnB w="12700" cap="flat" cmpd="sng" algn="ctr">
-                      <a:solidFill>
-                        <a:schemeClr val="tx1"/>
-                      </a:solidFill>
-                      <a:prstDash val="solid"/>
-                      <a:round/>
-                      <a:headEnd type="none" w="med" len="med"/>
-                      <a:tailEnd type="none" w="med" len="med"/>
-                    </a:lnB>
-                  </a:tcPr>
-                </a:tc>
-                <a:tc>
-                  <a:txBody>
-                    <a:bodyPr/>
-                    <a:lstStyle/>
-                    <a:p>
-                      <a:pPr algn="ctr">
-                        <a:lnSpc>
-                          <a:spcPct val="107000"/>
-                        </a:lnSpc>
-                        <a:spcAft>
-                          <a:spcPts val="800"/>
-                        </a:spcAft>
-                      </a:pPr>
-                      <a:r>
-                        <a:rPr lang="en-US" sz="1200" dirty="0">
-                          <a:solidFill>
-                            <a:sysClr val="windowText" lastClr="000000"/>
-                          </a:solidFill>
-                          <a:effectLst/>
-                        </a:rPr>
-                        <a:t>10:35 - 10:45</a:t>
-                      </a:r>
-                      <a:endParaRPr lang="pt-BR" sz="1200" dirty="0">
-                        <a:solidFill>
-                          <a:sysClr val="windowText" lastClr="000000"/>
-                        </a:solidFill>
-                        <a:effectLst/>
-                      </a:endParaRPr>
-                    </a:p>
-                    <a:p>
-                      <a:pPr algn="ctr">
-                        <a:lnSpc>
-                          <a:spcPct val="107000"/>
-                        </a:lnSpc>
-                        <a:spcAft>
-                          <a:spcPts val="800"/>
-                        </a:spcAft>
-                      </a:pPr>
-                      <a:r>
-                        <a:rPr lang="en-US" sz="1200" dirty="0">
-                          <a:solidFill>
-                            <a:sysClr val="windowText" lastClr="000000"/>
-                          </a:solidFill>
-                          <a:effectLst/>
-                        </a:rPr>
-                        <a:t>10:52 - 11:05</a:t>
-                      </a:r>
-                      <a:endParaRPr lang="pt-BR" sz="1200" dirty="0">
-                        <a:solidFill>
-                          <a:sysClr val="windowText" lastClr="000000"/>
-                        </a:solidFill>
-                        <a:effectLst/>
-                      </a:endParaRPr>
-                    </a:p>
-                    <a:p>
-                      <a:pPr algn="ctr">
-                        <a:lnSpc>
-                          <a:spcPct val="107000"/>
-                        </a:lnSpc>
-                        <a:spcAft>
-                          <a:spcPts val="800"/>
-                        </a:spcAft>
-                      </a:pPr>
-                      <a:r>
-                        <a:rPr lang="en-US" sz="1200" dirty="0">
-                          <a:solidFill>
-                            <a:sysClr val="windowText" lastClr="000000"/>
-                          </a:solidFill>
-                          <a:effectLst/>
-                        </a:rPr>
-                        <a:t>11:22 - 11:32</a:t>
-                      </a:r>
-                      <a:endParaRPr lang="pt-BR" sz="1200" dirty="0">
-                        <a:solidFill>
-                          <a:sysClr val="windowText" lastClr="000000"/>
-                        </a:solidFill>
-                        <a:effectLst/>
-                      </a:endParaRPr>
-                    </a:p>
-                    <a:p>
-                      <a:pPr algn="ctr">
-                        <a:lnSpc>
-                          <a:spcPct val="107000"/>
-                        </a:lnSpc>
-                        <a:spcAft>
-                          <a:spcPts val="800"/>
-                        </a:spcAft>
-                      </a:pPr>
-                      <a:r>
-                        <a:rPr lang="en-US" sz="1200" dirty="0">
-                          <a:solidFill>
-                            <a:sysClr val="windowText" lastClr="000000"/>
-                          </a:solidFill>
-                          <a:effectLst/>
-                        </a:rPr>
-                        <a:t>11:36 - 11:45</a:t>
-                      </a:r>
-                      <a:endParaRPr lang="pt-BR" sz="1200" dirty="0">
-                        <a:solidFill>
-                          <a:sysClr val="windowText" lastClr="000000"/>
-                        </a:solidFill>
-                        <a:effectLst/>
-                      </a:endParaRPr>
-                    </a:p>
-                    <a:p>
-                      <a:pPr algn="ctr">
-                        <a:lnSpc>
-                          <a:spcPct val="107000"/>
-                        </a:lnSpc>
-                        <a:spcAft>
-                          <a:spcPts val="800"/>
-                        </a:spcAft>
-                      </a:pPr>
-                      <a:r>
-                        <a:rPr lang="en-US" sz="1200" dirty="0">
-                          <a:solidFill>
-                            <a:sysClr val="windowText" lastClr="000000"/>
-                          </a:solidFill>
-                          <a:effectLst/>
-                        </a:rPr>
-                        <a:t>11:50 - 12:00</a:t>
-                      </a:r>
-                      <a:endParaRPr lang="pt-BR" sz="1200" dirty="0">
-                        <a:solidFill>
-                          <a:sysClr val="windowText" lastClr="000000"/>
-                        </a:solidFill>
-                        <a:effectLst/>
-                      </a:endParaRPr>
-                    </a:p>
-                    <a:p>
-                      <a:pPr algn="ctr">
-                        <a:lnSpc>
-                          <a:spcPct val="107000"/>
-                        </a:lnSpc>
-                        <a:spcAft>
-                          <a:spcPts val="800"/>
-                        </a:spcAft>
-                      </a:pPr>
-                      <a:r>
-                        <a:rPr lang="en-US" sz="1200" dirty="0">
-                          <a:solidFill>
-                            <a:sysClr val="windowText" lastClr="000000"/>
-                          </a:solidFill>
-                          <a:effectLst/>
-                        </a:rPr>
-                        <a:t>12:12 - 12:23</a:t>
-                      </a:r>
-                      <a:endParaRPr lang="pt-BR" sz="1200" dirty="0">
-                        <a:solidFill>
-                          <a:sysClr val="windowText" lastClr="000000"/>
-                        </a:solidFill>
-                        <a:effectLst/>
-                      </a:endParaRPr>
-                    </a:p>
-                    <a:p>
-                      <a:pPr algn="ctr">
-                        <a:lnSpc>
-                          <a:spcPct val="107000"/>
-                        </a:lnSpc>
-                        <a:spcAft>
-                          <a:spcPts val="800"/>
-                        </a:spcAft>
-                      </a:pPr>
-                      <a:r>
-                        <a:rPr lang="en-US" sz="1200" dirty="0">
-                          <a:solidFill>
-                            <a:sysClr val="windowText" lastClr="000000"/>
-                          </a:solidFill>
-                          <a:effectLst/>
-                        </a:rPr>
-                        <a:t>12:27 - 12:37</a:t>
-                      </a:r>
-                      <a:endParaRPr lang="pt-BR" sz="1200" dirty="0">
-                        <a:solidFill>
-                          <a:sysClr val="windowText" lastClr="000000"/>
-                        </a:solidFill>
-                        <a:effectLst/>
-                      </a:endParaRPr>
-                    </a:p>
-                    <a:p>
-                      <a:pPr algn="ctr">
-                        <a:lnSpc>
-                          <a:spcPct val="107000"/>
-                        </a:lnSpc>
-                        <a:spcAft>
-                          <a:spcPts val="800"/>
-                        </a:spcAft>
-                      </a:pPr>
-                      <a:r>
-                        <a:rPr lang="en-US" sz="1200" dirty="0">
-                          <a:solidFill>
-                            <a:sysClr val="windowText" lastClr="000000"/>
-                          </a:solidFill>
-                          <a:effectLst/>
-                        </a:rPr>
-                        <a:t>12:45 - 13:09</a:t>
-                      </a:r>
-                      <a:endParaRPr lang="pt-BR" sz="1200" dirty="0">
-                        <a:solidFill>
-                          <a:sysClr val="windowText" lastClr="000000"/>
-                        </a:solidFill>
-                        <a:effectLst/>
-                      </a:endParaRPr>
-                    </a:p>
-                    <a:p>
-                      <a:pPr algn="ctr">
-                        <a:lnSpc>
-                          <a:spcPct val="107000"/>
-                        </a:lnSpc>
-                        <a:spcAft>
-                          <a:spcPts val="800"/>
-                        </a:spcAft>
-                      </a:pPr>
-                      <a:r>
-                        <a:rPr lang="en-US" sz="1200" dirty="0">
-                          <a:solidFill>
-                            <a:sysClr val="windowText" lastClr="000000"/>
-                          </a:solidFill>
-                          <a:effectLst/>
-                        </a:rPr>
-                        <a:t>13:11 - 13:15</a:t>
-                      </a:r>
-                      <a:endParaRPr lang="pt-BR" sz="1200" dirty="0">
-                        <a:solidFill>
-                          <a:sysClr val="windowText" lastClr="000000"/>
-                        </a:solidFill>
-                        <a:effectLst/>
-                      </a:endParaRPr>
-                    </a:p>
-                    <a:p>
-                      <a:pPr algn="ctr">
-                        <a:lnSpc>
-                          <a:spcPct val="107000"/>
-                        </a:lnSpc>
-                        <a:spcAft>
-                          <a:spcPts val="800"/>
-                        </a:spcAft>
-                      </a:pPr>
-                      <a:r>
-                        <a:rPr lang="en-US" sz="1200" dirty="0">
-                          <a:solidFill>
-                            <a:sysClr val="windowText" lastClr="000000"/>
-                          </a:solidFill>
-                          <a:effectLst/>
-                        </a:rPr>
-                        <a:t>13:18 - 13:29</a:t>
-                      </a:r>
-                      <a:endParaRPr lang="pt-BR" sz="1200" dirty="0">
-                        <a:solidFill>
-                          <a:sysClr val="windowText" lastClr="000000"/>
-                        </a:solidFill>
-                        <a:effectLst/>
-                      </a:endParaRPr>
-                    </a:p>
-                    <a:p>
-                      <a:pPr algn="ctr">
-                        <a:lnSpc>
-                          <a:spcPct val="107000"/>
-                        </a:lnSpc>
-                        <a:spcAft>
-                          <a:spcPts val="800"/>
-                        </a:spcAft>
-                      </a:pPr>
-                      <a:r>
-                        <a:rPr lang="en-US" sz="1200" dirty="0">
-                          <a:solidFill>
-                            <a:sysClr val="windowText" lastClr="000000"/>
-                          </a:solidFill>
-                          <a:effectLst/>
-                        </a:rPr>
-                        <a:t>13:29 - 13:34</a:t>
-                      </a:r>
-                      <a:endParaRPr lang="pt-BR" sz="1200" dirty="0">
-                        <a:solidFill>
-                          <a:sysClr val="windowText" lastClr="000000"/>
-                        </a:solidFill>
-                        <a:effectLst/>
-                      </a:endParaRPr>
-                    </a:p>
-                    <a:p>
-                      <a:pPr algn="ctr">
-                        <a:lnSpc>
-                          <a:spcPct val="150000"/>
-                        </a:lnSpc>
-                        <a:spcAft>
-                          <a:spcPts val="800"/>
-                        </a:spcAft>
-                      </a:pPr>
-                      <a:r>
-                        <a:rPr lang="en-US" sz="1200" dirty="0">
-                          <a:solidFill>
-                            <a:sysClr val="windowText" lastClr="000000"/>
-                          </a:solidFill>
-                          <a:effectLst/>
-                        </a:rPr>
-                        <a:t>13:35 - 17:15</a:t>
-                      </a:r>
-                      <a:endParaRPr lang="pt-BR" sz="1200" dirty="0">
-                        <a:solidFill>
-                          <a:sysClr val="windowText" lastClr="000000"/>
-                        </a:solidFill>
-                        <a:effectLst/>
-                        <a:latin typeface="Times New Roman" panose="02020603050405020304" pitchFamily="18" charset="0"/>
-                        <a:ea typeface="Times New Roman" panose="02020603050405020304" pitchFamily="18" charset="0"/>
-                        <a:cs typeface="Times New Roman" panose="02020603050405020304" pitchFamily="18" charset="0"/>
-                      </a:endParaRPr>
-                    </a:p>
-                  </a:txBody>
-                  <a:tcPr marL="44634" marR="44634" marT="0" marB="0">
-                    <a:lnL w="12700" cap="flat" cmpd="sng" algn="ctr">
-                      <a:solidFill>
-                        <a:schemeClr val="tx1"/>
-                      </a:solidFill>
-                      <a:prstDash val="solid"/>
-                      <a:round/>
-                      <a:headEnd type="none" w="med" len="med"/>
-                      <a:tailEnd type="none" w="med" len="med"/>
-                    </a:lnL>
-                    <a:lnR w="12700" cap="flat" cmpd="sng" algn="ctr">
-                      <a:solidFill>
-                        <a:schemeClr val="tx1"/>
-                      </a:solidFill>
-                      <a:prstDash val="solid"/>
-                      <a:round/>
-                      <a:headEnd type="none" w="med" len="med"/>
-                      <a:tailEnd type="none" w="med" len="med"/>
-                    </a:lnR>
-                    <a:lnT w="12700" cap="flat" cmpd="sng" algn="ctr">
-                      <a:solidFill>
-                        <a:schemeClr val="tx1"/>
-                      </a:solidFill>
-                      <a:prstDash val="solid"/>
-                      <a:round/>
-                      <a:headEnd type="none" w="med" len="med"/>
-                      <a:tailEnd type="none" w="med" len="med"/>
-                    </a:lnT>
-                    <a:lnB w="12700" cap="flat" cmpd="sng" algn="ctr">
-                      <a:solidFill>
-                        <a:schemeClr val="tx1"/>
-                      </a:solidFill>
-                      <a:prstDash val="solid"/>
-                      <a:round/>
-                      <a:headEnd type="none" w="med" len="med"/>
-                      <a:tailEnd type="none" w="med" len="med"/>
-                    </a:lnB>
-                  </a:tcPr>
+                  <a:tcPr marL="68580" marR="68580" marT="0" marB="0"/>
                 </a:tc>
                 <a:extLst>
                   <a:ext uri="{0D108BD9-81ED-4DB2-BD59-A6C34878D82A}">
-                    <a16:rowId xmlns:a16="http://schemas.microsoft.com/office/drawing/2014/main" val="3755414073"/>
+                    <a16:rowId xmlns:a16="http://schemas.microsoft.com/office/drawing/2014/main" val="4127507012"/>
                   </a:ext>
                 </a:extLst>
               </a:tr>
@@ -11788,148 +10394,6 @@
           </a:graphicData>
         </a:graphic>
       </p:graphicFrame>
-      <p:sp>
-        <p:nvSpPr>
-          <p:cNvPr id="7" name="CaixaDeTexto 6">
-            <a:extLst>
-              <a:ext uri="{FF2B5EF4-FFF2-40B4-BE49-F238E27FC236}">
-                <a16:creationId xmlns:a16="http://schemas.microsoft.com/office/drawing/2014/main" id="{C43AA3BD-5002-4ECF-9DDC-827405807158}"/>
-              </a:ext>
-            </a:extLst>
-          </p:cNvPr>
-          <p:cNvSpPr txBox="1"/>
-          <p:nvPr/>
-        </p:nvSpPr>
-        <p:spPr>
-          <a:xfrm>
-            <a:off x="3526753" y="4969595"/>
-            <a:ext cx="1116011" cy="338554"/>
-          </a:xfrm>
-          <a:prstGeom prst="rect">
-            <a:avLst/>
-          </a:prstGeom>
-          <a:noFill/>
-        </p:spPr>
-        <p:txBody>
-          <a:bodyPr wrap="none" rtlCol="0">
-            <a:spAutoFit/>
-          </a:bodyPr>
-          <a:lstStyle/>
-          <a:p>
-            <a:r>
-              <a:rPr lang="pt-BR" sz="1600" dirty="0"/>
-              <a:t>Fonte: [4]</a:t>
-            </a:r>
-          </a:p>
-        </p:txBody>
-      </p:sp>
-      <p:sp>
-        <p:nvSpPr>
-          <p:cNvPr id="13" name="CaixaDeTexto 12">
-            <a:extLst>
-              <a:ext uri="{FF2B5EF4-FFF2-40B4-BE49-F238E27FC236}">
-                <a16:creationId xmlns:a16="http://schemas.microsoft.com/office/drawing/2014/main" id="{5DE1F9FD-4D74-400A-A2BC-D7BE2D701A95}"/>
-              </a:ext>
-            </a:extLst>
-          </p:cNvPr>
-          <p:cNvSpPr txBox="1"/>
-          <p:nvPr/>
-        </p:nvSpPr>
-        <p:spPr>
-          <a:xfrm>
-            <a:off x="8425790" y="5615971"/>
-            <a:ext cx="1116011" cy="338554"/>
-          </a:xfrm>
-          <a:prstGeom prst="rect">
-            <a:avLst/>
-          </a:prstGeom>
-          <a:noFill/>
-        </p:spPr>
-        <p:txBody>
-          <a:bodyPr wrap="none" rtlCol="0">
-            <a:spAutoFit/>
-          </a:bodyPr>
-          <a:lstStyle/>
-          <a:p>
-            <a:r>
-              <a:rPr lang="pt-BR" sz="1600" dirty="0"/>
-              <a:t>Fonte: [4]</a:t>
-            </a:r>
-          </a:p>
-        </p:txBody>
-      </p:sp>
-      <p:sp>
-        <p:nvSpPr>
-          <p:cNvPr id="14" name="CaixaDeTexto 13">
-            <a:extLst>
-              <a:ext uri="{FF2B5EF4-FFF2-40B4-BE49-F238E27FC236}">
-                <a16:creationId xmlns:a16="http://schemas.microsoft.com/office/drawing/2014/main" id="{D3A35BD0-FB59-46CE-BAE7-F806A1E5DA0F}"/>
-              </a:ext>
-            </a:extLst>
-          </p:cNvPr>
-          <p:cNvSpPr txBox="1"/>
-          <p:nvPr/>
-        </p:nvSpPr>
-        <p:spPr>
-          <a:xfrm>
-            <a:off x="2134006" y="1993958"/>
-            <a:ext cx="3787693" cy="338554"/>
-          </a:xfrm>
-          <a:prstGeom prst="rect">
-            <a:avLst/>
-          </a:prstGeom>
-          <a:noFill/>
-        </p:spPr>
-        <p:txBody>
-          <a:bodyPr wrap="square" rtlCol="0">
-            <a:spAutoFit/>
-          </a:bodyPr>
-          <a:lstStyle/>
-          <a:p>
-            <a:pPr algn="ctr"/>
-            <a:r>
-              <a:rPr lang="pt-BR" sz="1600" dirty="0"/>
-              <a:t>Horários dos ataques dia 1</a:t>
-            </a:r>
-          </a:p>
-        </p:txBody>
-      </p:sp>
-      <p:sp>
-        <p:nvSpPr>
-          <p:cNvPr id="15" name="CaixaDeTexto 14">
-            <a:extLst>
-              <a:ext uri="{FF2B5EF4-FFF2-40B4-BE49-F238E27FC236}">
-                <a16:creationId xmlns:a16="http://schemas.microsoft.com/office/drawing/2014/main" id="{01CE760C-26F1-4E75-BB2A-338C45E0B28B}"/>
-              </a:ext>
-            </a:extLst>
-          </p:cNvPr>
-          <p:cNvSpPr txBox="1"/>
-          <p:nvPr/>
-        </p:nvSpPr>
-        <p:spPr>
-          <a:xfrm>
-            <a:off x="7033041" y="1250691"/>
-            <a:ext cx="3787693" cy="338554"/>
-          </a:xfrm>
-          <a:prstGeom prst="rect">
-            <a:avLst/>
-          </a:prstGeom>
-          <a:noFill/>
-        </p:spPr>
-        <p:txBody>
-          <a:bodyPr wrap="square" rtlCol="0">
-            <a:spAutoFit/>
-          </a:bodyPr>
-          <a:lstStyle/>
-          <a:p>
-            <a:pPr algn="ctr"/>
-            <a:r>
-              <a:rPr lang="pt-BR" sz="1600" dirty="0"/>
-              <a:t>Horários dos ataques dia 1</a:t>
-            </a:r>
-          </a:p>
-        </p:txBody>
-      </p:sp>
     </p:spTree>
     <p:extLst>
       <p:ext uri="{BB962C8B-B14F-4D97-AF65-F5344CB8AC3E}">
@@ -14533,10 +12997,10 @@
       </p:sp>
       <p:pic>
         <p:nvPicPr>
-          <p:cNvPr id="9" name="Espaço Reservado para Conteúdo 8">
+          <p:cNvPr id="6" name="Espaço Reservado para Conteúdo 5">
             <a:extLst>
               <a:ext uri="{FF2B5EF4-FFF2-40B4-BE49-F238E27FC236}">
-                <a16:creationId xmlns:a16="http://schemas.microsoft.com/office/drawing/2014/main" id="{79BD5215-A5F8-422A-92DD-06570DB8F3D1}"/>
+                <a16:creationId xmlns:a16="http://schemas.microsoft.com/office/drawing/2014/main" id="{5A68BCFA-D9FF-46D6-B44B-4F8E6C6DEB7B}"/>
               </a:ext>
             </a:extLst>
           </p:cNvPr>
@@ -14555,8 +13019,8 @@
         </p:blipFill>
         <p:spPr>
           <a:xfrm>
-            <a:off x="3290547" y="2646765"/>
-            <a:ext cx="5610905" cy="2076390"/>
+            <a:off x="3378986" y="2427323"/>
+            <a:ext cx="6351032" cy="2295831"/>
           </a:xfrm>
         </p:spPr>
       </p:pic>

--- a/Apresentação.pptx
+++ b/Apresentação.pptx
@@ -5,10 +5,10 @@
     <p:sldMasterId id="2147483685" r:id="rId1"/>
   </p:sldMasterIdLst>
   <p:notesMasterIdLst>
-    <p:notesMasterId r:id="rId43"/>
+    <p:notesMasterId r:id="rId45"/>
   </p:notesMasterIdLst>
   <p:handoutMasterIdLst>
-    <p:handoutMasterId r:id="rId44"/>
+    <p:handoutMasterId r:id="rId46"/>
   </p:handoutMasterIdLst>
   <p:sldIdLst>
     <p:sldId id="343" r:id="rId2"/>
@@ -36,22 +36,24 @@
     <p:sldId id="376" r:id="rId24"/>
     <p:sldId id="375" r:id="rId25"/>
     <p:sldId id="365" r:id="rId26"/>
-    <p:sldId id="385" r:id="rId27"/>
-    <p:sldId id="386" r:id="rId28"/>
-    <p:sldId id="387" r:id="rId29"/>
-    <p:sldId id="384" r:id="rId30"/>
-    <p:sldId id="389" r:id="rId31"/>
-    <p:sldId id="390" r:id="rId32"/>
-    <p:sldId id="391" r:id="rId33"/>
-    <p:sldId id="366" r:id="rId34"/>
-    <p:sldId id="379" r:id="rId35"/>
-    <p:sldId id="392" r:id="rId36"/>
-    <p:sldId id="393" r:id="rId37"/>
-    <p:sldId id="394" r:id="rId38"/>
-    <p:sldId id="382" r:id="rId39"/>
-    <p:sldId id="380" r:id="rId40"/>
-    <p:sldId id="381" r:id="rId41"/>
-    <p:sldId id="378" r:id="rId42"/>
+    <p:sldId id="395" r:id="rId27"/>
+    <p:sldId id="396" r:id="rId28"/>
+    <p:sldId id="385" r:id="rId29"/>
+    <p:sldId id="386" r:id="rId30"/>
+    <p:sldId id="387" r:id="rId31"/>
+    <p:sldId id="384" r:id="rId32"/>
+    <p:sldId id="389" r:id="rId33"/>
+    <p:sldId id="390" r:id="rId34"/>
+    <p:sldId id="391" r:id="rId35"/>
+    <p:sldId id="366" r:id="rId36"/>
+    <p:sldId id="379" r:id="rId37"/>
+    <p:sldId id="392" r:id="rId38"/>
+    <p:sldId id="393" r:id="rId39"/>
+    <p:sldId id="394" r:id="rId40"/>
+    <p:sldId id="382" r:id="rId41"/>
+    <p:sldId id="380" r:id="rId42"/>
+    <p:sldId id="381" r:id="rId43"/>
+    <p:sldId id="378" r:id="rId44"/>
   </p:sldIdLst>
   <p:sldSz cx="12192000" cy="6858000"/>
   <p:notesSz cx="6858000" cy="9144000"/>
@@ -2310,7 +2312,7 @@
     </p:spTree>
     <p:extLst>
       <p:ext uri="{BB962C8B-B14F-4D97-AF65-F5344CB8AC3E}">
-        <p14:creationId xmlns:p14="http://schemas.microsoft.com/office/powerpoint/2010/main" val="263809500"/>
+        <p14:creationId xmlns:p14="http://schemas.microsoft.com/office/powerpoint/2010/main" val="3330070494"/>
       </p:ext>
     </p:extLst>
   </p:cSld>
@@ -2396,7 +2398,7 @@
     </p:spTree>
     <p:extLst>
       <p:ext uri="{BB962C8B-B14F-4D97-AF65-F5344CB8AC3E}">
-        <p14:creationId xmlns:p14="http://schemas.microsoft.com/office/powerpoint/2010/main" val="2366398197"/>
+        <p14:creationId xmlns:p14="http://schemas.microsoft.com/office/powerpoint/2010/main" val="553446370"/>
       </p:ext>
     </p:extLst>
   </p:cSld>
@@ -2482,7 +2484,7 @@
     </p:spTree>
     <p:extLst>
       <p:ext uri="{BB962C8B-B14F-4D97-AF65-F5344CB8AC3E}">
-        <p14:creationId xmlns:p14="http://schemas.microsoft.com/office/powerpoint/2010/main" val="2715259651"/>
+        <p14:creationId xmlns:p14="http://schemas.microsoft.com/office/powerpoint/2010/main" val="263809500"/>
       </p:ext>
     </p:extLst>
   </p:cSld>
@@ -2568,7 +2570,7 @@
     </p:spTree>
     <p:extLst>
       <p:ext uri="{BB962C8B-B14F-4D97-AF65-F5344CB8AC3E}">
-        <p14:creationId xmlns:p14="http://schemas.microsoft.com/office/powerpoint/2010/main" val="105731291"/>
+        <p14:creationId xmlns:p14="http://schemas.microsoft.com/office/powerpoint/2010/main" val="2366398197"/>
       </p:ext>
     </p:extLst>
   </p:cSld>
@@ -2740,7 +2742,7 @@
     </p:spTree>
     <p:extLst>
       <p:ext uri="{BB962C8B-B14F-4D97-AF65-F5344CB8AC3E}">
-        <p14:creationId xmlns:p14="http://schemas.microsoft.com/office/powerpoint/2010/main" val="2574942340"/>
+        <p14:creationId xmlns:p14="http://schemas.microsoft.com/office/powerpoint/2010/main" val="2715259651"/>
       </p:ext>
     </p:extLst>
   </p:cSld>
@@ -2826,7 +2828,7 @@
     </p:spTree>
     <p:extLst>
       <p:ext uri="{BB962C8B-B14F-4D97-AF65-F5344CB8AC3E}">
-        <p14:creationId xmlns:p14="http://schemas.microsoft.com/office/powerpoint/2010/main" val="3751006196"/>
+        <p14:creationId xmlns:p14="http://schemas.microsoft.com/office/powerpoint/2010/main" val="105731291"/>
       </p:ext>
     </p:extLst>
   </p:cSld>
@@ -2912,7 +2914,7 @@
     </p:spTree>
     <p:extLst>
       <p:ext uri="{BB962C8B-B14F-4D97-AF65-F5344CB8AC3E}">
-        <p14:creationId xmlns:p14="http://schemas.microsoft.com/office/powerpoint/2010/main" val="702003664"/>
+        <p14:creationId xmlns:p14="http://schemas.microsoft.com/office/powerpoint/2010/main" val="2574942340"/>
       </p:ext>
     </p:extLst>
   </p:cSld>
@@ -2967,7 +2969,7 @@
           <a:lstStyle/>
           <a:p>
             <a:pPr rtl="0"/>
-            <a:endParaRPr lang="pt-BR" noProof="0" dirty="0"/>
+            <a:endParaRPr lang="pt-BR" dirty="0"/>
           </a:p>
         </p:txBody>
       </p:sp>
@@ -2998,7 +3000,7 @@
     </p:spTree>
     <p:extLst>
       <p:ext uri="{BB962C8B-B14F-4D97-AF65-F5344CB8AC3E}">
-        <p14:creationId xmlns:p14="http://schemas.microsoft.com/office/powerpoint/2010/main" val="2927557407"/>
+        <p14:creationId xmlns:p14="http://schemas.microsoft.com/office/powerpoint/2010/main" val="3751006196"/>
       </p:ext>
     </p:extLst>
   </p:cSld>
@@ -3084,7 +3086,7 @@
     </p:spTree>
     <p:extLst>
       <p:ext uri="{BB962C8B-B14F-4D97-AF65-F5344CB8AC3E}">
-        <p14:creationId xmlns:p14="http://schemas.microsoft.com/office/powerpoint/2010/main" val="486666785"/>
+        <p14:creationId xmlns:p14="http://schemas.microsoft.com/office/powerpoint/2010/main" val="702003664"/>
       </p:ext>
     </p:extLst>
   </p:cSld>
@@ -3170,7 +3172,7 @@
     </p:spTree>
     <p:extLst>
       <p:ext uri="{BB962C8B-B14F-4D97-AF65-F5344CB8AC3E}">
-        <p14:creationId xmlns:p14="http://schemas.microsoft.com/office/powerpoint/2010/main" val="958025487"/>
+        <p14:creationId xmlns:p14="http://schemas.microsoft.com/office/powerpoint/2010/main" val="2927557407"/>
       </p:ext>
     </p:extLst>
   </p:cSld>
@@ -3256,7 +3258,7 @@
     </p:spTree>
     <p:extLst>
       <p:ext uri="{BB962C8B-B14F-4D97-AF65-F5344CB8AC3E}">
-        <p14:creationId xmlns:p14="http://schemas.microsoft.com/office/powerpoint/2010/main" val="2645216344"/>
+        <p14:creationId xmlns:p14="http://schemas.microsoft.com/office/powerpoint/2010/main" val="486666785"/>
       </p:ext>
     </p:extLst>
   </p:cSld>
@@ -3311,7 +3313,7 @@
           <a:lstStyle/>
           <a:p>
             <a:pPr rtl="0"/>
-            <a:endParaRPr lang="pt-BR" dirty="0"/>
+            <a:endParaRPr lang="pt-BR" noProof="0" dirty="0"/>
           </a:p>
         </p:txBody>
       </p:sp>
@@ -3342,7 +3344,7 @@
     </p:spTree>
     <p:extLst>
       <p:ext uri="{BB962C8B-B14F-4D97-AF65-F5344CB8AC3E}">
-        <p14:creationId xmlns:p14="http://schemas.microsoft.com/office/powerpoint/2010/main" val="4237831407"/>
+        <p14:creationId xmlns:p14="http://schemas.microsoft.com/office/powerpoint/2010/main" val="958025487"/>
       </p:ext>
     </p:extLst>
   </p:cSld>
@@ -3397,7 +3399,7 @@
           <a:lstStyle/>
           <a:p>
             <a:pPr rtl="0"/>
-            <a:endParaRPr lang="pt-BR" noProof="0" dirty="0"/>
+            <a:endParaRPr lang="pt-BR" dirty="0"/>
           </a:p>
         </p:txBody>
       </p:sp>
@@ -3428,7 +3430,7 @@
     </p:spTree>
     <p:extLst>
       <p:ext uri="{BB962C8B-B14F-4D97-AF65-F5344CB8AC3E}">
-        <p14:creationId xmlns:p14="http://schemas.microsoft.com/office/powerpoint/2010/main" val="187630815"/>
+        <p14:creationId xmlns:p14="http://schemas.microsoft.com/office/powerpoint/2010/main" val="2645216344"/>
       </p:ext>
     </p:extLst>
   </p:cSld>
@@ -3514,7 +3516,7 @@
     </p:spTree>
     <p:extLst>
       <p:ext uri="{BB962C8B-B14F-4D97-AF65-F5344CB8AC3E}">
-        <p14:creationId xmlns:p14="http://schemas.microsoft.com/office/powerpoint/2010/main" val="189431348"/>
+        <p14:creationId xmlns:p14="http://schemas.microsoft.com/office/powerpoint/2010/main" val="4237831407"/>
       </p:ext>
     </p:extLst>
   </p:cSld>
@@ -3678,7 +3680,7 @@
           <a:lstStyle/>
           <a:p>
             <a:pPr rtl="0"/>
-            <a:endParaRPr lang="pt-BR" dirty="0"/>
+            <a:endParaRPr lang="pt-BR" noProof="0" dirty="0"/>
           </a:p>
         </p:txBody>
       </p:sp>
@@ -3709,7 +3711,7 @@
     </p:spTree>
     <p:extLst>
       <p:ext uri="{BB962C8B-B14F-4D97-AF65-F5344CB8AC3E}">
-        <p14:creationId xmlns:p14="http://schemas.microsoft.com/office/powerpoint/2010/main" val="528684297"/>
+        <p14:creationId xmlns:p14="http://schemas.microsoft.com/office/powerpoint/2010/main" val="187630815"/>
       </p:ext>
     </p:extLst>
   </p:cSld>
@@ -3738,7 +3740,7 @@
       </p:grpSpPr>
       <p:sp>
         <p:nvSpPr>
-          <p:cNvPr id="2" name="Espaço Reservado para Imagem do Slide 1"/>
+          <p:cNvPr id="2" name="Espaço reservado para a imagem do slide 1"/>
           <p:cNvSpPr>
             <a:spLocks noGrp="1" noRot="1" noChangeAspect="1"/>
           </p:cNvSpPr>
@@ -3764,7 +3766,7 @@
           <a:lstStyle/>
           <a:p>
             <a:pPr rtl="0"/>
-            <a:endParaRPr lang="pt-BR" noProof="0" dirty="0"/>
+            <a:endParaRPr lang="pt-BR" dirty="0"/>
           </a:p>
         </p:txBody>
       </p:sp>
@@ -3787,6 +3789,178 @@
             <a:fld id="{F5EB433F-E5C6-4E8D-82E5-3D359E2C0E58}" type="slidenum">
               <a:rPr lang="pt-BR" smtClean="0"/>
               <a:t>41</a:t>
+            </a:fld>
+            <a:endParaRPr lang="pt-BR" dirty="0"/>
+          </a:p>
+        </p:txBody>
+      </p:sp>
+    </p:spTree>
+    <p:extLst>
+      <p:ext uri="{BB962C8B-B14F-4D97-AF65-F5344CB8AC3E}">
+        <p14:creationId xmlns:p14="http://schemas.microsoft.com/office/powerpoint/2010/main" val="189431348"/>
+      </p:ext>
+    </p:extLst>
+  </p:cSld>
+  <p:clrMapOvr>
+    <a:masterClrMapping/>
+  </p:clrMapOvr>
+</p:notes>
+</file>
+
+<file path=ppt/notesSlides/notesSlide42.xml><?xml version="1.0" encoding="utf-8"?>
+<p:notes xmlns:a="http://schemas.openxmlformats.org/drawingml/2006/main" xmlns:r="http://schemas.openxmlformats.org/officeDocument/2006/relationships" xmlns:p="http://schemas.openxmlformats.org/presentationml/2006/main">
+  <p:cSld>
+    <p:spTree>
+      <p:nvGrpSpPr>
+        <p:cNvPr id="1" name=""/>
+        <p:cNvGrpSpPr/>
+        <p:nvPr/>
+      </p:nvGrpSpPr>
+      <p:grpSpPr>
+        <a:xfrm>
+          <a:off x="0" y="0"/>
+          <a:ext cx="0" cy="0"/>
+          <a:chOff x="0" y="0"/>
+          <a:chExt cx="0" cy="0"/>
+        </a:xfrm>
+      </p:grpSpPr>
+      <p:sp>
+        <p:nvSpPr>
+          <p:cNvPr id="2" name="Espaço reservado para a imagem do slide 1"/>
+          <p:cNvSpPr>
+            <a:spLocks noGrp="1" noRot="1" noChangeAspect="1"/>
+          </p:cNvSpPr>
+          <p:nvPr>
+            <p:ph type="sldImg"/>
+          </p:nvPr>
+        </p:nvSpPr>
+        <p:spPr/>
+      </p:sp>
+      <p:sp>
+        <p:nvSpPr>
+          <p:cNvPr id="3" name="Espaço reservado para anotações 2"/>
+          <p:cNvSpPr>
+            <a:spLocks noGrp="1"/>
+          </p:cNvSpPr>
+          <p:nvPr>
+            <p:ph type="body" idx="1"/>
+          </p:nvPr>
+        </p:nvSpPr>
+        <p:spPr/>
+        <p:txBody>
+          <a:bodyPr rtlCol="0"/>
+          <a:lstStyle/>
+          <a:p>
+            <a:pPr rtl="0"/>
+            <a:endParaRPr lang="pt-BR" dirty="0"/>
+          </a:p>
+        </p:txBody>
+      </p:sp>
+      <p:sp>
+        <p:nvSpPr>
+          <p:cNvPr id="4" name="Espaço Reservado para o Número do Slide 3"/>
+          <p:cNvSpPr>
+            <a:spLocks noGrp="1"/>
+          </p:cNvSpPr>
+          <p:nvPr>
+            <p:ph type="sldNum" sz="quarter" idx="10"/>
+          </p:nvPr>
+        </p:nvSpPr>
+        <p:spPr/>
+        <p:txBody>
+          <a:bodyPr rtlCol="0"/>
+          <a:lstStyle/>
+          <a:p>
+            <a:pPr rtl="0"/>
+            <a:fld id="{F5EB433F-E5C6-4E8D-82E5-3D359E2C0E58}" type="slidenum">
+              <a:rPr lang="pt-BR" smtClean="0"/>
+              <a:t>42</a:t>
+            </a:fld>
+            <a:endParaRPr lang="pt-BR" dirty="0"/>
+          </a:p>
+        </p:txBody>
+      </p:sp>
+    </p:spTree>
+    <p:extLst>
+      <p:ext uri="{BB962C8B-B14F-4D97-AF65-F5344CB8AC3E}">
+        <p14:creationId xmlns:p14="http://schemas.microsoft.com/office/powerpoint/2010/main" val="528684297"/>
+      </p:ext>
+    </p:extLst>
+  </p:cSld>
+  <p:clrMapOvr>
+    <a:masterClrMapping/>
+  </p:clrMapOvr>
+</p:notes>
+</file>
+
+<file path=ppt/notesSlides/notesSlide43.xml><?xml version="1.0" encoding="utf-8"?>
+<p:notes xmlns:a="http://schemas.openxmlformats.org/drawingml/2006/main" xmlns:r="http://schemas.openxmlformats.org/officeDocument/2006/relationships" xmlns:p="http://schemas.openxmlformats.org/presentationml/2006/main">
+  <p:cSld>
+    <p:spTree>
+      <p:nvGrpSpPr>
+        <p:cNvPr id="1" name=""/>
+        <p:cNvGrpSpPr/>
+        <p:nvPr/>
+      </p:nvGrpSpPr>
+      <p:grpSpPr>
+        <a:xfrm>
+          <a:off x="0" y="0"/>
+          <a:ext cx="0" cy="0"/>
+          <a:chOff x="0" y="0"/>
+          <a:chExt cx="0" cy="0"/>
+        </a:xfrm>
+      </p:grpSpPr>
+      <p:sp>
+        <p:nvSpPr>
+          <p:cNvPr id="2" name="Espaço Reservado para Imagem do Slide 1"/>
+          <p:cNvSpPr>
+            <a:spLocks noGrp="1" noRot="1" noChangeAspect="1"/>
+          </p:cNvSpPr>
+          <p:nvPr>
+            <p:ph type="sldImg"/>
+          </p:nvPr>
+        </p:nvSpPr>
+        <p:spPr/>
+      </p:sp>
+      <p:sp>
+        <p:nvSpPr>
+          <p:cNvPr id="3" name="Espaço reservado para anotações 2"/>
+          <p:cNvSpPr>
+            <a:spLocks noGrp="1"/>
+          </p:cNvSpPr>
+          <p:nvPr>
+            <p:ph type="body" idx="1"/>
+          </p:nvPr>
+        </p:nvSpPr>
+        <p:spPr/>
+        <p:txBody>
+          <a:bodyPr rtlCol="0"/>
+          <a:lstStyle/>
+          <a:p>
+            <a:pPr rtl="0"/>
+            <a:endParaRPr lang="pt-BR" noProof="0" dirty="0"/>
+          </a:p>
+        </p:txBody>
+      </p:sp>
+      <p:sp>
+        <p:nvSpPr>
+          <p:cNvPr id="4" name="Espaço Reservado para o Número do Slide 3"/>
+          <p:cNvSpPr>
+            <a:spLocks noGrp="1"/>
+          </p:cNvSpPr>
+          <p:nvPr>
+            <p:ph type="sldNum" sz="quarter" idx="10"/>
+          </p:nvPr>
+        </p:nvSpPr>
+        <p:spPr/>
+        <p:txBody>
+          <a:bodyPr rtlCol="0"/>
+          <a:lstStyle/>
+          <a:p>
+            <a:pPr rtl="0"/>
+            <a:fld id="{F5EB433F-E5C6-4E8D-82E5-3D359E2C0E58}" type="slidenum">
+              <a:rPr lang="pt-BR" smtClean="0"/>
+              <a:t>43</a:t>
             </a:fld>
             <a:endParaRPr lang="pt-BR" dirty="0"/>
           </a:p>
@@ -15094,6 +15268,722 @@
       </p:sp>
       <p:sp>
         <p:nvSpPr>
+          <p:cNvPr id="12" name="Espaço Reservado para Conteúdo 11">
+            <a:extLst>
+              <a:ext uri="{FF2B5EF4-FFF2-40B4-BE49-F238E27FC236}">
+                <a16:creationId xmlns:a16="http://schemas.microsoft.com/office/drawing/2014/main" id="{2A09EEBC-5E2C-D240-A5D6-6952B8392E49}"/>
+              </a:ext>
+            </a:extLst>
+          </p:cNvPr>
+          <p:cNvSpPr>
+            <a:spLocks noGrp="1"/>
+          </p:cNvSpPr>
+          <p:nvPr>
+            <p:ph sz="half" idx="2"/>
+          </p:nvPr>
+        </p:nvSpPr>
+        <p:spPr>
+          <a:xfrm>
+            <a:off x="1195753" y="2281659"/>
+            <a:ext cx="4726744" cy="3633471"/>
+          </a:xfrm>
+        </p:spPr>
+        <p:txBody>
+          <a:bodyPr rtlCol="0">
+            <a:noAutofit/>
+          </a:bodyPr>
+          <a:lstStyle/>
+          <a:p>
+            <a:pPr marL="285750" lvl="0" indent="-285750" algn="just">
+              <a:lnSpc>
+                <a:spcPct val="150000"/>
+              </a:lnSpc>
+              <a:spcAft>
+                <a:spcPts val="800"/>
+              </a:spcAft>
+              <a:buFont typeface="Arial" panose="020B0604020202020204" pitchFamily="34" charset="0"/>
+              <a:buChar char="•"/>
+            </a:pPr>
+            <a:r>
+              <a:rPr lang="pt-BR" dirty="0">
+                <a:effectLst/>
+                <a:ea typeface="Times New Roman" panose="02020603050405020304" pitchFamily="18" charset="0"/>
+              </a:rPr>
+              <a:t>ANN</a:t>
+            </a:r>
+          </a:p>
+          <a:p>
+            <a:pPr algn="just">
+              <a:lnSpc>
+                <a:spcPct val="150000"/>
+              </a:lnSpc>
+              <a:spcAft>
+                <a:spcPts val="800"/>
+              </a:spcAft>
+            </a:pPr>
+            <a:r>
+              <a:rPr lang="pt-BR" dirty="0">
+                <a:ea typeface="Times New Roman" panose="02020603050405020304" pitchFamily="18" charset="0"/>
+              </a:rPr>
+              <a:t>Arquitetura: (100, 100, 10), (100,50,10), (50,10)</a:t>
+            </a:r>
+          </a:p>
+          <a:p>
+            <a:pPr lvl="0" algn="just">
+              <a:lnSpc>
+                <a:spcPct val="150000"/>
+              </a:lnSpc>
+              <a:spcAft>
+                <a:spcPts val="800"/>
+              </a:spcAft>
+            </a:pPr>
+            <a:r>
+              <a:rPr lang="pt-BR" dirty="0">
+                <a:effectLst/>
+                <a:ea typeface="Times New Roman" panose="02020603050405020304" pitchFamily="18" charset="0"/>
+              </a:rPr>
+              <a:t>Alfa: 0.001, 1, 10</a:t>
+            </a:r>
+          </a:p>
+          <a:p>
+            <a:pPr lvl="0" algn="just">
+              <a:lnSpc>
+                <a:spcPct val="150000"/>
+              </a:lnSpc>
+              <a:spcAft>
+                <a:spcPts val="800"/>
+              </a:spcAft>
+            </a:pPr>
+            <a:endParaRPr lang="pt-BR" dirty="0">
+              <a:ea typeface="Times New Roman" panose="02020603050405020304" pitchFamily="18" charset="0"/>
+            </a:endParaRPr>
+          </a:p>
+        </p:txBody>
+      </p:sp>
+      <p:sp>
+        <p:nvSpPr>
+          <p:cNvPr id="4" name="Espaço Reservado para Conteúdo 11">
+            <a:extLst>
+              <a:ext uri="{FF2B5EF4-FFF2-40B4-BE49-F238E27FC236}">
+                <a16:creationId xmlns:a16="http://schemas.microsoft.com/office/drawing/2014/main" id="{D3725F8B-7BC8-429E-8F4F-2B2E7439B037}"/>
+              </a:ext>
+            </a:extLst>
+          </p:cNvPr>
+          <p:cNvSpPr txBox="1">
+            <a:spLocks/>
+          </p:cNvSpPr>
+          <p:nvPr/>
+        </p:nvSpPr>
+        <p:spPr>
+          <a:xfrm>
+            <a:off x="6096000" y="2235620"/>
+            <a:ext cx="4726744" cy="3633471"/>
+          </a:xfrm>
+          <a:prstGeom prst="rect">
+            <a:avLst/>
+          </a:prstGeom>
+        </p:spPr>
+        <p:txBody>
+          <a:bodyPr vert="horz" lIns="0" tIns="45720" rIns="0" bIns="45720" rtlCol="0">
+            <a:noAutofit/>
+          </a:bodyPr>
+          <a:lstStyle>
+            <a:lvl1pPr marL="0" indent="0" algn="l" defTabSz="914400" rtl="0" eaLnBrk="1" latinLnBrk="0" hangingPunct="1">
+              <a:lnSpc>
+                <a:spcPct val="100000"/>
+              </a:lnSpc>
+              <a:spcBef>
+                <a:spcPts val="1200"/>
+              </a:spcBef>
+              <a:spcAft>
+                <a:spcPts val="200"/>
+              </a:spcAft>
+              <a:buClr>
+                <a:schemeClr val="tx1"/>
+              </a:buClr>
+              <a:buSzPct val="100000"/>
+              <a:buFont typeface="Calibri" panose="020F0502020204030204" pitchFamily="34" charset="0"/>
+              <a:buNone/>
+              <a:defRPr sz="1600" kern="1200">
+                <a:solidFill>
+                  <a:schemeClr val="tx1"/>
+                </a:solidFill>
+                <a:latin typeface="+mn-lt"/>
+                <a:ea typeface="+mn-ea"/>
+                <a:cs typeface="+mn-cs"/>
+              </a:defRPr>
+            </a:lvl1pPr>
+            <a:lvl2pPr marL="201168" indent="0" algn="l" defTabSz="914400" rtl="0" eaLnBrk="1" latinLnBrk="0" hangingPunct="1">
+              <a:lnSpc>
+                <a:spcPct val="100000"/>
+              </a:lnSpc>
+              <a:spcBef>
+                <a:spcPts val="200"/>
+              </a:spcBef>
+              <a:spcAft>
+                <a:spcPts val="400"/>
+              </a:spcAft>
+              <a:buClr>
+                <a:schemeClr val="tx1"/>
+              </a:buClr>
+              <a:buFont typeface="Arial" panose="020B0604020202020204" pitchFamily="34" charset="0"/>
+              <a:buNone/>
+              <a:defRPr sz="1400" kern="1200">
+                <a:solidFill>
+                  <a:schemeClr val="tx1"/>
+                </a:solidFill>
+                <a:latin typeface="+mn-lt"/>
+                <a:ea typeface="+mn-ea"/>
+                <a:cs typeface="+mn-cs"/>
+              </a:defRPr>
+            </a:lvl2pPr>
+            <a:lvl3pPr marL="384048" indent="0" algn="l" defTabSz="914400" rtl="0" eaLnBrk="1" latinLnBrk="0" hangingPunct="1">
+              <a:lnSpc>
+                <a:spcPct val="100000"/>
+              </a:lnSpc>
+              <a:spcBef>
+                <a:spcPts val="200"/>
+              </a:spcBef>
+              <a:spcAft>
+                <a:spcPts val="400"/>
+              </a:spcAft>
+              <a:buClr>
+                <a:schemeClr val="tx1"/>
+              </a:buClr>
+              <a:buFont typeface="Arial" panose="020B0604020202020204" pitchFamily="34" charset="0"/>
+              <a:buNone/>
+              <a:defRPr sz="1100" kern="1200">
+                <a:solidFill>
+                  <a:schemeClr val="tx1"/>
+                </a:solidFill>
+                <a:latin typeface="+mn-lt"/>
+                <a:ea typeface="+mn-ea"/>
+                <a:cs typeface="+mn-cs"/>
+              </a:defRPr>
+            </a:lvl3pPr>
+            <a:lvl4pPr marL="566928" indent="0" algn="l" defTabSz="914400" rtl="0" eaLnBrk="1" latinLnBrk="0" hangingPunct="1">
+              <a:lnSpc>
+                <a:spcPct val="100000"/>
+              </a:lnSpc>
+              <a:spcBef>
+                <a:spcPts val="200"/>
+              </a:spcBef>
+              <a:spcAft>
+                <a:spcPts val="400"/>
+              </a:spcAft>
+              <a:buClr>
+                <a:schemeClr val="tx1"/>
+              </a:buClr>
+              <a:buFont typeface="Arial" panose="020B0604020202020204" pitchFamily="34" charset="0"/>
+              <a:buNone/>
+              <a:defRPr sz="1100" kern="1200">
+                <a:solidFill>
+                  <a:schemeClr val="tx1"/>
+                </a:solidFill>
+                <a:latin typeface="+mn-lt"/>
+                <a:ea typeface="+mn-ea"/>
+                <a:cs typeface="+mn-cs"/>
+              </a:defRPr>
+            </a:lvl4pPr>
+            <a:lvl5pPr marL="749808" indent="0" algn="l" defTabSz="914400" rtl="0" eaLnBrk="1" latinLnBrk="0" hangingPunct="1">
+              <a:lnSpc>
+                <a:spcPct val="100000"/>
+              </a:lnSpc>
+              <a:spcBef>
+                <a:spcPts val="200"/>
+              </a:spcBef>
+              <a:spcAft>
+                <a:spcPts val="400"/>
+              </a:spcAft>
+              <a:buClr>
+                <a:schemeClr val="tx1"/>
+              </a:buClr>
+              <a:buFont typeface="Arial" panose="020B0604020202020204" pitchFamily="34" charset="0"/>
+              <a:buNone/>
+              <a:defRPr sz="1100" kern="1200">
+                <a:solidFill>
+                  <a:schemeClr val="tx1"/>
+                </a:solidFill>
+                <a:latin typeface="+mn-lt"/>
+                <a:ea typeface="+mn-ea"/>
+                <a:cs typeface="+mn-cs"/>
+              </a:defRPr>
+            </a:lvl5pPr>
+            <a:lvl6pPr marL="1100000" indent="-228600" algn="l" defTabSz="914400" rtl="0" eaLnBrk="1" latinLnBrk="0" hangingPunct="1">
+              <a:lnSpc>
+                <a:spcPct val="90000"/>
+              </a:lnSpc>
+              <a:spcBef>
+                <a:spcPts val="200"/>
+              </a:spcBef>
+              <a:spcAft>
+                <a:spcPts val="400"/>
+              </a:spcAft>
+              <a:buClr>
+                <a:schemeClr val="accent1"/>
+              </a:buClr>
+              <a:buFont typeface="Calibri" pitchFamily="34" charset="0"/>
+              <a:buChar char="◦"/>
+              <a:defRPr sz="1400" kern="1200">
+                <a:solidFill>
+                  <a:schemeClr val="tx1">
+                    <a:lumMod val="75000"/>
+                    <a:lumOff val="25000"/>
+                  </a:schemeClr>
+                </a:solidFill>
+                <a:latin typeface="+mn-lt"/>
+                <a:ea typeface="+mn-ea"/>
+                <a:cs typeface="+mn-cs"/>
+              </a:defRPr>
+            </a:lvl6pPr>
+            <a:lvl7pPr marL="1300000" indent="-228600" algn="l" defTabSz="914400" rtl="0" eaLnBrk="1" latinLnBrk="0" hangingPunct="1">
+              <a:lnSpc>
+                <a:spcPct val="90000"/>
+              </a:lnSpc>
+              <a:spcBef>
+                <a:spcPts val="200"/>
+              </a:spcBef>
+              <a:spcAft>
+                <a:spcPts val="400"/>
+              </a:spcAft>
+              <a:buClr>
+                <a:schemeClr val="accent1"/>
+              </a:buClr>
+              <a:buFont typeface="Calibri" pitchFamily="34" charset="0"/>
+              <a:buChar char="◦"/>
+              <a:defRPr sz="1400" kern="1200">
+                <a:solidFill>
+                  <a:schemeClr val="tx1">
+                    <a:lumMod val="75000"/>
+                    <a:lumOff val="25000"/>
+                  </a:schemeClr>
+                </a:solidFill>
+                <a:latin typeface="+mn-lt"/>
+                <a:ea typeface="+mn-ea"/>
+                <a:cs typeface="+mn-cs"/>
+              </a:defRPr>
+            </a:lvl7pPr>
+            <a:lvl8pPr marL="1500000" indent="-228600" algn="l" defTabSz="914400" rtl="0" eaLnBrk="1" latinLnBrk="0" hangingPunct="1">
+              <a:lnSpc>
+                <a:spcPct val="90000"/>
+              </a:lnSpc>
+              <a:spcBef>
+                <a:spcPts val="200"/>
+              </a:spcBef>
+              <a:spcAft>
+                <a:spcPts val="400"/>
+              </a:spcAft>
+              <a:buClr>
+                <a:schemeClr val="accent1"/>
+              </a:buClr>
+              <a:buFont typeface="Calibri" pitchFamily="34" charset="0"/>
+              <a:buChar char="◦"/>
+              <a:defRPr sz="1400" kern="1200">
+                <a:solidFill>
+                  <a:schemeClr val="tx1">
+                    <a:lumMod val="75000"/>
+                    <a:lumOff val="25000"/>
+                  </a:schemeClr>
+                </a:solidFill>
+                <a:latin typeface="+mn-lt"/>
+                <a:ea typeface="+mn-ea"/>
+                <a:cs typeface="+mn-cs"/>
+              </a:defRPr>
+            </a:lvl8pPr>
+            <a:lvl9pPr marL="1700000" indent="-228600" algn="l" defTabSz="914400" rtl="0" eaLnBrk="1" latinLnBrk="0" hangingPunct="1">
+              <a:lnSpc>
+                <a:spcPct val="90000"/>
+              </a:lnSpc>
+              <a:spcBef>
+                <a:spcPts val="200"/>
+              </a:spcBef>
+              <a:spcAft>
+                <a:spcPts val="400"/>
+              </a:spcAft>
+              <a:buClr>
+                <a:schemeClr val="accent1"/>
+              </a:buClr>
+              <a:buFont typeface="Calibri" pitchFamily="34" charset="0"/>
+              <a:buChar char="◦"/>
+              <a:defRPr sz="1400" kern="1200">
+                <a:solidFill>
+                  <a:schemeClr val="tx1">
+                    <a:lumMod val="75000"/>
+                    <a:lumOff val="25000"/>
+                  </a:schemeClr>
+                </a:solidFill>
+                <a:latin typeface="+mn-lt"/>
+                <a:ea typeface="+mn-ea"/>
+                <a:cs typeface="+mn-cs"/>
+              </a:defRPr>
+            </a:lvl9pPr>
+          </a:lstStyle>
+          <a:p>
+            <a:pPr marL="285750" indent="-285750" algn="just">
+              <a:lnSpc>
+                <a:spcPct val="150000"/>
+              </a:lnSpc>
+              <a:spcAft>
+                <a:spcPts val="800"/>
+              </a:spcAft>
+              <a:buFont typeface="Arial" panose="020B0604020202020204" pitchFamily="34" charset="0"/>
+              <a:buChar char="•"/>
+            </a:pPr>
+            <a:r>
+              <a:rPr lang="pt-BR" dirty="0">
+                <a:ea typeface="Times New Roman" panose="02020603050405020304" pitchFamily="18" charset="0"/>
+              </a:rPr>
+              <a:t>SVM</a:t>
+            </a:r>
+          </a:p>
+          <a:p>
+            <a:pPr algn="just">
+              <a:lnSpc>
+                <a:spcPct val="150000"/>
+              </a:lnSpc>
+              <a:spcAft>
+                <a:spcPts val="800"/>
+              </a:spcAft>
+            </a:pPr>
+            <a:r>
+              <a:rPr lang="pt-BR" dirty="0">
+                <a:ea typeface="Times New Roman" panose="02020603050405020304" pitchFamily="18" charset="0"/>
+              </a:rPr>
+              <a:t>C: 0, 0.001, 1000</a:t>
+            </a:r>
+          </a:p>
+          <a:p>
+            <a:pPr algn="just">
+              <a:lnSpc>
+                <a:spcPct val="150000"/>
+              </a:lnSpc>
+              <a:spcAft>
+                <a:spcPts val="800"/>
+              </a:spcAft>
+            </a:pPr>
+            <a:r>
+              <a:rPr lang="pt-BR" dirty="0" err="1">
+                <a:ea typeface="Times New Roman" panose="02020603050405020304" pitchFamily="18" charset="0"/>
+              </a:rPr>
+              <a:t>Degree</a:t>
+            </a:r>
+            <a:r>
+              <a:rPr lang="pt-BR" dirty="0">
+                <a:ea typeface="Times New Roman" panose="02020603050405020304" pitchFamily="18" charset="0"/>
+              </a:rPr>
+              <a:t>: 2, 3, 4</a:t>
+            </a:r>
+          </a:p>
+          <a:p>
+            <a:pPr algn="just">
+              <a:lnSpc>
+                <a:spcPct val="150000"/>
+              </a:lnSpc>
+              <a:spcAft>
+                <a:spcPts val="800"/>
+              </a:spcAft>
+            </a:pPr>
+            <a:r>
+              <a:rPr lang="pt-BR" dirty="0" err="1">
+                <a:ea typeface="Times New Roman" panose="02020603050405020304" pitchFamily="18" charset="0"/>
+              </a:rPr>
+              <a:t>Gamma</a:t>
+            </a:r>
+            <a:r>
+              <a:rPr lang="pt-BR" dirty="0">
+                <a:ea typeface="Times New Roman" panose="02020603050405020304" pitchFamily="18" charset="0"/>
+              </a:rPr>
+              <a:t>: 0.1, 1, 100</a:t>
+            </a:r>
+          </a:p>
+          <a:p>
+            <a:pPr algn="just">
+              <a:lnSpc>
+                <a:spcPct val="150000"/>
+              </a:lnSpc>
+              <a:spcAft>
+                <a:spcPts val="800"/>
+              </a:spcAft>
+            </a:pPr>
+            <a:r>
+              <a:rPr lang="pt-BR" dirty="0">
+                <a:ea typeface="Times New Roman" panose="02020603050405020304" pitchFamily="18" charset="0"/>
+              </a:rPr>
+              <a:t>Função: RBF, Polinomial, Linear</a:t>
+            </a:r>
+          </a:p>
+          <a:p>
+            <a:pPr algn="just">
+              <a:lnSpc>
+                <a:spcPct val="150000"/>
+              </a:lnSpc>
+              <a:spcAft>
+                <a:spcPts val="800"/>
+              </a:spcAft>
+            </a:pPr>
+            <a:endParaRPr lang="pt-BR" dirty="0">
+              <a:ea typeface="Times New Roman" panose="02020603050405020304" pitchFamily="18" charset="0"/>
+            </a:endParaRPr>
+          </a:p>
+        </p:txBody>
+      </p:sp>
+    </p:spTree>
+    <p:extLst>
+      <p:ext uri="{BB962C8B-B14F-4D97-AF65-F5344CB8AC3E}">
+        <p14:creationId xmlns:p14="http://schemas.microsoft.com/office/powerpoint/2010/main" val="1009118397"/>
+      </p:ext>
+    </p:extLst>
+  </p:cSld>
+  <p:clrMapOvr>
+    <a:masterClrMapping/>
+  </p:clrMapOvr>
+</p:sld>
+</file>
+
+<file path=ppt/slides/slide27.xml><?xml version="1.0" encoding="utf-8"?>
+<p:sld xmlns:a="http://schemas.openxmlformats.org/drawingml/2006/main" xmlns:r="http://schemas.openxmlformats.org/officeDocument/2006/relationships" xmlns:p="http://schemas.openxmlformats.org/presentationml/2006/main">
+  <p:cSld>
+    <p:spTree>
+      <p:nvGrpSpPr>
+        <p:cNvPr id="1" name=""/>
+        <p:cNvGrpSpPr/>
+        <p:nvPr/>
+      </p:nvGrpSpPr>
+      <p:grpSpPr>
+        <a:xfrm>
+          <a:off x="0" y="0"/>
+          <a:ext cx="0" cy="0"/>
+          <a:chOff x="0" y="0"/>
+          <a:chExt cx="0" cy="0"/>
+        </a:xfrm>
+      </p:grpSpPr>
+      <p:sp>
+        <p:nvSpPr>
+          <p:cNvPr id="8" name="Título 7">
+            <a:extLst>
+              <a:ext uri="{FF2B5EF4-FFF2-40B4-BE49-F238E27FC236}">
+                <a16:creationId xmlns:a16="http://schemas.microsoft.com/office/drawing/2014/main" id="{900900CD-B943-934F-857F-30AA913FE9D9}"/>
+              </a:ext>
+            </a:extLst>
+          </p:cNvPr>
+          <p:cNvSpPr>
+            <a:spLocks noGrp="1"/>
+          </p:cNvSpPr>
+          <p:nvPr>
+            <p:ph type="title"/>
+          </p:nvPr>
+        </p:nvSpPr>
+        <p:spPr>
+          <a:xfrm>
+            <a:off x="1195753" y="942870"/>
+            <a:ext cx="9763793" cy="1292750"/>
+          </a:xfrm>
+        </p:spPr>
+        <p:txBody>
+          <a:bodyPr rtlCol="0"/>
+          <a:lstStyle/>
+          <a:p>
+            <a:pPr rtl="0"/>
+            <a:r>
+              <a:rPr lang="pt-BR" dirty="0"/>
+              <a:t>Resultados e discussões</a:t>
+            </a:r>
+          </a:p>
+        </p:txBody>
+      </p:sp>
+      <p:sp>
+        <p:nvSpPr>
+          <p:cNvPr id="12" name="Espaço Reservado para Conteúdo 11">
+            <a:extLst>
+              <a:ext uri="{FF2B5EF4-FFF2-40B4-BE49-F238E27FC236}">
+                <a16:creationId xmlns:a16="http://schemas.microsoft.com/office/drawing/2014/main" id="{2A09EEBC-5E2C-D240-A5D6-6952B8392E49}"/>
+              </a:ext>
+            </a:extLst>
+          </p:cNvPr>
+          <p:cNvSpPr>
+            <a:spLocks noGrp="1"/>
+          </p:cNvSpPr>
+          <p:nvPr>
+            <p:ph sz="half" idx="2"/>
+          </p:nvPr>
+        </p:nvSpPr>
+        <p:spPr>
+          <a:xfrm>
+            <a:off x="1195753" y="2281659"/>
+            <a:ext cx="4726744" cy="3633471"/>
+          </a:xfrm>
+        </p:spPr>
+        <p:txBody>
+          <a:bodyPr rtlCol="0">
+            <a:noAutofit/>
+          </a:bodyPr>
+          <a:lstStyle/>
+          <a:p>
+            <a:pPr marL="285750" lvl="0" indent="-285750" algn="just">
+              <a:lnSpc>
+                <a:spcPct val="150000"/>
+              </a:lnSpc>
+              <a:spcAft>
+                <a:spcPts val="800"/>
+              </a:spcAft>
+              <a:buFont typeface="Arial" panose="020B0604020202020204" pitchFamily="34" charset="0"/>
+              <a:buChar char="•"/>
+            </a:pPr>
+            <a:r>
+              <a:rPr lang="pt-BR" dirty="0">
+                <a:effectLst/>
+                <a:ea typeface="Times New Roman" panose="02020603050405020304" pitchFamily="18" charset="0"/>
+              </a:rPr>
+              <a:t>PCA</a:t>
+            </a:r>
+          </a:p>
+          <a:p>
+            <a:pPr lvl="0" algn="just">
+              <a:lnSpc>
+                <a:spcPct val="150000"/>
+              </a:lnSpc>
+              <a:spcAft>
+                <a:spcPts val="800"/>
+              </a:spcAft>
+            </a:pPr>
+            <a:r>
+              <a:rPr lang="pt-BR" dirty="0">
+                <a:ea typeface="Times New Roman" panose="02020603050405020304" pitchFamily="18" charset="0"/>
+              </a:rPr>
+              <a:t>Número de Componentes: 21, 35, 49</a:t>
+            </a:r>
+          </a:p>
+          <a:p>
+            <a:pPr lvl="0" algn="just">
+              <a:lnSpc>
+                <a:spcPct val="150000"/>
+              </a:lnSpc>
+              <a:spcAft>
+                <a:spcPts val="800"/>
+              </a:spcAft>
+            </a:pPr>
+            <a:endParaRPr lang="pt-BR" dirty="0">
+              <a:effectLst/>
+              <a:ea typeface="Times New Roman" panose="02020603050405020304" pitchFamily="18" charset="0"/>
+            </a:endParaRPr>
+          </a:p>
+          <a:p>
+            <a:pPr marL="285750" lvl="0" indent="-285750" algn="just">
+              <a:lnSpc>
+                <a:spcPct val="150000"/>
+              </a:lnSpc>
+              <a:spcAft>
+                <a:spcPts val="800"/>
+              </a:spcAft>
+              <a:buFont typeface="Arial" panose="020B0604020202020204" pitchFamily="34" charset="0"/>
+              <a:buChar char="•"/>
+            </a:pPr>
+            <a:r>
+              <a:rPr lang="pt-BR" dirty="0">
+                <a:ea typeface="Times New Roman" panose="02020603050405020304" pitchFamily="18" charset="0"/>
+              </a:rPr>
+              <a:t>ARIMA</a:t>
+            </a:r>
+          </a:p>
+          <a:p>
+            <a:pPr lvl="0" algn="just">
+              <a:lnSpc>
+                <a:spcPct val="150000"/>
+              </a:lnSpc>
+              <a:spcAft>
+                <a:spcPts val="800"/>
+              </a:spcAft>
+            </a:pPr>
+            <a:r>
+              <a:rPr lang="pt-BR" dirty="0">
+                <a:effectLst/>
+                <a:ea typeface="Times New Roman" panose="02020603050405020304" pitchFamily="18" charset="0"/>
+              </a:rPr>
+              <a:t>(</a:t>
+            </a:r>
+            <a:r>
+              <a:rPr lang="pt-BR" dirty="0" err="1">
+                <a:effectLst/>
+                <a:ea typeface="Times New Roman" panose="02020603050405020304" pitchFamily="18" charset="0"/>
+              </a:rPr>
+              <a:t>p,q,d</a:t>
+            </a:r>
+            <a:r>
+              <a:rPr lang="pt-BR" dirty="0">
+                <a:effectLst/>
+                <a:ea typeface="Times New Roman" panose="02020603050405020304" pitchFamily="18" charset="0"/>
+              </a:rPr>
+              <a:t>) : de 1 a 3</a:t>
+            </a:r>
+          </a:p>
+        </p:txBody>
+      </p:sp>
+    </p:spTree>
+    <p:extLst>
+      <p:ext uri="{BB962C8B-B14F-4D97-AF65-F5344CB8AC3E}">
+        <p14:creationId xmlns:p14="http://schemas.microsoft.com/office/powerpoint/2010/main" val="3145536324"/>
+      </p:ext>
+    </p:extLst>
+  </p:cSld>
+  <p:clrMapOvr>
+    <a:masterClrMapping/>
+  </p:clrMapOvr>
+</p:sld>
+</file>
+
+<file path=ppt/slides/slide28.xml><?xml version="1.0" encoding="utf-8"?>
+<p:sld xmlns:a="http://schemas.openxmlformats.org/drawingml/2006/main" xmlns:r="http://schemas.openxmlformats.org/officeDocument/2006/relationships" xmlns:p="http://schemas.openxmlformats.org/presentationml/2006/main">
+  <p:cSld>
+    <p:spTree>
+      <p:nvGrpSpPr>
+        <p:cNvPr id="1" name=""/>
+        <p:cNvGrpSpPr/>
+        <p:nvPr/>
+      </p:nvGrpSpPr>
+      <p:grpSpPr>
+        <a:xfrm>
+          <a:off x="0" y="0"/>
+          <a:ext cx="0" cy="0"/>
+          <a:chOff x="0" y="0"/>
+          <a:chExt cx="0" cy="0"/>
+        </a:xfrm>
+      </p:grpSpPr>
+      <p:sp>
+        <p:nvSpPr>
+          <p:cNvPr id="8" name="Título 7">
+            <a:extLst>
+              <a:ext uri="{FF2B5EF4-FFF2-40B4-BE49-F238E27FC236}">
+                <a16:creationId xmlns:a16="http://schemas.microsoft.com/office/drawing/2014/main" id="{900900CD-B943-934F-857F-30AA913FE9D9}"/>
+              </a:ext>
+            </a:extLst>
+          </p:cNvPr>
+          <p:cNvSpPr>
+            <a:spLocks noGrp="1"/>
+          </p:cNvSpPr>
+          <p:nvPr>
+            <p:ph type="title"/>
+          </p:nvPr>
+        </p:nvSpPr>
+        <p:spPr>
+          <a:xfrm>
+            <a:off x="1195753" y="942870"/>
+            <a:ext cx="9763793" cy="1292750"/>
+          </a:xfrm>
+        </p:spPr>
+        <p:txBody>
+          <a:bodyPr rtlCol="0"/>
+          <a:lstStyle/>
+          <a:p>
+            <a:pPr rtl="0"/>
+            <a:r>
+              <a:rPr lang="pt-BR" dirty="0"/>
+              <a:t>Resultados e discussões</a:t>
+            </a:r>
+          </a:p>
+        </p:txBody>
+      </p:sp>
+      <p:sp>
+        <p:nvSpPr>
           <p:cNvPr id="9" name="CaixaDeTexto 8">
             <a:extLst>
               <a:ext uri="{FF2B5EF4-FFF2-40B4-BE49-F238E27FC236}">
@@ -15261,7 +16151,7 @@
 </p:sld>
 </file>
 
-<file path=ppt/slides/slide27.xml><?xml version="1.0" encoding="utf-8"?>
+<file path=ppt/slides/slide29.xml><?xml version="1.0" encoding="utf-8"?>
 <p:sld xmlns:a="http://schemas.openxmlformats.org/drawingml/2006/main" xmlns:r="http://schemas.openxmlformats.org/officeDocument/2006/relationships" xmlns:p="http://schemas.openxmlformats.org/presentationml/2006/main">
   <p:cSld>
     <p:spTree>
@@ -15481,7 +16371,160 @@
 </p:sld>
 </file>
 
-<file path=ppt/slides/slide28.xml><?xml version="1.0" encoding="utf-8"?>
+<file path=ppt/slides/slide3.xml><?xml version="1.0" encoding="utf-8"?>
+<p:sld xmlns:a="http://schemas.openxmlformats.org/drawingml/2006/main" xmlns:r="http://schemas.openxmlformats.org/officeDocument/2006/relationships" xmlns:p="http://schemas.openxmlformats.org/presentationml/2006/main">
+  <p:cSld>
+    <p:spTree>
+      <p:nvGrpSpPr>
+        <p:cNvPr id="1" name=""/>
+        <p:cNvGrpSpPr/>
+        <p:nvPr/>
+      </p:nvGrpSpPr>
+      <p:grpSpPr>
+        <a:xfrm>
+          <a:off x="0" y="0"/>
+          <a:ext cx="0" cy="0"/>
+          <a:chOff x="0" y="0"/>
+          <a:chExt cx="0" cy="0"/>
+        </a:xfrm>
+      </p:grpSpPr>
+      <p:sp>
+        <p:nvSpPr>
+          <p:cNvPr id="4" name="Título 3">
+            <a:extLst>
+              <a:ext uri="{FF2B5EF4-FFF2-40B4-BE49-F238E27FC236}">
+                <a16:creationId xmlns:a16="http://schemas.microsoft.com/office/drawing/2014/main" id="{E5E51183-D0D9-A74B-94F0-9EC0104A75F3}"/>
+              </a:ext>
+            </a:extLst>
+          </p:cNvPr>
+          <p:cNvSpPr>
+            <a:spLocks noGrp="1"/>
+          </p:cNvSpPr>
+          <p:nvPr>
+            <p:ph type="title"/>
+          </p:nvPr>
+        </p:nvSpPr>
+        <p:spPr>
+          <a:xfrm>
+            <a:off x="635000" y="2736254"/>
+            <a:ext cx="5460992" cy="1385491"/>
+          </a:xfrm>
+        </p:spPr>
+        <p:txBody>
+          <a:bodyPr rtlCol="0"/>
+          <a:lstStyle/>
+          <a:p>
+            <a:pPr rtl="0">
+              <a:tabLst>
+                <a:tab pos="3308350" algn="l"/>
+              </a:tabLst>
+            </a:pPr>
+            <a:r>
+              <a:rPr lang="pt-BR" dirty="0">
+                <a:solidFill>
+                  <a:schemeClr val="tx1">
+                    <a:lumMod val="85000"/>
+                    <a:lumOff val="15000"/>
+                  </a:schemeClr>
+                </a:solidFill>
+              </a:rPr>
+              <a:t>Introdução</a:t>
+            </a:r>
+          </a:p>
+        </p:txBody>
+      </p:sp>
+      <p:sp>
+        <p:nvSpPr>
+          <p:cNvPr id="5" name="Espaço Reservado para Conteúdo 4">
+            <a:extLst>
+              <a:ext uri="{FF2B5EF4-FFF2-40B4-BE49-F238E27FC236}">
+                <a16:creationId xmlns:a16="http://schemas.microsoft.com/office/drawing/2014/main" id="{319ED1B1-6FE0-FA43-95C4-366DBD1F1305}"/>
+              </a:ext>
+            </a:extLst>
+          </p:cNvPr>
+          <p:cNvSpPr>
+            <a:spLocks noGrp="1"/>
+          </p:cNvSpPr>
+          <p:nvPr>
+            <p:ph sz="half" idx="2"/>
+          </p:nvPr>
+        </p:nvSpPr>
+        <p:spPr/>
+        <p:txBody>
+          <a:bodyPr rtlCol="0"/>
+          <a:lstStyle/>
+          <a:p>
+            <a:pPr marL="0" indent="0" rtl="0">
+              <a:buFont typeface="Calibri" panose="020F0502020204030204" pitchFamily="34" charset="0"/>
+              <a:buNone/>
+            </a:pPr>
+            <a:r>
+              <a:rPr lang="pt-BR" spc="200" dirty="0"/>
+              <a:t>O que é um ataque </a:t>
+            </a:r>
+            <a:r>
+              <a:rPr lang="pt-BR" spc="200" dirty="0" err="1"/>
+              <a:t>DDoS</a:t>
+            </a:r>
+            <a:r>
+              <a:rPr lang="pt-BR" spc="200" dirty="0"/>
+              <a:t>?</a:t>
+            </a:r>
+          </a:p>
+          <a:p>
+            <a:pPr marL="0" indent="0" rtl="0">
+              <a:buFont typeface="Calibri" panose="020F0502020204030204" pitchFamily="34" charset="0"/>
+              <a:buNone/>
+            </a:pPr>
+            <a:r>
+              <a:rPr lang="pt-BR" spc="200" dirty="0">
+                <a:solidFill>
+                  <a:schemeClr val="tx1"/>
+                </a:solidFill>
+              </a:rPr>
+              <a:t>Problematização</a:t>
+            </a:r>
+          </a:p>
+          <a:p>
+            <a:pPr marL="0" indent="0" rtl="0">
+              <a:buFont typeface="Calibri" panose="020F0502020204030204" pitchFamily="34" charset="0"/>
+              <a:buNone/>
+            </a:pPr>
+            <a:r>
+              <a:rPr lang="pt-BR" spc="200" dirty="0"/>
+              <a:t>Objetivos</a:t>
+            </a:r>
+          </a:p>
+          <a:p>
+            <a:pPr marL="0" indent="0" rtl="0">
+              <a:buFont typeface="Calibri" panose="020F0502020204030204" pitchFamily="34" charset="0"/>
+              <a:buNone/>
+            </a:pPr>
+            <a:r>
+              <a:rPr lang="pt-BR" spc="200" dirty="0">
+                <a:solidFill>
+                  <a:schemeClr val="tx1"/>
+                </a:solidFill>
+              </a:rPr>
+              <a:t>Justificativas</a:t>
+            </a:r>
+          </a:p>
+        </p:txBody>
+      </p:sp>
+    </p:spTree>
+    <p:extLst>
+      <p:ext uri="{BB962C8B-B14F-4D97-AF65-F5344CB8AC3E}">
+        <p14:creationId xmlns:p14="http://schemas.microsoft.com/office/powerpoint/2010/main" val="971976701"/>
+      </p:ext>
+    </p:extLst>
+  </p:cSld>
+  <p:clrMapOvr>
+    <a:masterClrMapping/>
+  </p:clrMapOvr>
+</p:sld>
+</file>
+
+<file path=ppt/slides/slide30.xml><?xml version="1.0" encoding="utf-8"?>
 <p:sld xmlns:a="http://schemas.openxmlformats.org/drawingml/2006/main" xmlns:r="http://schemas.openxmlformats.org/officeDocument/2006/relationships" xmlns:p="http://schemas.openxmlformats.org/presentationml/2006/main">
   <p:cSld>
     <p:spTree>
@@ -15701,7 +16744,7 @@
 </p:sld>
 </file>
 
-<file path=ppt/slides/slide29.xml><?xml version="1.0" encoding="utf-8"?>
+<file path=ppt/slides/slide31.xml><?xml version="1.0" encoding="utf-8"?>
 <p:sld xmlns:a="http://schemas.openxmlformats.org/drawingml/2006/main" xmlns:r="http://schemas.openxmlformats.org/officeDocument/2006/relationships" xmlns:p="http://schemas.openxmlformats.org/presentationml/2006/main">
   <p:cSld>
     <p:spTree>
@@ -16589,160 +17632,7 @@
 </p:sld>
 </file>
 
-<file path=ppt/slides/slide3.xml><?xml version="1.0" encoding="utf-8"?>
-<p:sld xmlns:a="http://schemas.openxmlformats.org/drawingml/2006/main" xmlns:r="http://schemas.openxmlformats.org/officeDocument/2006/relationships" xmlns:p="http://schemas.openxmlformats.org/presentationml/2006/main">
-  <p:cSld>
-    <p:spTree>
-      <p:nvGrpSpPr>
-        <p:cNvPr id="1" name=""/>
-        <p:cNvGrpSpPr/>
-        <p:nvPr/>
-      </p:nvGrpSpPr>
-      <p:grpSpPr>
-        <a:xfrm>
-          <a:off x="0" y="0"/>
-          <a:ext cx="0" cy="0"/>
-          <a:chOff x="0" y="0"/>
-          <a:chExt cx="0" cy="0"/>
-        </a:xfrm>
-      </p:grpSpPr>
-      <p:sp>
-        <p:nvSpPr>
-          <p:cNvPr id="4" name="Título 3">
-            <a:extLst>
-              <a:ext uri="{FF2B5EF4-FFF2-40B4-BE49-F238E27FC236}">
-                <a16:creationId xmlns:a16="http://schemas.microsoft.com/office/drawing/2014/main" id="{E5E51183-D0D9-A74B-94F0-9EC0104A75F3}"/>
-              </a:ext>
-            </a:extLst>
-          </p:cNvPr>
-          <p:cNvSpPr>
-            <a:spLocks noGrp="1"/>
-          </p:cNvSpPr>
-          <p:nvPr>
-            <p:ph type="title"/>
-          </p:nvPr>
-        </p:nvSpPr>
-        <p:spPr>
-          <a:xfrm>
-            <a:off x="635000" y="2736254"/>
-            <a:ext cx="5460992" cy="1385491"/>
-          </a:xfrm>
-        </p:spPr>
-        <p:txBody>
-          <a:bodyPr rtlCol="0"/>
-          <a:lstStyle/>
-          <a:p>
-            <a:pPr rtl="0">
-              <a:tabLst>
-                <a:tab pos="3308350" algn="l"/>
-              </a:tabLst>
-            </a:pPr>
-            <a:r>
-              <a:rPr lang="pt-BR" dirty="0">
-                <a:solidFill>
-                  <a:schemeClr val="tx1">
-                    <a:lumMod val="85000"/>
-                    <a:lumOff val="15000"/>
-                  </a:schemeClr>
-                </a:solidFill>
-              </a:rPr>
-              <a:t>Introdução</a:t>
-            </a:r>
-          </a:p>
-        </p:txBody>
-      </p:sp>
-      <p:sp>
-        <p:nvSpPr>
-          <p:cNvPr id="5" name="Espaço Reservado para Conteúdo 4">
-            <a:extLst>
-              <a:ext uri="{FF2B5EF4-FFF2-40B4-BE49-F238E27FC236}">
-                <a16:creationId xmlns:a16="http://schemas.microsoft.com/office/drawing/2014/main" id="{319ED1B1-6FE0-FA43-95C4-366DBD1F1305}"/>
-              </a:ext>
-            </a:extLst>
-          </p:cNvPr>
-          <p:cNvSpPr>
-            <a:spLocks noGrp="1"/>
-          </p:cNvSpPr>
-          <p:nvPr>
-            <p:ph sz="half" idx="2"/>
-          </p:nvPr>
-        </p:nvSpPr>
-        <p:spPr/>
-        <p:txBody>
-          <a:bodyPr rtlCol="0"/>
-          <a:lstStyle/>
-          <a:p>
-            <a:pPr marL="0" indent="0" rtl="0">
-              <a:buFont typeface="Calibri" panose="020F0502020204030204" pitchFamily="34" charset="0"/>
-              <a:buNone/>
-            </a:pPr>
-            <a:r>
-              <a:rPr lang="pt-BR" spc="200" dirty="0"/>
-              <a:t>O que é um ataque </a:t>
-            </a:r>
-            <a:r>
-              <a:rPr lang="pt-BR" spc="200" dirty="0" err="1"/>
-              <a:t>DDoS</a:t>
-            </a:r>
-            <a:r>
-              <a:rPr lang="pt-BR" spc="200" dirty="0"/>
-              <a:t>?</a:t>
-            </a:r>
-          </a:p>
-          <a:p>
-            <a:pPr marL="0" indent="0" rtl="0">
-              <a:buFont typeface="Calibri" panose="020F0502020204030204" pitchFamily="34" charset="0"/>
-              <a:buNone/>
-            </a:pPr>
-            <a:r>
-              <a:rPr lang="pt-BR" spc="200" dirty="0">
-                <a:solidFill>
-                  <a:schemeClr val="tx1"/>
-                </a:solidFill>
-              </a:rPr>
-              <a:t>Problematização</a:t>
-            </a:r>
-          </a:p>
-          <a:p>
-            <a:pPr marL="0" indent="0" rtl="0">
-              <a:buFont typeface="Calibri" panose="020F0502020204030204" pitchFamily="34" charset="0"/>
-              <a:buNone/>
-            </a:pPr>
-            <a:r>
-              <a:rPr lang="pt-BR" spc="200" dirty="0"/>
-              <a:t>Objetivos</a:t>
-            </a:r>
-          </a:p>
-          <a:p>
-            <a:pPr marL="0" indent="0" rtl="0">
-              <a:buFont typeface="Calibri" panose="020F0502020204030204" pitchFamily="34" charset="0"/>
-              <a:buNone/>
-            </a:pPr>
-            <a:r>
-              <a:rPr lang="pt-BR" spc="200" dirty="0">
-                <a:solidFill>
-                  <a:schemeClr val="tx1"/>
-                </a:solidFill>
-              </a:rPr>
-              <a:t>Justificativas</a:t>
-            </a:r>
-          </a:p>
-        </p:txBody>
-      </p:sp>
-    </p:spTree>
-    <p:extLst>
-      <p:ext uri="{BB962C8B-B14F-4D97-AF65-F5344CB8AC3E}">
-        <p14:creationId xmlns:p14="http://schemas.microsoft.com/office/powerpoint/2010/main" val="971976701"/>
-      </p:ext>
-    </p:extLst>
-  </p:cSld>
-  <p:clrMapOvr>
-    <a:masterClrMapping/>
-  </p:clrMapOvr>
-</p:sld>
-</file>
-
-<file path=ppt/slides/slide30.xml><?xml version="1.0" encoding="utf-8"?>
+<file path=ppt/slides/slide32.xml><?xml version="1.0" encoding="utf-8"?>
 <p:sld xmlns:a="http://schemas.openxmlformats.org/drawingml/2006/main" xmlns:r="http://schemas.openxmlformats.org/officeDocument/2006/relationships" xmlns:p="http://schemas.openxmlformats.org/presentationml/2006/main">
   <p:cSld>
     <p:spTree>
@@ -18007,7 +18897,7 @@
 </p:sld>
 </file>
 
-<file path=ppt/slides/slide31.xml><?xml version="1.0" encoding="utf-8"?>
+<file path=ppt/slides/slide33.xml><?xml version="1.0" encoding="utf-8"?>
 <p:sld xmlns:a="http://schemas.openxmlformats.org/drawingml/2006/main" xmlns:r="http://schemas.openxmlformats.org/officeDocument/2006/relationships" xmlns:p="http://schemas.openxmlformats.org/presentationml/2006/main">
   <p:cSld>
     <p:spTree>
@@ -19470,7 +20360,7 @@
 </p:sld>
 </file>
 
-<file path=ppt/slides/slide32.xml><?xml version="1.0" encoding="utf-8"?>
+<file path=ppt/slides/slide34.xml><?xml version="1.0" encoding="utf-8"?>
 <p:sld xmlns:a="http://schemas.openxmlformats.org/drawingml/2006/main" xmlns:r="http://schemas.openxmlformats.org/officeDocument/2006/relationships" xmlns:p="http://schemas.openxmlformats.org/presentationml/2006/main">
   <p:cSld>
     <p:spTree>
@@ -20996,234 +21886,6 @@
 </p:sld>
 </file>
 
-<file path=ppt/slides/slide33.xml><?xml version="1.0" encoding="utf-8"?>
-<p:sld xmlns:a="http://schemas.openxmlformats.org/drawingml/2006/main" xmlns:r="http://schemas.openxmlformats.org/officeDocument/2006/relationships" xmlns:p="http://schemas.openxmlformats.org/presentationml/2006/main">
-  <p:cSld>
-    <p:spTree>
-      <p:nvGrpSpPr>
-        <p:cNvPr id="1" name=""/>
-        <p:cNvGrpSpPr/>
-        <p:nvPr/>
-      </p:nvGrpSpPr>
-      <p:grpSpPr>
-        <a:xfrm>
-          <a:off x="0" y="0"/>
-          <a:ext cx="0" cy="0"/>
-          <a:chOff x="0" y="0"/>
-          <a:chExt cx="0" cy="0"/>
-        </a:xfrm>
-      </p:grpSpPr>
-      <p:sp>
-        <p:nvSpPr>
-          <p:cNvPr id="4" name="Título 3">
-            <a:extLst>
-              <a:ext uri="{FF2B5EF4-FFF2-40B4-BE49-F238E27FC236}">
-                <a16:creationId xmlns:a16="http://schemas.microsoft.com/office/drawing/2014/main" id="{E5E51183-D0D9-A74B-94F0-9EC0104A75F3}"/>
-              </a:ext>
-            </a:extLst>
-          </p:cNvPr>
-          <p:cNvSpPr>
-            <a:spLocks noGrp="1"/>
-          </p:cNvSpPr>
-          <p:nvPr>
-            <p:ph type="title"/>
-          </p:nvPr>
-        </p:nvSpPr>
-        <p:spPr>
-          <a:xfrm>
-            <a:off x="635000" y="2736254"/>
-            <a:ext cx="5460992" cy="1385491"/>
-          </a:xfrm>
-        </p:spPr>
-        <p:txBody>
-          <a:bodyPr rtlCol="0"/>
-          <a:lstStyle/>
-          <a:p>
-            <a:pPr rtl="0">
-              <a:tabLst>
-                <a:tab pos="3308350" algn="l"/>
-              </a:tabLst>
-            </a:pPr>
-            <a:r>
-              <a:rPr lang="pt-BR" dirty="0">
-                <a:solidFill>
-                  <a:schemeClr val="tx1">
-                    <a:lumMod val="85000"/>
-                    <a:lumOff val="15000"/>
-                  </a:schemeClr>
-                </a:solidFill>
-              </a:rPr>
-              <a:t>CONSIDERAÇÕES FINAIS</a:t>
-            </a:r>
-          </a:p>
-        </p:txBody>
-      </p:sp>
-    </p:spTree>
-    <p:extLst>
-      <p:ext uri="{BB962C8B-B14F-4D97-AF65-F5344CB8AC3E}">
-        <p14:creationId xmlns:p14="http://schemas.microsoft.com/office/powerpoint/2010/main" val="676769230"/>
-      </p:ext>
-    </p:extLst>
-  </p:cSld>
-  <p:clrMapOvr>
-    <a:masterClrMapping/>
-  </p:clrMapOvr>
-</p:sld>
-</file>
-
-<file path=ppt/slides/slide34.xml><?xml version="1.0" encoding="utf-8"?>
-<p:sld xmlns:a="http://schemas.openxmlformats.org/drawingml/2006/main" xmlns:r="http://schemas.openxmlformats.org/officeDocument/2006/relationships" xmlns:p="http://schemas.openxmlformats.org/presentationml/2006/main">
-  <p:cSld>
-    <p:spTree>
-      <p:nvGrpSpPr>
-        <p:cNvPr id="1" name=""/>
-        <p:cNvGrpSpPr/>
-        <p:nvPr/>
-      </p:nvGrpSpPr>
-      <p:grpSpPr>
-        <a:xfrm>
-          <a:off x="0" y="0"/>
-          <a:ext cx="0" cy="0"/>
-          <a:chOff x="0" y="0"/>
-          <a:chExt cx="0" cy="0"/>
-        </a:xfrm>
-      </p:grpSpPr>
-      <p:sp>
-        <p:nvSpPr>
-          <p:cNvPr id="8" name="Título 7">
-            <a:extLst>
-              <a:ext uri="{FF2B5EF4-FFF2-40B4-BE49-F238E27FC236}">
-                <a16:creationId xmlns:a16="http://schemas.microsoft.com/office/drawing/2014/main" id="{900900CD-B943-934F-857F-30AA913FE9D9}"/>
-              </a:ext>
-            </a:extLst>
-          </p:cNvPr>
-          <p:cNvSpPr>
-            <a:spLocks noGrp="1"/>
-          </p:cNvSpPr>
-          <p:nvPr>
-            <p:ph type="title"/>
-          </p:nvPr>
-        </p:nvSpPr>
-        <p:spPr>
-          <a:xfrm>
-            <a:off x="1195753" y="942870"/>
-            <a:ext cx="9763793" cy="1292750"/>
-          </a:xfrm>
-        </p:spPr>
-        <p:txBody>
-          <a:bodyPr rtlCol="0"/>
-          <a:lstStyle/>
-          <a:p>
-            <a:pPr rtl="0"/>
-            <a:r>
-              <a:rPr lang="pt-BR" dirty="0"/>
-              <a:t>Considerações finais</a:t>
-            </a:r>
-          </a:p>
-        </p:txBody>
-      </p:sp>
-      <p:sp>
-        <p:nvSpPr>
-          <p:cNvPr id="12" name="Espaço Reservado para Conteúdo 11">
-            <a:extLst>
-              <a:ext uri="{FF2B5EF4-FFF2-40B4-BE49-F238E27FC236}">
-                <a16:creationId xmlns:a16="http://schemas.microsoft.com/office/drawing/2014/main" id="{2A09EEBC-5E2C-D240-A5D6-6952B8392E49}"/>
-              </a:ext>
-            </a:extLst>
-          </p:cNvPr>
-          <p:cNvSpPr>
-            <a:spLocks noGrp="1"/>
-          </p:cNvSpPr>
-          <p:nvPr>
-            <p:ph sz="half" idx="2"/>
-          </p:nvPr>
-        </p:nvSpPr>
-        <p:spPr>
-          <a:xfrm>
-            <a:off x="1195754" y="2281657"/>
-            <a:ext cx="9763792" cy="3633471"/>
-          </a:xfrm>
-        </p:spPr>
-        <p:txBody>
-          <a:bodyPr rtlCol="0">
-            <a:noAutofit/>
-          </a:bodyPr>
-          <a:lstStyle/>
-          <a:p>
-            <a:pPr lvl="0" algn="just">
-              <a:lnSpc>
-                <a:spcPct val="150000"/>
-              </a:lnSpc>
-              <a:spcAft>
-                <a:spcPts val="800"/>
-              </a:spcAft>
-            </a:pPr>
-            <a:r>
-              <a:rPr lang="pt-BR" dirty="0">
-                <a:effectLst/>
-                <a:ea typeface="Times New Roman" panose="02020603050405020304" pitchFamily="18" charset="0"/>
-              </a:rPr>
-              <a:t>O método ANN+PCA obteve o melhor conjunto de métricas entre todos os métodos propostos pelo trabalho.</a:t>
-            </a:r>
-          </a:p>
-          <a:p>
-            <a:pPr lvl="0" algn="just">
-              <a:lnSpc>
-                <a:spcPct val="150000"/>
-              </a:lnSpc>
-              <a:spcAft>
-                <a:spcPts val="800"/>
-              </a:spcAft>
-            </a:pPr>
-            <a:r>
-              <a:rPr lang="pt-BR" dirty="0">
-                <a:ea typeface="Times New Roman" panose="02020603050405020304" pitchFamily="18" charset="0"/>
-              </a:rPr>
-              <a:t>Contudo é importante ratificar a eficiência do método SVM+PCA que está um milésimo abaixo nas métricas sensitividade e acurácia, mas obteve tempo de processamento 40,74% menor se comparado ao método ANN+PCA.</a:t>
-            </a:r>
-          </a:p>
-          <a:p>
-            <a:pPr lvl="0" algn="just">
-              <a:lnSpc>
-                <a:spcPct val="150000"/>
-              </a:lnSpc>
-              <a:spcAft>
-                <a:spcPts val="800"/>
-              </a:spcAft>
-            </a:pPr>
-            <a:r>
-              <a:rPr lang="pt-BR" dirty="0">
-                <a:effectLst/>
-                <a:ea typeface="Times New Roman" panose="02020603050405020304" pitchFamily="18" charset="0"/>
-              </a:rPr>
-              <a:t>Outra consideração importante </a:t>
-            </a:r>
-            <a:r>
-              <a:rPr lang="pt-BR" dirty="0">
-                <a:ea typeface="Times New Roman" panose="02020603050405020304" pitchFamily="18" charset="0"/>
-              </a:rPr>
-              <a:t>é o aumento da eficiência dos métodos supervisionados quando aliado a técnica PCA.</a:t>
-            </a:r>
-            <a:endParaRPr lang="pt-BR" dirty="0">
-              <a:effectLst/>
-              <a:ea typeface="Times New Roman" panose="02020603050405020304" pitchFamily="18" charset="0"/>
-            </a:endParaRPr>
-          </a:p>
-        </p:txBody>
-      </p:sp>
-    </p:spTree>
-    <p:extLst>
-      <p:ext uri="{BB962C8B-B14F-4D97-AF65-F5344CB8AC3E}">
-        <p14:creationId xmlns:p14="http://schemas.microsoft.com/office/powerpoint/2010/main" val="4279929845"/>
-      </p:ext>
-    </p:extLst>
-  </p:cSld>
-  <p:clrMapOvr>
-    <a:masterClrMapping/>
-  </p:clrMapOvr>
-</p:sld>
-</file>
-
 <file path=ppt/slides/slide35.xml><?xml version="1.0" encoding="utf-8"?>
 <p:sld xmlns:a="http://schemas.openxmlformats.org/drawingml/2006/main" xmlns:r="http://schemas.openxmlformats.org/officeDocument/2006/relationships" xmlns:p="http://schemas.openxmlformats.org/presentationml/2006/main">
   <p:cSld>
@@ -21281,7 +21943,7 @@
                   </a:schemeClr>
                 </a:solidFill>
               </a:rPr>
-              <a:t>Trabalhos futuros</a:t>
+              <a:t>CONSIDERAÇÕES FINAIS</a:t>
             </a:r>
           </a:p>
         </p:txBody>
@@ -21289,7 +21951,7 @@
     </p:spTree>
     <p:extLst>
       <p:ext uri="{BB962C8B-B14F-4D97-AF65-F5344CB8AC3E}">
-        <p14:creationId xmlns:p14="http://schemas.microsoft.com/office/powerpoint/2010/main" val="3239742910"/>
+        <p14:creationId xmlns:p14="http://schemas.microsoft.com/office/powerpoint/2010/main" val="676769230"/>
       </p:ext>
     </p:extLst>
   </p:cSld>
@@ -21345,7 +22007,7 @@
             <a:pPr rtl="0"/>
             <a:r>
               <a:rPr lang="pt-BR" dirty="0"/>
-              <a:t>Trabalhos futuros</a:t>
+              <a:t>Considerações finais</a:t>
             </a:r>
           </a:p>
         </p:txBody>
@@ -21391,99 +22053,46 @@
                 <a:effectLst/>
                 <a:ea typeface="Times New Roman" panose="02020603050405020304" pitchFamily="18" charset="0"/>
               </a:rPr>
-              <a:t>Para os trabalhos futuros sugere-se:</a:t>
-            </a:r>
-          </a:p>
-          <a:p>
-            <a:pPr marL="285750" lvl="0" indent="-285750" algn="just">
+              <a:t>O método ANN+PCA obteve o melhor conjunto de métricas entre todos os métodos propostos pelo trabalho.</a:t>
+            </a:r>
+          </a:p>
+          <a:p>
+            <a:pPr lvl="0" algn="just">
               <a:lnSpc>
                 <a:spcPct val="150000"/>
               </a:lnSpc>
               <a:spcAft>
                 <a:spcPts val="800"/>
               </a:spcAft>
-              <a:buFont typeface="Arial" panose="020B0604020202020204" pitchFamily="34" charset="0"/>
-              <a:buChar char="•"/>
             </a:pPr>
             <a:r>
               <a:rPr lang="pt-BR" dirty="0">
                 <a:ea typeface="Times New Roman" panose="02020603050405020304" pitchFamily="18" charset="0"/>
               </a:rPr>
-              <a:t>Aplicação das técnicas a novas bases de dados</a:t>
-            </a:r>
-          </a:p>
-          <a:p>
-            <a:pPr marL="285750" lvl="0" indent="-285750" algn="just">
+              <a:t>Contudo é importante ratificar a eficiência do método SVM+PCA que está um milésimo abaixo nas métricas sensitividade e acurácia, mas obteve tempo de processamento 40,74% menor se comparado ao método ANN+PCA.</a:t>
+            </a:r>
+          </a:p>
+          <a:p>
+            <a:pPr lvl="0" algn="just">
               <a:lnSpc>
                 <a:spcPct val="150000"/>
               </a:lnSpc>
               <a:spcAft>
                 <a:spcPts val="800"/>
               </a:spcAft>
-              <a:buFont typeface="Arial" panose="020B0604020202020204" pitchFamily="34" charset="0"/>
-              <a:buChar char="•"/>
             </a:pPr>
             <a:r>
               <a:rPr lang="pt-BR" dirty="0">
                 <a:effectLst/>
                 <a:ea typeface="Times New Roman" panose="02020603050405020304" pitchFamily="18" charset="0"/>
               </a:rPr>
-              <a:t>Utilização de seletores de dados</a:t>
-            </a:r>
-          </a:p>
-          <a:p>
-            <a:pPr marL="285750" lvl="0" indent="-285750" algn="just">
-              <a:lnSpc>
-                <a:spcPct val="150000"/>
-              </a:lnSpc>
-              <a:spcAft>
-                <a:spcPts val="800"/>
-              </a:spcAft>
-              <a:buFont typeface="Arial" panose="020B0604020202020204" pitchFamily="34" charset="0"/>
-              <a:buChar char="•"/>
-            </a:pPr>
+              <a:t>Outra consideração importante </a:t>
+            </a:r>
             <a:r>
               <a:rPr lang="pt-BR" dirty="0">
                 <a:ea typeface="Times New Roman" panose="02020603050405020304" pitchFamily="18" charset="0"/>
               </a:rPr>
-              <a:t>Aplicações em tempo real</a:t>
-            </a:r>
-          </a:p>
-          <a:p>
-            <a:pPr marL="285750" lvl="0" indent="-285750" algn="just">
-              <a:lnSpc>
-                <a:spcPct val="150000"/>
-              </a:lnSpc>
-              <a:spcAft>
-                <a:spcPts val="800"/>
-              </a:spcAft>
-              <a:buFont typeface="Arial" panose="020B0604020202020204" pitchFamily="34" charset="0"/>
-              <a:buChar char="•"/>
-            </a:pPr>
-            <a:r>
-              <a:rPr lang="pt-BR" dirty="0">
-                <a:effectLst/>
-                <a:ea typeface="Times New Roman" panose="02020603050405020304" pitchFamily="18" charset="0"/>
-              </a:rPr>
-              <a:t>Uso de novas té</a:t>
-            </a:r>
-            <a:r>
-              <a:rPr lang="pt-BR" dirty="0">
-                <a:ea typeface="Times New Roman" panose="02020603050405020304" pitchFamily="18" charset="0"/>
-              </a:rPr>
-              <a:t>cnicas de aprendizado supervisionado, como redes neurais </a:t>
-            </a:r>
-            <a:r>
-              <a:rPr lang="pt-BR" dirty="0" err="1">
-                <a:ea typeface="Times New Roman" panose="02020603050405020304" pitchFamily="18" charset="0"/>
-              </a:rPr>
-              <a:t>convolucionais</a:t>
-            </a:r>
-            <a:r>
-              <a:rPr lang="pt-BR" dirty="0">
-                <a:ea typeface="Times New Roman" panose="02020603050405020304" pitchFamily="18" charset="0"/>
-              </a:rPr>
-              <a:t> e árvores de decisão</a:t>
+              <a:t>é o aumento da eficiência dos métodos supervisionados quando aliado a técnica PCA.</a:t>
             </a:r>
             <a:endParaRPr lang="pt-BR" dirty="0">
               <a:effectLst/>
@@ -21495,7 +22104,7 @@
     </p:spTree>
     <p:extLst>
       <p:ext uri="{BB962C8B-B14F-4D97-AF65-F5344CB8AC3E}">
-        <p14:creationId xmlns:p14="http://schemas.microsoft.com/office/powerpoint/2010/main" val="136755602"/>
+        <p14:creationId xmlns:p14="http://schemas.microsoft.com/office/powerpoint/2010/main" val="4279929845"/>
       </p:ext>
     </p:extLst>
   </p:cSld>
@@ -21524,10 +22133,10 @@
       </p:grpSpPr>
       <p:sp>
         <p:nvSpPr>
-          <p:cNvPr id="8" name="Título 7">
+          <p:cNvPr id="4" name="Título 3">
             <a:extLst>
               <a:ext uri="{FF2B5EF4-FFF2-40B4-BE49-F238E27FC236}">
-                <a16:creationId xmlns:a16="http://schemas.microsoft.com/office/drawing/2014/main" id="{900900CD-B943-934F-857F-30AA913FE9D9}"/>
+                <a16:creationId xmlns:a16="http://schemas.microsoft.com/office/drawing/2014/main" id="{E5E51183-D0D9-A74B-94F0-9EC0104A75F3}"/>
               </a:ext>
             </a:extLst>
           </p:cNvPr>
@@ -21540,66 +22149,29 @@
         </p:nvSpPr>
         <p:spPr>
           <a:xfrm>
-            <a:off x="1195753" y="942870"/>
-            <a:ext cx="9763793" cy="1292750"/>
+            <a:off x="635000" y="2736254"/>
+            <a:ext cx="5460992" cy="1385491"/>
           </a:xfrm>
         </p:spPr>
         <p:txBody>
           <a:bodyPr rtlCol="0"/>
           <a:lstStyle/>
           <a:p>
-            <a:pPr rtl="0"/>
-            <a:r>
-              <a:rPr lang="pt-BR" dirty="0"/>
+            <a:pPr rtl="0">
+              <a:tabLst>
+                <a:tab pos="3308350" algn="l"/>
+              </a:tabLst>
+            </a:pPr>
+            <a:r>
+              <a:rPr lang="pt-BR" dirty="0">
+                <a:solidFill>
+                  <a:schemeClr val="tx1">
+                    <a:lumMod val="85000"/>
+                    <a:lumOff val="15000"/>
+                  </a:schemeClr>
+                </a:solidFill>
+              </a:rPr>
               <a:t>Trabalhos futuros</a:t>
-            </a:r>
-          </a:p>
-        </p:txBody>
-      </p:sp>
-      <p:sp>
-        <p:nvSpPr>
-          <p:cNvPr id="12" name="Espaço Reservado para Conteúdo 11">
-            <a:extLst>
-              <a:ext uri="{FF2B5EF4-FFF2-40B4-BE49-F238E27FC236}">
-                <a16:creationId xmlns:a16="http://schemas.microsoft.com/office/drawing/2014/main" id="{2A09EEBC-5E2C-D240-A5D6-6952B8392E49}"/>
-              </a:ext>
-            </a:extLst>
-          </p:cNvPr>
-          <p:cNvSpPr>
-            <a:spLocks noGrp="1"/>
-          </p:cNvSpPr>
-          <p:nvPr>
-            <p:ph sz="half" idx="2"/>
-          </p:nvPr>
-        </p:nvSpPr>
-        <p:spPr>
-          <a:xfrm>
-            <a:off x="1195754" y="2281657"/>
-            <a:ext cx="9763792" cy="3633471"/>
-          </a:xfrm>
-        </p:spPr>
-        <p:txBody>
-          <a:bodyPr rtlCol="0">
-            <a:noAutofit/>
-          </a:bodyPr>
-          <a:lstStyle/>
-          <a:p>
-            <a:pPr marL="285750" lvl="0" indent="-285750" algn="just">
-              <a:lnSpc>
-                <a:spcPct val="150000"/>
-              </a:lnSpc>
-              <a:spcAft>
-                <a:spcPts val="800"/>
-              </a:spcAft>
-              <a:buFont typeface="Arial" panose="020B0604020202020204" pitchFamily="34" charset="0"/>
-              <a:buChar char="•"/>
-            </a:pPr>
-            <a:r>
-              <a:rPr lang="pt-BR" dirty="0">
-                <a:effectLst/>
-                <a:ea typeface="Times New Roman" panose="02020603050405020304" pitchFamily="18" charset="0"/>
-              </a:rPr>
-              <a:t>Alteração da estrutura do código para utilização de bases de dados remotas</a:t>
             </a:r>
           </a:p>
         </p:txBody>
@@ -21607,7 +22179,7 @@
     </p:spTree>
     <p:extLst>
       <p:ext uri="{BB962C8B-B14F-4D97-AF65-F5344CB8AC3E}">
-        <p14:creationId xmlns:p14="http://schemas.microsoft.com/office/powerpoint/2010/main" val="2438162778"/>
+        <p14:creationId xmlns:p14="http://schemas.microsoft.com/office/powerpoint/2010/main" val="3239742910"/>
       </p:ext>
     </p:extLst>
   </p:cSld>
@@ -21636,10 +22208,10 @@
       </p:grpSpPr>
       <p:sp>
         <p:nvSpPr>
-          <p:cNvPr id="4" name="Título 3">
+          <p:cNvPr id="8" name="Título 7">
             <a:extLst>
               <a:ext uri="{FF2B5EF4-FFF2-40B4-BE49-F238E27FC236}">
-                <a16:creationId xmlns:a16="http://schemas.microsoft.com/office/drawing/2014/main" id="{E5E51183-D0D9-A74B-94F0-9EC0104A75F3}"/>
+                <a16:creationId xmlns:a16="http://schemas.microsoft.com/office/drawing/2014/main" id="{900900CD-B943-934F-857F-30AA913FE9D9}"/>
               </a:ext>
             </a:extLst>
           </p:cNvPr>
@@ -21652,37 +22224,168 @@
         </p:nvSpPr>
         <p:spPr>
           <a:xfrm>
-            <a:off x="635000" y="2736254"/>
-            <a:ext cx="5460992" cy="1385491"/>
+            <a:off x="1195753" y="942870"/>
+            <a:ext cx="9763793" cy="1292750"/>
           </a:xfrm>
         </p:spPr>
         <p:txBody>
           <a:bodyPr rtlCol="0"/>
           <a:lstStyle/>
           <a:p>
-            <a:pPr rtl="0">
-              <a:tabLst>
-                <a:tab pos="3308350" algn="l"/>
-              </a:tabLst>
+            <a:pPr rtl="0"/>
+            <a:r>
+              <a:rPr lang="pt-BR" dirty="0"/>
+              <a:t>Trabalhos futuros</a:t>
+            </a:r>
+          </a:p>
+        </p:txBody>
+      </p:sp>
+      <p:sp>
+        <p:nvSpPr>
+          <p:cNvPr id="12" name="Espaço Reservado para Conteúdo 11">
+            <a:extLst>
+              <a:ext uri="{FF2B5EF4-FFF2-40B4-BE49-F238E27FC236}">
+                <a16:creationId xmlns:a16="http://schemas.microsoft.com/office/drawing/2014/main" id="{2A09EEBC-5E2C-D240-A5D6-6952B8392E49}"/>
+              </a:ext>
+            </a:extLst>
+          </p:cNvPr>
+          <p:cNvSpPr>
+            <a:spLocks noGrp="1"/>
+          </p:cNvSpPr>
+          <p:nvPr>
+            <p:ph sz="half" idx="2"/>
+          </p:nvPr>
+        </p:nvSpPr>
+        <p:spPr>
+          <a:xfrm>
+            <a:off x="1195754" y="2281657"/>
+            <a:ext cx="9763792" cy="3633471"/>
+          </a:xfrm>
+        </p:spPr>
+        <p:txBody>
+          <a:bodyPr rtlCol="0">
+            <a:noAutofit/>
+          </a:bodyPr>
+          <a:lstStyle/>
+          <a:p>
+            <a:pPr lvl="0" algn="just">
+              <a:lnSpc>
+                <a:spcPct val="150000"/>
+              </a:lnSpc>
+              <a:spcAft>
+                <a:spcPts val="800"/>
+              </a:spcAft>
             </a:pPr>
             <a:r>
               <a:rPr lang="pt-BR" dirty="0">
-                <a:solidFill>
-                  <a:schemeClr val="tx1">
-                    <a:lumMod val="85000"/>
-                    <a:lumOff val="15000"/>
-                  </a:schemeClr>
-                </a:solidFill>
+                <a:effectLst/>
+                <a:ea typeface="Times New Roman" panose="02020603050405020304" pitchFamily="18" charset="0"/>
               </a:rPr>
-              <a:t>Referências</a:t>
-            </a:r>
+              <a:t>Para os trabalhos futuros sugere-se:</a:t>
+            </a:r>
+          </a:p>
+          <a:p>
+            <a:pPr marL="285750" lvl="0" indent="-285750" algn="just">
+              <a:lnSpc>
+                <a:spcPct val="150000"/>
+              </a:lnSpc>
+              <a:spcAft>
+                <a:spcPts val="800"/>
+              </a:spcAft>
+              <a:buFont typeface="Arial" panose="020B0604020202020204" pitchFamily="34" charset="0"/>
+              <a:buChar char="•"/>
+            </a:pPr>
+            <a:r>
+              <a:rPr lang="pt-BR" dirty="0">
+                <a:ea typeface="Times New Roman" panose="02020603050405020304" pitchFamily="18" charset="0"/>
+              </a:rPr>
+              <a:t>Aplicação das técnicas a novas bases de dados</a:t>
+            </a:r>
+          </a:p>
+          <a:p>
+            <a:pPr marL="285750" lvl="0" indent="-285750" algn="just">
+              <a:lnSpc>
+                <a:spcPct val="150000"/>
+              </a:lnSpc>
+              <a:spcAft>
+                <a:spcPts val="800"/>
+              </a:spcAft>
+              <a:buFont typeface="Arial" panose="020B0604020202020204" pitchFamily="34" charset="0"/>
+              <a:buChar char="•"/>
+            </a:pPr>
+            <a:r>
+              <a:rPr lang="pt-BR" dirty="0">
+                <a:effectLst/>
+                <a:ea typeface="Times New Roman" panose="02020603050405020304" pitchFamily="18" charset="0"/>
+              </a:rPr>
+              <a:t>Utilização de seletores de dados</a:t>
+            </a:r>
+          </a:p>
+          <a:p>
+            <a:pPr marL="285750" lvl="0" indent="-285750" algn="just">
+              <a:lnSpc>
+                <a:spcPct val="150000"/>
+              </a:lnSpc>
+              <a:spcAft>
+                <a:spcPts val="800"/>
+              </a:spcAft>
+              <a:buFont typeface="Arial" panose="020B0604020202020204" pitchFamily="34" charset="0"/>
+              <a:buChar char="•"/>
+            </a:pPr>
+            <a:r>
+              <a:rPr lang="pt-BR" dirty="0">
+                <a:ea typeface="Times New Roman" panose="02020603050405020304" pitchFamily="18" charset="0"/>
+              </a:rPr>
+              <a:t>Aplicações em tempo real</a:t>
+            </a:r>
+          </a:p>
+          <a:p>
+            <a:pPr marL="285750" lvl="0" indent="-285750" algn="just">
+              <a:lnSpc>
+                <a:spcPct val="150000"/>
+              </a:lnSpc>
+              <a:spcAft>
+                <a:spcPts val="800"/>
+              </a:spcAft>
+              <a:buFont typeface="Arial" panose="020B0604020202020204" pitchFamily="34" charset="0"/>
+              <a:buChar char="•"/>
+            </a:pPr>
+            <a:r>
+              <a:rPr lang="pt-BR" dirty="0">
+                <a:effectLst/>
+                <a:ea typeface="Times New Roman" panose="02020603050405020304" pitchFamily="18" charset="0"/>
+              </a:rPr>
+              <a:t>Uso de novas té</a:t>
+            </a:r>
+            <a:r>
+              <a:rPr lang="pt-BR" dirty="0">
+                <a:ea typeface="Times New Roman" panose="02020603050405020304" pitchFamily="18" charset="0"/>
+              </a:rPr>
+              <a:t>cnicas de aprendizado supervisionado, como redes neurais </a:t>
+            </a:r>
+            <a:r>
+              <a:rPr lang="pt-BR" dirty="0" err="1">
+                <a:ea typeface="Times New Roman" panose="02020603050405020304" pitchFamily="18" charset="0"/>
+              </a:rPr>
+              <a:t>convolucionais</a:t>
+            </a:r>
+            <a:r>
+              <a:rPr lang="pt-BR" dirty="0">
+                <a:ea typeface="Times New Roman" panose="02020603050405020304" pitchFamily="18" charset="0"/>
+              </a:rPr>
+              <a:t> e árvores de decisão</a:t>
+            </a:r>
+            <a:endParaRPr lang="pt-BR" dirty="0">
+              <a:effectLst/>
+              <a:ea typeface="Times New Roman" panose="02020603050405020304" pitchFamily="18" charset="0"/>
+            </a:endParaRPr>
           </a:p>
         </p:txBody>
       </p:sp>
     </p:spTree>
     <p:extLst>
       <p:ext uri="{BB962C8B-B14F-4D97-AF65-F5344CB8AC3E}">
-        <p14:creationId xmlns:p14="http://schemas.microsoft.com/office/powerpoint/2010/main" val="2819398556"/>
+        <p14:creationId xmlns:p14="http://schemas.microsoft.com/office/powerpoint/2010/main" val="136755602"/>
       </p:ext>
     </p:extLst>
   </p:cSld>
@@ -21738,7 +22441,7 @@
             <a:pPr rtl="0"/>
             <a:r>
               <a:rPr lang="pt-BR" dirty="0"/>
-              <a:t>referências</a:t>
+              <a:t>Trabalhos futuros</a:t>
             </a:r>
           </a:p>
         </p:txBody>
@@ -21771,597 +22474,30 @@
           </a:bodyPr>
           <a:lstStyle/>
           <a:p>
-            <a:pPr lvl="0" algn="just">
-              <a:spcAft>
-                <a:spcPts val="800"/>
-              </a:spcAft>
-            </a:pPr>
-            <a:r>
-              <a:rPr lang="en-US" sz="1400" dirty="0">
-                <a:effectLst/>
-                <a:ea typeface="Calibri" panose="020F0502020204030204" pitchFamily="34" charset="0"/>
-              </a:rPr>
-              <a:t>[1] G. a. S. G. </a:t>
-            </a:r>
-            <a:r>
-              <a:rPr lang="en-US" sz="1400" dirty="0" err="1">
-                <a:effectLst/>
-                <a:ea typeface="Calibri" panose="020F0502020204030204" pitchFamily="34" charset="0"/>
-              </a:rPr>
-              <a:t>Somani</a:t>
-            </a:r>
-            <a:r>
-              <a:rPr lang="en-US" sz="1400" dirty="0">
-                <a:effectLst/>
-                <a:ea typeface="Calibri" panose="020F0502020204030204" pitchFamily="34" charset="0"/>
-              </a:rPr>
-              <a:t>, M. S. Gaur, D. </a:t>
-            </a:r>
-            <a:r>
-              <a:rPr lang="en-US" sz="1400" dirty="0" err="1">
-                <a:effectLst/>
-                <a:ea typeface="Calibri" panose="020F0502020204030204" pitchFamily="34" charset="0"/>
-              </a:rPr>
-              <a:t>Sanghi</a:t>
-            </a:r>
-            <a:r>
-              <a:rPr lang="en-US" sz="1400" dirty="0">
-                <a:effectLst/>
-                <a:ea typeface="Calibri" panose="020F0502020204030204" pitchFamily="34" charset="0"/>
-              </a:rPr>
-              <a:t>, M. Conti e R. </a:t>
-            </a:r>
-            <a:r>
-              <a:rPr lang="en-US" sz="1400" dirty="0" err="1">
-                <a:effectLst/>
-                <a:ea typeface="Calibri" panose="020F0502020204030204" pitchFamily="34" charset="0"/>
-              </a:rPr>
-              <a:t>Buyya</a:t>
-            </a:r>
-            <a:r>
-              <a:rPr lang="en-US" sz="1400" dirty="0">
-                <a:effectLst/>
-                <a:ea typeface="Calibri" panose="020F0502020204030204" pitchFamily="34" charset="0"/>
-              </a:rPr>
-              <a:t>, “DDoS attacks in cloud computing: Issues, taxonomy, and future directions,” </a:t>
-            </a:r>
-            <a:r>
-              <a:rPr lang="en-US" sz="1400" i="1" dirty="0">
-                <a:effectLst/>
-                <a:ea typeface="Calibri" panose="020F0502020204030204" pitchFamily="34" charset="0"/>
-              </a:rPr>
-              <a:t>Computer Communications, </a:t>
-            </a:r>
-            <a:r>
-              <a:rPr lang="en-US" sz="1400" dirty="0">
-                <a:effectLst/>
-                <a:ea typeface="Calibri" panose="020F0502020204030204" pitchFamily="34" charset="0"/>
-              </a:rPr>
-              <a:t>vol. 107, pp. 30-48, 2017. </a:t>
-            </a:r>
-          </a:p>
-          <a:p>
-            <a:pPr lvl="0" algn="just">
-              <a:spcAft>
-                <a:spcPts val="800"/>
-              </a:spcAft>
-            </a:pPr>
-            <a:r>
-              <a:rPr lang="en-US" sz="1400" dirty="0">
-                <a:ea typeface="Times New Roman" panose="02020603050405020304" pitchFamily="18" charset="0"/>
-              </a:rPr>
-              <a:t>[2] </a:t>
-            </a:r>
-            <a:r>
-              <a:rPr lang="en-US" sz="1400" dirty="0" err="1">
-                <a:ea typeface="Times New Roman" panose="02020603050405020304" pitchFamily="18" charset="0"/>
-              </a:rPr>
-              <a:t>Olhar</a:t>
-            </a:r>
-            <a:r>
-              <a:rPr lang="en-US" sz="1400" dirty="0">
-                <a:ea typeface="Times New Roman" panose="02020603050405020304" pitchFamily="18" charset="0"/>
-              </a:rPr>
-              <a:t> Digital, “</a:t>
-            </a:r>
-            <a:r>
-              <a:rPr lang="pt-BR" sz="1400" dirty="0">
-                <a:ea typeface="Times New Roman" panose="02020603050405020304" pitchFamily="18" charset="0"/>
-              </a:rPr>
-              <a:t>App e-Título foi afetado em ataque </a:t>
-            </a:r>
-            <a:r>
-              <a:rPr lang="pt-BR" sz="1400" dirty="0" err="1">
-                <a:ea typeface="Times New Roman" panose="02020603050405020304" pitchFamily="18" charset="0"/>
-              </a:rPr>
-              <a:t>DDoS</a:t>
-            </a:r>
-            <a:r>
-              <a:rPr lang="pt-BR" sz="1400" dirty="0">
-                <a:ea typeface="Times New Roman" panose="02020603050405020304" pitchFamily="18" charset="0"/>
-              </a:rPr>
-              <a:t> durante eleição, confirma TSE</a:t>
-            </a:r>
-            <a:r>
-              <a:rPr lang="en-US" sz="1400" dirty="0">
-                <a:ea typeface="Times New Roman" panose="02020603050405020304" pitchFamily="18" charset="0"/>
-              </a:rPr>
-              <a:t>”, 24 </a:t>
-            </a:r>
-            <a:r>
-              <a:rPr lang="en-US" sz="1400" dirty="0" err="1">
-                <a:ea typeface="Times New Roman" panose="02020603050405020304" pitchFamily="18" charset="0"/>
-              </a:rPr>
-              <a:t>Novembro</a:t>
-            </a:r>
-            <a:r>
-              <a:rPr lang="en-US" sz="1400" dirty="0">
-                <a:ea typeface="Times New Roman" panose="02020603050405020304" pitchFamily="18" charset="0"/>
-              </a:rPr>
-              <a:t> 2020. [Online]. Available: https://olhardigital.com.br/2020/11/24/noticias/app-e-titulo-foi-afetado-em-ataque-ddos-durante-eleicao-confirma-tse/. [</a:t>
-            </a:r>
-            <a:r>
-              <a:rPr lang="en-US" sz="1400" dirty="0" err="1">
-                <a:ea typeface="Times New Roman" panose="02020603050405020304" pitchFamily="18" charset="0"/>
-              </a:rPr>
-              <a:t>Acesso</a:t>
-            </a:r>
-            <a:r>
-              <a:rPr lang="en-US" sz="1400" dirty="0">
-                <a:ea typeface="Times New Roman" panose="02020603050405020304" pitchFamily="18" charset="0"/>
-              </a:rPr>
-              <a:t> </a:t>
-            </a:r>
-            <a:r>
-              <a:rPr lang="en-US" sz="1400" dirty="0" err="1">
-                <a:ea typeface="Times New Roman" panose="02020603050405020304" pitchFamily="18" charset="0"/>
-              </a:rPr>
-              <a:t>em</a:t>
-            </a:r>
-            <a:r>
-              <a:rPr lang="en-US" sz="1400" dirty="0">
-                <a:ea typeface="Times New Roman" panose="02020603050405020304" pitchFamily="18" charset="0"/>
-              </a:rPr>
-              <a:t> 16 </a:t>
-            </a:r>
-            <a:r>
-              <a:rPr lang="en-US" sz="1400" dirty="0" err="1">
-                <a:ea typeface="Times New Roman" panose="02020603050405020304" pitchFamily="18" charset="0"/>
-              </a:rPr>
-              <a:t>Dezembro</a:t>
-            </a:r>
-            <a:r>
-              <a:rPr lang="en-US" sz="1400" dirty="0">
-                <a:ea typeface="Times New Roman" panose="02020603050405020304" pitchFamily="18" charset="0"/>
-              </a:rPr>
-              <a:t> 2020].</a:t>
-            </a:r>
-          </a:p>
-          <a:p>
-            <a:pPr algn="just">
-              <a:spcAft>
-                <a:spcPts val="800"/>
-              </a:spcAft>
-            </a:pPr>
-            <a:r>
-              <a:rPr lang="en-US" sz="1400" dirty="0">
-                <a:ea typeface="Times New Roman" panose="02020603050405020304" pitchFamily="18" charset="0"/>
-              </a:rPr>
-              <a:t>[3] </a:t>
-            </a:r>
-            <a:r>
-              <a:rPr lang="en-US" sz="1400" dirty="0" err="1">
-                <a:ea typeface="Times New Roman" panose="02020603050405020304" pitchFamily="18" charset="0"/>
-              </a:rPr>
-              <a:t>Tecnoblog</a:t>
-            </a:r>
-            <a:r>
-              <a:rPr lang="en-US" sz="1400" dirty="0">
-                <a:ea typeface="Times New Roman" panose="02020603050405020304" pitchFamily="18" charset="0"/>
-              </a:rPr>
-              <a:t>, “</a:t>
-            </a:r>
-            <a:r>
-              <a:rPr lang="pt-BR" sz="1400" dirty="0">
-                <a:ea typeface="Times New Roman" panose="02020603050405020304" pitchFamily="18" charset="0"/>
-              </a:rPr>
-              <a:t>O maior ataque </a:t>
-            </a:r>
-            <a:r>
-              <a:rPr lang="pt-BR" sz="1400" dirty="0" err="1">
-                <a:ea typeface="Times New Roman" panose="02020603050405020304" pitchFamily="18" charset="0"/>
-              </a:rPr>
-              <a:t>DDoS</a:t>
-            </a:r>
-            <a:r>
-              <a:rPr lang="pt-BR" sz="1400" dirty="0">
-                <a:ea typeface="Times New Roman" panose="02020603050405020304" pitchFamily="18" charset="0"/>
-              </a:rPr>
-              <a:t> já registrado teve como alvo o GitHub</a:t>
-            </a:r>
-            <a:r>
-              <a:rPr lang="en-US" sz="1400" dirty="0">
-                <a:ea typeface="Times New Roman" panose="02020603050405020304" pitchFamily="18" charset="0"/>
-              </a:rPr>
-              <a:t>”, 02 </a:t>
-            </a:r>
-            <a:r>
-              <a:rPr lang="en-US" sz="1400" dirty="0" err="1">
-                <a:ea typeface="Times New Roman" panose="02020603050405020304" pitchFamily="18" charset="0"/>
-              </a:rPr>
-              <a:t>Março</a:t>
-            </a:r>
-            <a:r>
-              <a:rPr lang="en-US" sz="1400" dirty="0">
-                <a:ea typeface="Times New Roman" panose="02020603050405020304" pitchFamily="18" charset="0"/>
-              </a:rPr>
-              <a:t> 2018. [Online]. Available: https://tecnoblog.net/235518/maior-ataque-ddos-github/. [</a:t>
-            </a:r>
-            <a:r>
-              <a:rPr lang="en-US" sz="1400" dirty="0" err="1">
-                <a:ea typeface="Times New Roman" panose="02020603050405020304" pitchFamily="18" charset="0"/>
-              </a:rPr>
-              <a:t>Acesso</a:t>
-            </a:r>
-            <a:r>
-              <a:rPr lang="en-US" sz="1400" dirty="0">
-                <a:ea typeface="Times New Roman" panose="02020603050405020304" pitchFamily="18" charset="0"/>
-              </a:rPr>
-              <a:t> </a:t>
-            </a:r>
-            <a:r>
-              <a:rPr lang="en-US" sz="1400" dirty="0" err="1">
-                <a:ea typeface="Times New Roman" panose="02020603050405020304" pitchFamily="18" charset="0"/>
-              </a:rPr>
-              <a:t>em</a:t>
-            </a:r>
-            <a:r>
-              <a:rPr lang="en-US" sz="1400" dirty="0">
-                <a:ea typeface="Times New Roman" panose="02020603050405020304" pitchFamily="18" charset="0"/>
-              </a:rPr>
-              <a:t> 16 </a:t>
-            </a:r>
-            <a:r>
-              <a:rPr lang="en-US" sz="1400" dirty="0" err="1">
-                <a:ea typeface="Times New Roman" panose="02020603050405020304" pitchFamily="18" charset="0"/>
-              </a:rPr>
-              <a:t>Dezembro</a:t>
-            </a:r>
-            <a:r>
-              <a:rPr lang="en-US" sz="1400" dirty="0">
-                <a:ea typeface="Times New Roman" panose="02020603050405020304" pitchFamily="18" charset="0"/>
-              </a:rPr>
-              <a:t> 2020].</a:t>
-            </a:r>
-          </a:p>
-          <a:p>
-            <a:pPr algn="just">
-              <a:spcAft>
-                <a:spcPts val="800"/>
-              </a:spcAft>
-            </a:pPr>
-            <a:r>
-              <a:rPr lang="pt-BR" sz="1400" dirty="0">
-                <a:effectLst/>
-                <a:ea typeface="Times New Roman" panose="02020603050405020304" pitchFamily="18" charset="0"/>
-              </a:rPr>
-              <a:t>[4] I. </a:t>
-            </a:r>
-            <a:r>
-              <a:rPr lang="pt-BR" sz="1400" dirty="0" err="1">
-                <a:effectLst/>
-                <a:ea typeface="Times New Roman" panose="02020603050405020304" pitchFamily="18" charset="0"/>
-              </a:rPr>
-              <a:t>Sharafaldin</a:t>
-            </a:r>
-            <a:r>
-              <a:rPr lang="pt-BR" sz="1400" dirty="0">
-                <a:effectLst/>
-                <a:ea typeface="Times New Roman" panose="02020603050405020304" pitchFamily="18" charset="0"/>
-              </a:rPr>
-              <a:t>, A. H. </a:t>
-            </a:r>
-            <a:r>
-              <a:rPr lang="pt-BR" sz="1400" dirty="0" err="1">
-                <a:effectLst/>
-                <a:ea typeface="Times New Roman" panose="02020603050405020304" pitchFamily="18" charset="0"/>
-              </a:rPr>
-              <a:t>Lashkari</a:t>
-            </a:r>
-            <a:r>
-              <a:rPr lang="pt-BR" sz="1400" dirty="0">
-                <a:effectLst/>
-                <a:ea typeface="Times New Roman" panose="02020603050405020304" pitchFamily="18" charset="0"/>
-              </a:rPr>
-              <a:t>, S. </a:t>
-            </a:r>
-            <a:r>
-              <a:rPr lang="pt-BR" sz="1400" dirty="0" err="1">
-                <a:effectLst/>
-                <a:ea typeface="Times New Roman" panose="02020603050405020304" pitchFamily="18" charset="0"/>
-              </a:rPr>
-              <a:t>Hakak</a:t>
-            </a:r>
-            <a:r>
-              <a:rPr lang="pt-BR" sz="1400" dirty="0">
-                <a:effectLst/>
-                <a:ea typeface="Times New Roman" panose="02020603050405020304" pitchFamily="18" charset="0"/>
-              </a:rPr>
-              <a:t> e A. A. </a:t>
-            </a:r>
-            <a:r>
-              <a:rPr lang="pt-BR" sz="1400" dirty="0" err="1">
-                <a:effectLst/>
-                <a:ea typeface="Times New Roman" panose="02020603050405020304" pitchFamily="18" charset="0"/>
-              </a:rPr>
-              <a:t>Ghorbani</a:t>
-            </a:r>
-            <a:r>
-              <a:rPr lang="pt-BR" sz="1400" dirty="0">
-                <a:effectLst/>
-                <a:ea typeface="Times New Roman" panose="02020603050405020304" pitchFamily="18" charset="0"/>
-              </a:rPr>
-              <a:t>, “</a:t>
-            </a:r>
-            <a:r>
-              <a:rPr lang="pt-BR" sz="1400" dirty="0" err="1">
-                <a:effectLst/>
-                <a:ea typeface="Times New Roman" panose="02020603050405020304" pitchFamily="18" charset="0"/>
-              </a:rPr>
-              <a:t>Developing</a:t>
-            </a:r>
-            <a:r>
-              <a:rPr lang="pt-BR" sz="1400" dirty="0">
-                <a:effectLst/>
-                <a:ea typeface="Times New Roman" panose="02020603050405020304" pitchFamily="18" charset="0"/>
-              </a:rPr>
-              <a:t> </a:t>
-            </a:r>
-            <a:r>
-              <a:rPr lang="pt-BR" sz="1400" dirty="0" err="1">
-                <a:effectLst/>
-                <a:ea typeface="Times New Roman" panose="02020603050405020304" pitchFamily="18" charset="0"/>
-              </a:rPr>
-              <a:t>Realistic</a:t>
-            </a:r>
-            <a:r>
-              <a:rPr lang="pt-BR" sz="1400" dirty="0">
-                <a:effectLst/>
-                <a:ea typeface="Times New Roman" panose="02020603050405020304" pitchFamily="18" charset="0"/>
-              </a:rPr>
-              <a:t> </a:t>
-            </a:r>
-            <a:r>
-              <a:rPr lang="pt-BR" sz="1400" dirty="0" err="1">
-                <a:effectLst/>
-                <a:ea typeface="Times New Roman" panose="02020603050405020304" pitchFamily="18" charset="0"/>
-              </a:rPr>
-              <a:t>Distributed</a:t>
-            </a:r>
-            <a:r>
-              <a:rPr lang="pt-BR" sz="1400" dirty="0">
-                <a:effectLst/>
-                <a:ea typeface="Times New Roman" panose="02020603050405020304" pitchFamily="18" charset="0"/>
-              </a:rPr>
-              <a:t> </a:t>
-            </a:r>
-            <a:r>
-              <a:rPr lang="pt-BR" sz="1400" dirty="0" err="1">
-                <a:effectLst/>
-                <a:ea typeface="Times New Roman" panose="02020603050405020304" pitchFamily="18" charset="0"/>
-              </a:rPr>
-              <a:t>Denial</a:t>
-            </a:r>
-            <a:r>
-              <a:rPr lang="pt-BR" sz="1400" dirty="0">
-                <a:effectLst/>
-                <a:ea typeface="Times New Roman" panose="02020603050405020304" pitchFamily="18" charset="0"/>
-              </a:rPr>
-              <a:t> </a:t>
-            </a:r>
-            <a:r>
-              <a:rPr lang="pt-BR" sz="1400" dirty="0" err="1">
-                <a:effectLst/>
-                <a:ea typeface="Times New Roman" panose="02020603050405020304" pitchFamily="18" charset="0"/>
-              </a:rPr>
-              <a:t>of</a:t>
-            </a:r>
-            <a:r>
-              <a:rPr lang="pt-BR" sz="1400" dirty="0">
-                <a:effectLst/>
-                <a:ea typeface="Times New Roman" panose="02020603050405020304" pitchFamily="18" charset="0"/>
-              </a:rPr>
-              <a:t> Service (</a:t>
-            </a:r>
-            <a:r>
-              <a:rPr lang="pt-BR" sz="1400" dirty="0" err="1">
-                <a:effectLst/>
-                <a:ea typeface="Times New Roman" panose="02020603050405020304" pitchFamily="18" charset="0"/>
-              </a:rPr>
-              <a:t>DDoS</a:t>
-            </a:r>
-            <a:r>
-              <a:rPr lang="pt-BR" sz="1400" dirty="0">
-                <a:effectLst/>
-                <a:ea typeface="Times New Roman" panose="02020603050405020304" pitchFamily="18" charset="0"/>
-              </a:rPr>
-              <a:t>) </a:t>
-            </a:r>
-            <a:r>
-              <a:rPr lang="pt-BR" sz="1400" dirty="0" err="1">
-                <a:effectLst/>
-                <a:ea typeface="Times New Roman" panose="02020603050405020304" pitchFamily="18" charset="0"/>
-              </a:rPr>
-              <a:t>Attack</a:t>
-            </a:r>
-            <a:r>
-              <a:rPr lang="pt-BR" sz="1400" dirty="0">
-                <a:effectLst/>
-                <a:ea typeface="Times New Roman" panose="02020603050405020304" pitchFamily="18" charset="0"/>
-              </a:rPr>
-              <a:t> </a:t>
-            </a:r>
-            <a:r>
-              <a:rPr lang="pt-BR" sz="1400" dirty="0" err="1">
-                <a:effectLst/>
-                <a:ea typeface="Times New Roman" panose="02020603050405020304" pitchFamily="18" charset="0"/>
-              </a:rPr>
-              <a:t>Dataset</a:t>
-            </a:r>
-            <a:r>
-              <a:rPr lang="pt-BR" sz="1400" dirty="0">
-                <a:effectLst/>
-                <a:ea typeface="Times New Roman" panose="02020603050405020304" pitchFamily="18" charset="0"/>
-              </a:rPr>
-              <a:t> </a:t>
-            </a:r>
-            <a:r>
-              <a:rPr lang="pt-BR" sz="1400" dirty="0" err="1">
-                <a:effectLst/>
-                <a:ea typeface="Times New Roman" panose="02020603050405020304" pitchFamily="18" charset="0"/>
-              </a:rPr>
-              <a:t>and</a:t>
-            </a:r>
-            <a:r>
-              <a:rPr lang="pt-BR" sz="1400" dirty="0">
-                <a:effectLst/>
-                <a:ea typeface="Times New Roman" panose="02020603050405020304" pitchFamily="18" charset="0"/>
-              </a:rPr>
-              <a:t> </a:t>
-            </a:r>
-            <a:r>
-              <a:rPr lang="pt-BR" sz="1400" dirty="0" err="1">
-                <a:effectLst/>
-                <a:ea typeface="Times New Roman" panose="02020603050405020304" pitchFamily="18" charset="0"/>
-              </a:rPr>
-              <a:t>Taxonomy</a:t>
-            </a:r>
-            <a:r>
-              <a:rPr lang="pt-BR" sz="1400" dirty="0">
-                <a:effectLst/>
-                <a:ea typeface="Times New Roman" panose="02020603050405020304" pitchFamily="18" charset="0"/>
-              </a:rPr>
-              <a:t>,” em IEEE 53rd </a:t>
-            </a:r>
-            <a:r>
-              <a:rPr lang="pt-BR" sz="1400" dirty="0" err="1">
-                <a:effectLst/>
-                <a:ea typeface="Times New Roman" panose="02020603050405020304" pitchFamily="18" charset="0"/>
-              </a:rPr>
-              <a:t>International</a:t>
-            </a:r>
-            <a:r>
-              <a:rPr lang="pt-BR" sz="1400" dirty="0">
-                <a:effectLst/>
-                <a:ea typeface="Times New Roman" panose="02020603050405020304" pitchFamily="18" charset="0"/>
-              </a:rPr>
-              <a:t> </a:t>
-            </a:r>
-            <a:r>
-              <a:rPr lang="pt-BR" sz="1400" dirty="0" err="1">
-                <a:effectLst/>
-                <a:ea typeface="Times New Roman" panose="02020603050405020304" pitchFamily="18" charset="0"/>
-              </a:rPr>
-              <a:t>Carnahan</a:t>
-            </a:r>
-            <a:r>
-              <a:rPr lang="pt-BR" sz="1400" dirty="0">
-                <a:effectLst/>
-                <a:ea typeface="Times New Roman" panose="02020603050405020304" pitchFamily="18" charset="0"/>
-              </a:rPr>
-              <a:t> </a:t>
-            </a:r>
-            <a:r>
-              <a:rPr lang="pt-BR" sz="1400" dirty="0" err="1">
-                <a:effectLst/>
-                <a:ea typeface="Times New Roman" panose="02020603050405020304" pitchFamily="18" charset="0"/>
-              </a:rPr>
-              <a:t>Conference</a:t>
-            </a:r>
-            <a:r>
-              <a:rPr lang="pt-BR" sz="1400" dirty="0">
-                <a:effectLst/>
-                <a:ea typeface="Times New Roman" panose="02020603050405020304" pitchFamily="18" charset="0"/>
-              </a:rPr>
-              <a:t> </a:t>
-            </a:r>
-            <a:r>
-              <a:rPr lang="pt-BR" sz="1400" dirty="0" err="1">
-                <a:effectLst/>
-                <a:ea typeface="Times New Roman" panose="02020603050405020304" pitchFamily="18" charset="0"/>
-              </a:rPr>
-              <a:t>on</a:t>
-            </a:r>
-            <a:r>
-              <a:rPr lang="pt-BR" sz="1400" dirty="0">
-                <a:effectLst/>
-                <a:ea typeface="Times New Roman" panose="02020603050405020304" pitchFamily="18" charset="0"/>
-              </a:rPr>
-              <a:t> Security Technology, Chennai, 2019. </a:t>
-            </a:r>
-          </a:p>
-          <a:p>
-            <a:pPr algn="just">
-              <a:spcAft>
-                <a:spcPts val="800"/>
-              </a:spcAft>
-            </a:pPr>
-            <a:r>
-              <a:rPr lang="pt-BR" sz="1400" dirty="0">
-                <a:ea typeface="Times New Roman" panose="02020603050405020304" pitchFamily="18" charset="0"/>
-              </a:rPr>
-              <a:t>[5] S. Vasconcelos</a:t>
-            </a:r>
-            <a:r>
-              <a:rPr lang="pt-BR" sz="1400" dirty="0">
-                <a:effectLst/>
-                <a:ea typeface="Times New Roman" panose="02020603050405020304" pitchFamily="18" charset="0"/>
-              </a:rPr>
-              <a:t>, “Análise de Componentes Principais (PCA)”. </a:t>
-            </a:r>
-          </a:p>
-          <a:p>
-            <a:pPr algn="just">
-              <a:spcAft>
-                <a:spcPts val="800"/>
-              </a:spcAft>
-            </a:pPr>
-            <a:endParaRPr lang="pt-BR" sz="1400" dirty="0">
-              <a:effectLst/>
-              <a:ea typeface="Times New Roman" panose="02020603050405020304" pitchFamily="18" charset="0"/>
-            </a:endParaRPr>
-          </a:p>
-          <a:p>
-            <a:pPr algn="just">
-              <a:spcAft>
-                <a:spcPts val="800"/>
-              </a:spcAft>
-            </a:pPr>
-            <a:endParaRPr lang="pt-BR" sz="1400" dirty="0">
-              <a:effectLst/>
-              <a:ea typeface="Times New Roman" panose="02020603050405020304" pitchFamily="18" charset="0"/>
-            </a:endParaRPr>
-          </a:p>
-          <a:p>
-            <a:pPr lvl="0" algn="just">
+            <a:pPr marL="285750" lvl="0" indent="-285750" algn="just">
               <a:lnSpc>
                 <a:spcPct val="150000"/>
               </a:lnSpc>
               <a:spcAft>
                 <a:spcPts val="800"/>
               </a:spcAft>
+              <a:buFont typeface="Arial" panose="020B0604020202020204" pitchFamily="34" charset="0"/>
+              <a:buChar char="•"/>
             </a:pPr>
-            <a:endParaRPr lang="pt-BR" sz="1400" dirty="0">
-              <a:effectLst/>
-              <a:ea typeface="Times New Roman" panose="02020603050405020304" pitchFamily="18" charset="0"/>
-            </a:endParaRPr>
+            <a:r>
+              <a:rPr lang="pt-BR" dirty="0">
+                <a:effectLst/>
+                <a:ea typeface="Times New Roman" panose="02020603050405020304" pitchFamily="18" charset="0"/>
+              </a:rPr>
+              <a:t>Alteração da estrutura do código para utilização de bases de dados remotas</a:t>
+            </a:r>
           </a:p>
         </p:txBody>
       </p:sp>
     </p:spTree>
     <p:extLst>
       <p:ext uri="{BB962C8B-B14F-4D97-AF65-F5344CB8AC3E}">
-        <p14:creationId xmlns:p14="http://schemas.microsoft.com/office/powerpoint/2010/main" val="2939345167"/>
+        <p14:creationId xmlns:p14="http://schemas.microsoft.com/office/powerpoint/2010/main" val="2438162778"/>
       </p:ext>
     </p:extLst>
   </p:cSld>
@@ -22682,6 +22818,760 @@
       </p:grpSpPr>
       <p:sp>
         <p:nvSpPr>
+          <p:cNvPr id="4" name="Título 3">
+            <a:extLst>
+              <a:ext uri="{FF2B5EF4-FFF2-40B4-BE49-F238E27FC236}">
+                <a16:creationId xmlns:a16="http://schemas.microsoft.com/office/drawing/2014/main" id="{E5E51183-D0D9-A74B-94F0-9EC0104A75F3}"/>
+              </a:ext>
+            </a:extLst>
+          </p:cNvPr>
+          <p:cNvSpPr>
+            <a:spLocks noGrp="1"/>
+          </p:cNvSpPr>
+          <p:nvPr>
+            <p:ph type="title"/>
+          </p:nvPr>
+        </p:nvSpPr>
+        <p:spPr>
+          <a:xfrm>
+            <a:off x="635000" y="2736254"/>
+            <a:ext cx="5460992" cy="1385491"/>
+          </a:xfrm>
+        </p:spPr>
+        <p:txBody>
+          <a:bodyPr rtlCol="0"/>
+          <a:lstStyle/>
+          <a:p>
+            <a:pPr rtl="0">
+              <a:tabLst>
+                <a:tab pos="3308350" algn="l"/>
+              </a:tabLst>
+            </a:pPr>
+            <a:r>
+              <a:rPr lang="pt-BR" dirty="0">
+                <a:solidFill>
+                  <a:schemeClr val="tx1">
+                    <a:lumMod val="85000"/>
+                    <a:lumOff val="15000"/>
+                  </a:schemeClr>
+                </a:solidFill>
+              </a:rPr>
+              <a:t>Referências</a:t>
+            </a:r>
+          </a:p>
+        </p:txBody>
+      </p:sp>
+    </p:spTree>
+    <p:extLst>
+      <p:ext uri="{BB962C8B-B14F-4D97-AF65-F5344CB8AC3E}">
+        <p14:creationId xmlns:p14="http://schemas.microsoft.com/office/powerpoint/2010/main" val="2819398556"/>
+      </p:ext>
+    </p:extLst>
+  </p:cSld>
+  <p:clrMapOvr>
+    <a:masterClrMapping/>
+  </p:clrMapOvr>
+</p:sld>
+</file>
+
+<file path=ppt/slides/slide41.xml><?xml version="1.0" encoding="utf-8"?>
+<p:sld xmlns:a="http://schemas.openxmlformats.org/drawingml/2006/main" xmlns:r="http://schemas.openxmlformats.org/officeDocument/2006/relationships" xmlns:p="http://schemas.openxmlformats.org/presentationml/2006/main">
+  <p:cSld>
+    <p:spTree>
+      <p:nvGrpSpPr>
+        <p:cNvPr id="1" name=""/>
+        <p:cNvGrpSpPr/>
+        <p:nvPr/>
+      </p:nvGrpSpPr>
+      <p:grpSpPr>
+        <a:xfrm>
+          <a:off x="0" y="0"/>
+          <a:ext cx="0" cy="0"/>
+          <a:chOff x="0" y="0"/>
+          <a:chExt cx="0" cy="0"/>
+        </a:xfrm>
+      </p:grpSpPr>
+      <p:sp>
+        <p:nvSpPr>
+          <p:cNvPr id="8" name="Título 7">
+            <a:extLst>
+              <a:ext uri="{FF2B5EF4-FFF2-40B4-BE49-F238E27FC236}">
+                <a16:creationId xmlns:a16="http://schemas.microsoft.com/office/drawing/2014/main" id="{900900CD-B943-934F-857F-30AA913FE9D9}"/>
+              </a:ext>
+            </a:extLst>
+          </p:cNvPr>
+          <p:cNvSpPr>
+            <a:spLocks noGrp="1"/>
+          </p:cNvSpPr>
+          <p:nvPr>
+            <p:ph type="title"/>
+          </p:nvPr>
+        </p:nvSpPr>
+        <p:spPr>
+          <a:xfrm>
+            <a:off x="1195753" y="942870"/>
+            <a:ext cx="9763793" cy="1292750"/>
+          </a:xfrm>
+        </p:spPr>
+        <p:txBody>
+          <a:bodyPr rtlCol="0"/>
+          <a:lstStyle/>
+          <a:p>
+            <a:pPr rtl="0"/>
+            <a:r>
+              <a:rPr lang="pt-BR" dirty="0"/>
+              <a:t>referências</a:t>
+            </a:r>
+          </a:p>
+        </p:txBody>
+      </p:sp>
+      <p:sp>
+        <p:nvSpPr>
+          <p:cNvPr id="12" name="Espaço Reservado para Conteúdo 11">
+            <a:extLst>
+              <a:ext uri="{FF2B5EF4-FFF2-40B4-BE49-F238E27FC236}">
+                <a16:creationId xmlns:a16="http://schemas.microsoft.com/office/drawing/2014/main" id="{2A09EEBC-5E2C-D240-A5D6-6952B8392E49}"/>
+              </a:ext>
+            </a:extLst>
+          </p:cNvPr>
+          <p:cNvSpPr>
+            <a:spLocks noGrp="1"/>
+          </p:cNvSpPr>
+          <p:nvPr>
+            <p:ph sz="half" idx="2"/>
+          </p:nvPr>
+        </p:nvSpPr>
+        <p:spPr>
+          <a:xfrm>
+            <a:off x="1195754" y="2281657"/>
+            <a:ext cx="9763792" cy="3633471"/>
+          </a:xfrm>
+        </p:spPr>
+        <p:txBody>
+          <a:bodyPr rtlCol="0">
+            <a:noAutofit/>
+          </a:bodyPr>
+          <a:lstStyle/>
+          <a:p>
+            <a:pPr lvl="0" algn="just">
+              <a:spcAft>
+                <a:spcPts val="800"/>
+              </a:spcAft>
+            </a:pPr>
+            <a:r>
+              <a:rPr lang="en-US" sz="1400" dirty="0">
+                <a:effectLst/>
+                <a:ea typeface="Calibri" panose="020F0502020204030204" pitchFamily="34" charset="0"/>
+              </a:rPr>
+              <a:t>[1] G. a. S. G. </a:t>
+            </a:r>
+            <a:r>
+              <a:rPr lang="en-US" sz="1400" dirty="0" err="1">
+                <a:effectLst/>
+                <a:ea typeface="Calibri" panose="020F0502020204030204" pitchFamily="34" charset="0"/>
+              </a:rPr>
+              <a:t>Somani</a:t>
+            </a:r>
+            <a:r>
+              <a:rPr lang="en-US" sz="1400" dirty="0">
+                <a:effectLst/>
+                <a:ea typeface="Calibri" panose="020F0502020204030204" pitchFamily="34" charset="0"/>
+              </a:rPr>
+              <a:t>, M. S. Gaur, D. </a:t>
+            </a:r>
+            <a:r>
+              <a:rPr lang="en-US" sz="1400" dirty="0" err="1">
+                <a:effectLst/>
+                <a:ea typeface="Calibri" panose="020F0502020204030204" pitchFamily="34" charset="0"/>
+              </a:rPr>
+              <a:t>Sanghi</a:t>
+            </a:r>
+            <a:r>
+              <a:rPr lang="en-US" sz="1400" dirty="0">
+                <a:effectLst/>
+                <a:ea typeface="Calibri" panose="020F0502020204030204" pitchFamily="34" charset="0"/>
+              </a:rPr>
+              <a:t>, M. Conti e R. </a:t>
+            </a:r>
+            <a:r>
+              <a:rPr lang="en-US" sz="1400" dirty="0" err="1">
+                <a:effectLst/>
+                <a:ea typeface="Calibri" panose="020F0502020204030204" pitchFamily="34" charset="0"/>
+              </a:rPr>
+              <a:t>Buyya</a:t>
+            </a:r>
+            <a:r>
+              <a:rPr lang="en-US" sz="1400" dirty="0">
+                <a:effectLst/>
+                <a:ea typeface="Calibri" panose="020F0502020204030204" pitchFamily="34" charset="0"/>
+              </a:rPr>
+              <a:t>, “DDoS attacks in cloud computing: Issues, taxonomy, and future directions,” </a:t>
+            </a:r>
+            <a:r>
+              <a:rPr lang="en-US" sz="1400" i="1" dirty="0">
+                <a:effectLst/>
+                <a:ea typeface="Calibri" panose="020F0502020204030204" pitchFamily="34" charset="0"/>
+              </a:rPr>
+              <a:t>Computer Communications, </a:t>
+            </a:r>
+            <a:r>
+              <a:rPr lang="en-US" sz="1400" dirty="0">
+                <a:effectLst/>
+                <a:ea typeface="Calibri" panose="020F0502020204030204" pitchFamily="34" charset="0"/>
+              </a:rPr>
+              <a:t>vol. 107, pp. 30-48, 2017. </a:t>
+            </a:r>
+          </a:p>
+          <a:p>
+            <a:pPr lvl="0" algn="just">
+              <a:spcAft>
+                <a:spcPts val="800"/>
+              </a:spcAft>
+            </a:pPr>
+            <a:r>
+              <a:rPr lang="en-US" sz="1400" dirty="0">
+                <a:ea typeface="Times New Roman" panose="02020603050405020304" pitchFamily="18" charset="0"/>
+              </a:rPr>
+              <a:t>[2] </a:t>
+            </a:r>
+            <a:r>
+              <a:rPr lang="en-US" sz="1400" dirty="0" err="1">
+                <a:ea typeface="Times New Roman" panose="02020603050405020304" pitchFamily="18" charset="0"/>
+              </a:rPr>
+              <a:t>Olhar</a:t>
+            </a:r>
+            <a:r>
+              <a:rPr lang="en-US" sz="1400" dirty="0">
+                <a:ea typeface="Times New Roman" panose="02020603050405020304" pitchFamily="18" charset="0"/>
+              </a:rPr>
+              <a:t> Digital, “</a:t>
+            </a:r>
+            <a:r>
+              <a:rPr lang="pt-BR" sz="1400" dirty="0">
+                <a:ea typeface="Times New Roman" panose="02020603050405020304" pitchFamily="18" charset="0"/>
+              </a:rPr>
+              <a:t>App e-Título foi afetado em ataque </a:t>
+            </a:r>
+            <a:r>
+              <a:rPr lang="pt-BR" sz="1400" dirty="0" err="1">
+                <a:ea typeface="Times New Roman" panose="02020603050405020304" pitchFamily="18" charset="0"/>
+              </a:rPr>
+              <a:t>DDoS</a:t>
+            </a:r>
+            <a:r>
+              <a:rPr lang="pt-BR" sz="1400" dirty="0">
+                <a:ea typeface="Times New Roman" panose="02020603050405020304" pitchFamily="18" charset="0"/>
+              </a:rPr>
+              <a:t> durante eleição, confirma TSE</a:t>
+            </a:r>
+            <a:r>
+              <a:rPr lang="en-US" sz="1400" dirty="0">
+                <a:ea typeface="Times New Roman" panose="02020603050405020304" pitchFamily="18" charset="0"/>
+              </a:rPr>
+              <a:t>”, 24 </a:t>
+            </a:r>
+            <a:r>
+              <a:rPr lang="en-US" sz="1400" dirty="0" err="1">
+                <a:ea typeface="Times New Roman" panose="02020603050405020304" pitchFamily="18" charset="0"/>
+              </a:rPr>
+              <a:t>Novembro</a:t>
+            </a:r>
+            <a:r>
+              <a:rPr lang="en-US" sz="1400" dirty="0">
+                <a:ea typeface="Times New Roman" panose="02020603050405020304" pitchFamily="18" charset="0"/>
+              </a:rPr>
+              <a:t> 2020. [Online]. Available: https://olhardigital.com.br/2020/11/24/noticias/app-e-titulo-foi-afetado-em-ataque-ddos-durante-eleicao-confirma-tse/. [</a:t>
+            </a:r>
+            <a:r>
+              <a:rPr lang="en-US" sz="1400" dirty="0" err="1">
+                <a:ea typeface="Times New Roman" panose="02020603050405020304" pitchFamily="18" charset="0"/>
+              </a:rPr>
+              <a:t>Acesso</a:t>
+            </a:r>
+            <a:r>
+              <a:rPr lang="en-US" sz="1400" dirty="0">
+                <a:ea typeface="Times New Roman" panose="02020603050405020304" pitchFamily="18" charset="0"/>
+              </a:rPr>
+              <a:t> </a:t>
+            </a:r>
+            <a:r>
+              <a:rPr lang="en-US" sz="1400" dirty="0" err="1">
+                <a:ea typeface="Times New Roman" panose="02020603050405020304" pitchFamily="18" charset="0"/>
+              </a:rPr>
+              <a:t>em</a:t>
+            </a:r>
+            <a:r>
+              <a:rPr lang="en-US" sz="1400" dirty="0">
+                <a:ea typeface="Times New Roman" panose="02020603050405020304" pitchFamily="18" charset="0"/>
+              </a:rPr>
+              <a:t> 16 </a:t>
+            </a:r>
+            <a:r>
+              <a:rPr lang="en-US" sz="1400" dirty="0" err="1">
+                <a:ea typeface="Times New Roman" panose="02020603050405020304" pitchFamily="18" charset="0"/>
+              </a:rPr>
+              <a:t>Dezembro</a:t>
+            </a:r>
+            <a:r>
+              <a:rPr lang="en-US" sz="1400" dirty="0">
+                <a:ea typeface="Times New Roman" panose="02020603050405020304" pitchFamily="18" charset="0"/>
+              </a:rPr>
+              <a:t> 2020].</a:t>
+            </a:r>
+          </a:p>
+          <a:p>
+            <a:pPr algn="just">
+              <a:spcAft>
+                <a:spcPts val="800"/>
+              </a:spcAft>
+            </a:pPr>
+            <a:r>
+              <a:rPr lang="en-US" sz="1400" dirty="0">
+                <a:ea typeface="Times New Roman" panose="02020603050405020304" pitchFamily="18" charset="0"/>
+              </a:rPr>
+              <a:t>[3] </a:t>
+            </a:r>
+            <a:r>
+              <a:rPr lang="en-US" sz="1400" dirty="0" err="1">
+                <a:ea typeface="Times New Roman" panose="02020603050405020304" pitchFamily="18" charset="0"/>
+              </a:rPr>
+              <a:t>Tecnoblog</a:t>
+            </a:r>
+            <a:r>
+              <a:rPr lang="en-US" sz="1400" dirty="0">
+                <a:ea typeface="Times New Roman" panose="02020603050405020304" pitchFamily="18" charset="0"/>
+              </a:rPr>
+              <a:t>, “</a:t>
+            </a:r>
+            <a:r>
+              <a:rPr lang="pt-BR" sz="1400" dirty="0">
+                <a:ea typeface="Times New Roman" panose="02020603050405020304" pitchFamily="18" charset="0"/>
+              </a:rPr>
+              <a:t>O maior ataque </a:t>
+            </a:r>
+            <a:r>
+              <a:rPr lang="pt-BR" sz="1400" dirty="0" err="1">
+                <a:ea typeface="Times New Roman" panose="02020603050405020304" pitchFamily="18" charset="0"/>
+              </a:rPr>
+              <a:t>DDoS</a:t>
+            </a:r>
+            <a:r>
+              <a:rPr lang="pt-BR" sz="1400" dirty="0">
+                <a:ea typeface="Times New Roman" panose="02020603050405020304" pitchFamily="18" charset="0"/>
+              </a:rPr>
+              <a:t> já registrado teve como alvo o GitHub</a:t>
+            </a:r>
+            <a:r>
+              <a:rPr lang="en-US" sz="1400" dirty="0">
+                <a:ea typeface="Times New Roman" panose="02020603050405020304" pitchFamily="18" charset="0"/>
+              </a:rPr>
+              <a:t>”, 02 </a:t>
+            </a:r>
+            <a:r>
+              <a:rPr lang="en-US" sz="1400" dirty="0" err="1">
+                <a:ea typeface="Times New Roman" panose="02020603050405020304" pitchFamily="18" charset="0"/>
+              </a:rPr>
+              <a:t>Março</a:t>
+            </a:r>
+            <a:r>
+              <a:rPr lang="en-US" sz="1400" dirty="0">
+                <a:ea typeface="Times New Roman" panose="02020603050405020304" pitchFamily="18" charset="0"/>
+              </a:rPr>
+              <a:t> 2018. [Online]. Available: https://tecnoblog.net/235518/maior-ataque-ddos-github/. [</a:t>
+            </a:r>
+            <a:r>
+              <a:rPr lang="en-US" sz="1400" dirty="0" err="1">
+                <a:ea typeface="Times New Roman" panose="02020603050405020304" pitchFamily="18" charset="0"/>
+              </a:rPr>
+              <a:t>Acesso</a:t>
+            </a:r>
+            <a:r>
+              <a:rPr lang="en-US" sz="1400" dirty="0">
+                <a:ea typeface="Times New Roman" panose="02020603050405020304" pitchFamily="18" charset="0"/>
+              </a:rPr>
+              <a:t> </a:t>
+            </a:r>
+            <a:r>
+              <a:rPr lang="en-US" sz="1400" dirty="0" err="1">
+                <a:ea typeface="Times New Roman" panose="02020603050405020304" pitchFamily="18" charset="0"/>
+              </a:rPr>
+              <a:t>em</a:t>
+            </a:r>
+            <a:r>
+              <a:rPr lang="en-US" sz="1400" dirty="0">
+                <a:ea typeface="Times New Roman" panose="02020603050405020304" pitchFamily="18" charset="0"/>
+              </a:rPr>
+              <a:t> 16 </a:t>
+            </a:r>
+            <a:r>
+              <a:rPr lang="en-US" sz="1400" dirty="0" err="1">
+                <a:ea typeface="Times New Roman" panose="02020603050405020304" pitchFamily="18" charset="0"/>
+              </a:rPr>
+              <a:t>Dezembro</a:t>
+            </a:r>
+            <a:r>
+              <a:rPr lang="en-US" sz="1400" dirty="0">
+                <a:ea typeface="Times New Roman" panose="02020603050405020304" pitchFamily="18" charset="0"/>
+              </a:rPr>
+              <a:t> 2020].</a:t>
+            </a:r>
+          </a:p>
+          <a:p>
+            <a:pPr algn="just">
+              <a:spcAft>
+                <a:spcPts val="800"/>
+              </a:spcAft>
+            </a:pPr>
+            <a:r>
+              <a:rPr lang="pt-BR" sz="1400" dirty="0">
+                <a:effectLst/>
+                <a:ea typeface="Times New Roman" panose="02020603050405020304" pitchFamily="18" charset="0"/>
+              </a:rPr>
+              <a:t>[4] I. </a:t>
+            </a:r>
+            <a:r>
+              <a:rPr lang="pt-BR" sz="1400" dirty="0" err="1">
+                <a:effectLst/>
+                <a:ea typeface="Times New Roman" panose="02020603050405020304" pitchFamily="18" charset="0"/>
+              </a:rPr>
+              <a:t>Sharafaldin</a:t>
+            </a:r>
+            <a:r>
+              <a:rPr lang="pt-BR" sz="1400" dirty="0">
+                <a:effectLst/>
+                <a:ea typeface="Times New Roman" panose="02020603050405020304" pitchFamily="18" charset="0"/>
+              </a:rPr>
+              <a:t>, A. H. </a:t>
+            </a:r>
+            <a:r>
+              <a:rPr lang="pt-BR" sz="1400" dirty="0" err="1">
+                <a:effectLst/>
+                <a:ea typeface="Times New Roman" panose="02020603050405020304" pitchFamily="18" charset="0"/>
+              </a:rPr>
+              <a:t>Lashkari</a:t>
+            </a:r>
+            <a:r>
+              <a:rPr lang="pt-BR" sz="1400" dirty="0">
+                <a:effectLst/>
+                <a:ea typeface="Times New Roman" panose="02020603050405020304" pitchFamily="18" charset="0"/>
+              </a:rPr>
+              <a:t>, S. </a:t>
+            </a:r>
+            <a:r>
+              <a:rPr lang="pt-BR" sz="1400" dirty="0" err="1">
+                <a:effectLst/>
+                <a:ea typeface="Times New Roman" panose="02020603050405020304" pitchFamily="18" charset="0"/>
+              </a:rPr>
+              <a:t>Hakak</a:t>
+            </a:r>
+            <a:r>
+              <a:rPr lang="pt-BR" sz="1400" dirty="0">
+                <a:effectLst/>
+                <a:ea typeface="Times New Roman" panose="02020603050405020304" pitchFamily="18" charset="0"/>
+              </a:rPr>
+              <a:t> e A. A. </a:t>
+            </a:r>
+            <a:r>
+              <a:rPr lang="pt-BR" sz="1400" dirty="0" err="1">
+                <a:effectLst/>
+                <a:ea typeface="Times New Roman" panose="02020603050405020304" pitchFamily="18" charset="0"/>
+              </a:rPr>
+              <a:t>Ghorbani</a:t>
+            </a:r>
+            <a:r>
+              <a:rPr lang="pt-BR" sz="1400" dirty="0">
+                <a:effectLst/>
+                <a:ea typeface="Times New Roman" panose="02020603050405020304" pitchFamily="18" charset="0"/>
+              </a:rPr>
+              <a:t>, “</a:t>
+            </a:r>
+            <a:r>
+              <a:rPr lang="pt-BR" sz="1400" dirty="0" err="1">
+                <a:effectLst/>
+                <a:ea typeface="Times New Roman" panose="02020603050405020304" pitchFamily="18" charset="0"/>
+              </a:rPr>
+              <a:t>Developing</a:t>
+            </a:r>
+            <a:r>
+              <a:rPr lang="pt-BR" sz="1400" dirty="0">
+                <a:effectLst/>
+                <a:ea typeface="Times New Roman" panose="02020603050405020304" pitchFamily="18" charset="0"/>
+              </a:rPr>
+              <a:t> </a:t>
+            </a:r>
+            <a:r>
+              <a:rPr lang="pt-BR" sz="1400" dirty="0" err="1">
+                <a:effectLst/>
+                <a:ea typeface="Times New Roman" panose="02020603050405020304" pitchFamily="18" charset="0"/>
+              </a:rPr>
+              <a:t>Realistic</a:t>
+            </a:r>
+            <a:r>
+              <a:rPr lang="pt-BR" sz="1400" dirty="0">
+                <a:effectLst/>
+                <a:ea typeface="Times New Roman" panose="02020603050405020304" pitchFamily="18" charset="0"/>
+              </a:rPr>
+              <a:t> </a:t>
+            </a:r>
+            <a:r>
+              <a:rPr lang="pt-BR" sz="1400" dirty="0" err="1">
+                <a:effectLst/>
+                <a:ea typeface="Times New Roman" panose="02020603050405020304" pitchFamily="18" charset="0"/>
+              </a:rPr>
+              <a:t>Distributed</a:t>
+            </a:r>
+            <a:r>
+              <a:rPr lang="pt-BR" sz="1400" dirty="0">
+                <a:effectLst/>
+                <a:ea typeface="Times New Roman" panose="02020603050405020304" pitchFamily="18" charset="0"/>
+              </a:rPr>
+              <a:t> </a:t>
+            </a:r>
+            <a:r>
+              <a:rPr lang="pt-BR" sz="1400" dirty="0" err="1">
+                <a:effectLst/>
+                <a:ea typeface="Times New Roman" panose="02020603050405020304" pitchFamily="18" charset="0"/>
+              </a:rPr>
+              <a:t>Denial</a:t>
+            </a:r>
+            <a:r>
+              <a:rPr lang="pt-BR" sz="1400" dirty="0">
+                <a:effectLst/>
+                <a:ea typeface="Times New Roman" panose="02020603050405020304" pitchFamily="18" charset="0"/>
+              </a:rPr>
+              <a:t> </a:t>
+            </a:r>
+            <a:r>
+              <a:rPr lang="pt-BR" sz="1400" dirty="0" err="1">
+                <a:effectLst/>
+                <a:ea typeface="Times New Roman" panose="02020603050405020304" pitchFamily="18" charset="0"/>
+              </a:rPr>
+              <a:t>of</a:t>
+            </a:r>
+            <a:r>
+              <a:rPr lang="pt-BR" sz="1400" dirty="0">
+                <a:effectLst/>
+                <a:ea typeface="Times New Roman" panose="02020603050405020304" pitchFamily="18" charset="0"/>
+              </a:rPr>
+              <a:t> Service (</a:t>
+            </a:r>
+            <a:r>
+              <a:rPr lang="pt-BR" sz="1400" dirty="0" err="1">
+                <a:effectLst/>
+                <a:ea typeface="Times New Roman" panose="02020603050405020304" pitchFamily="18" charset="0"/>
+              </a:rPr>
+              <a:t>DDoS</a:t>
+            </a:r>
+            <a:r>
+              <a:rPr lang="pt-BR" sz="1400" dirty="0">
+                <a:effectLst/>
+                <a:ea typeface="Times New Roman" panose="02020603050405020304" pitchFamily="18" charset="0"/>
+              </a:rPr>
+              <a:t>) </a:t>
+            </a:r>
+            <a:r>
+              <a:rPr lang="pt-BR" sz="1400" dirty="0" err="1">
+                <a:effectLst/>
+                <a:ea typeface="Times New Roman" panose="02020603050405020304" pitchFamily="18" charset="0"/>
+              </a:rPr>
+              <a:t>Attack</a:t>
+            </a:r>
+            <a:r>
+              <a:rPr lang="pt-BR" sz="1400" dirty="0">
+                <a:effectLst/>
+                <a:ea typeface="Times New Roman" panose="02020603050405020304" pitchFamily="18" charset="0"/>
+              </a:rPr>
+              <a:t> </a:t>
+            </a:r>
+            <a:r>
+              <a:rPr lang="pt-BR" sz="1400" dirty="0" err="1">
+                <a:effectLst/>
+                <a:ea typeface="Times New Roman" panose="02020603050405020304" pitchFamily="18" charset="0"/>
+              </a:rPr>
+              <a:t>Dataset</a:t>
+            </a:r>
+            <a:r>
+              <a:rPr lang="pt-BR" sz="1400" dirty="0">
+                <a:effectLst/>
+                <a:ea typeface="Times New Roman" panose="02020603050405020304" pitchFamily="18" charset="0"/>
+              </a:rPr>
+              <a:t> </a:t>
+            </a:r>
+            <a:r>
+              <a:rPr lang="pt-BR" sz="1400" dirty="0" err="1">
+                <a:effectLst/>
+                <a:ea typeface="Times New Roman" panose="02020603050405020304" pitchFamily="18" charset="0"/>
+              </a:rPr>
+              <a:t>and</a:t>
+            </a:r>
+            <a:r>
+              <a:rPr lang="pt-BR" sz="1400" dirty="0">
+                <a:effectLst/>
+                <a:ea typeface="Times New Roman" panose="02020603050405020304" pitchFamily="18" charset="0"/>
+              </a:rPr>
+              <a:t> </a:t>
+            </a:r>
+            <a:r>
+              <a:rPr lang="pt-BR" sz="1400" dirty="0" err="1">
+                <a:effectLst/>
+                <a:ea typeface="Times New Roman" panose="02020603050405020304" pitchFamily="18" charset="0"/>
+              </a:rPr>
+              <a:t>Taxonomy</a:t>
+            </a:r>
+            <a:r>
+              <a:rPr lang="pt-BR" sz="1400" dirty="0">
+                <a:effectLst/>
+                <a:ea typeface="Times New Roman" panose="02020603050405020304" pitchFamily="18" charset="0"/>
+              </a:rPr>
+              <a:t>,” em IEEE 53rd </a:t>
+            </a:r>
+            <a:r>
+              <a:rPr lang="pt-BR" sz="1400" dirty="0" err="1">
+                <a:effectLst/>
+                <a:ea typeface="Times New Roman" panose="02020603050405020304" pitchFamily="18" charset="0"/>
+              </a:rPr>
+              <a:t>International</a:t>
+            </a:r>
+            <a:r>
+              <a:rPr lang="pt-BR" sz="1400" dirty="0">
+                <a:effectLst/>
+                <a:ea typeface="Times New Roman" panose="02020603050405020304" pitchFamily="18" charset="0"/>
+              </a:rPr>
+              <a:t> </a:t>
+            </a:r>
+            <a:r>
+              <a:rPr lang="pt-BR" sz="1400" dirty="0" err="1">
+                <a:effectLst/>
+                <a:ea typeface="Times New Roman" panose="02020603050405020304" pitchFamily="18" charset="0"/>
+              </a:rPr>
+              <a:t>Carnahan</a:t>
+            </a:r>
+            <a:r>
+              <a:rPr lang="pt-BR" sz="1400" dirty="0">
+                <a:effectLst/>
+                <a:ea typeface="Times New Roman" panose="02020603050405020304" pitchFamily="18" charset="0"/>
+              </a:rPr>
+              <a:t> </a:t>
+            </a:r>
+            <a:r>
+              <a:rPr lang="pt-BR" sz="1400" dirty="0" err="1">
+                <a:effectLst/>
+                <a:ea typeface="Times New Roman" panose="02020603050405020304" pitchFamily="18" charset="0"/>
+              </a:rPr>
+              <a:t>Conference</a:t>
+            </a:r>
+            <a:r>
+              <a:rPr lang="pt-BR" sz="1400" dirty="0">
+                <a:effectLst/>
+                <a:ea typeface="Times New Roman" panose="02020603050405020304" pitchFamily="18" charset="0"/>
+              </a:rPr>
+              <a:t> </a:t>
+            </a:r>
+            <a:r>
+              <a:rPr lang="pt-BR" sz="1400" dirty="0" err="1">
+                <a:effectLst/>
+                <a:ea typeface="Times New Roman" panose="02020603050405020304" pitchFamily="18" charset="0"/>
+              </a:rPr>
+              <a:t>on</a:t>
+            </a:r>
+            <a:r>
+              <a:rPr lang="pt-BR" sz="1400" dirty="0">
+                <a:effectLst/>
+                <a:ea typeface="Times New Roman" panose="02020603050405020304" pitchFamily="18" charset="0"/>
+              </a:rPr>
+              <a:t> Security Technology, Chennai, 2019. </a:t>
+            </a:r>
+          </a:p>
+          <a:p>
+            <a:pPr algn="just">
+              <a:spcAft>
+                <a:spcPts val="800"/>
+              </a:spcAft>
+            </a:pPr>
+            <a:r>
+              <a:rPr lang="pt-BR" sz="1400" dirty="0">
+                <a:ea typeface="Times New Roman" panose="02020603050405020304" pitchFamily="18" charset="0"/>
+              </a:rPr>
+              <a:t>[5] S. Vasconcelos</a:t>
+            </a:r>
+            <a:r>
+              <a:rPr lang="pt-BR" sz="1400" dirty="0">
+                <a:effectLst/>
+                <a:ea typeface="Times New Roman" panose="02020603050405020304" pitchFamily="18" charset="0"/>
+              </a:rPr>
+              <a:t>, “Análise de Componentes Principais (PCA)”. </a:t>
+            </a:r>
+          </a:p>
+          <a:p>
+            <a:pPr algn="just">
+              <a:spcAft>
+                <a:spcPts val="800"/>
+              </a:spcAft>
+            </a:pPr>
+            <a:endParaRPr lang="pt-BR" sz="1400" dirty="0">
+              <a:effectLst/>
+              <a:ea typeface="Times New Roman" panose="02020603050405020304" pitchFamily="18" charset="0"/>
+            </a:endParaRPr>
+          </a:p>
+          <a:p>
+            <a:pPr algn="just">
+              <a:spcAft>
+                <a:spcPts val="800"/>
+              </a:spcAft>
+            </a:pPr>
+            <a:endParaRPr lang="pt-BR" sz="1400" dirty="0">
+              <a:effectLst/>
+              <a:ea typeface="Times New Roman" panose="02020603050405020304" pitchFamily="18" charset="0"/>
+            </a:endParaRPr>
+          </a:p>
+          <a:p>
+            <a:pPr lvl="0" algn="just">
+              <a:lnSpc>
+                <a:spcPct val="150000"/>
+              </a:lnSpc>
+              <a:spcAft>
+                <a:spcPts val="800"/>
+              </a:spcAft>
+            </a:pPr>
+            <a:endParaRPr lang="pt-BR" sz="1400" dirty="0">
+              <a:effectLst/>
+              <a:ea typeface="Times New Roman" panose="02020603050405020304" pitchFamily="18" charset="0"/>
+            </a:endParaRPr>
+          </a:p>
+        </p:txBody>
+      </p:sp>
+    </p:spTree>
+    <p:extLst>
+      <p:ext uri="{BB962C8B-B14F-4D97-AF65-F5344CB8AC3E}">
+        <p14:creationId xmlns:p14="http://schemas.microsoft.com/office/powerpoint/2010/main" val="2939345167"/>
+      </p:ext>
+    </p:extLst>
+  </p:cSld>
+  <p:clrMapOvr>
+    <a:masterClrMapping/>
+  </p:clrMapOvr>
+</p:sld>
+</file>
+
+<file path=ppt/slides/slide42.xml><?xml version="1.0" encoding="utf-8"?>
+<p:sld xmlns:a="http://schemas.openxmlformats.org/drawingml/2006/main" xmlns:r="http://schemas.openxmlformats.org/officeDocument/2006/relationships" xmlns:p="http://schemas.openxmlformats.org/presentationml/2006/main">
+  <p:cSld>
+    <p:spTree>
+      <p:nvGrpSpPr>
+        <p:cNvPr id="1" name=""/>
+        <p:cNvGrpSpPr/>
+        <p:nvPr/>
+      </p:nvGrpSpPr>
+      <p:grpSpPr>
+        <a:xfrm>
+          <a:off x="0" y="0"/>
+          <a:ext cx="0" cy="0"/>
+          <a:chOff x="0" y="0"/>
+          <a:chExt cx="0" cy="0"/>
+        </a:xfrm>
+      </p:grpSpPr>
+      <p:sp>
+        <p:nvSpPr>
           <p:cNvPr id="8" name="Título 7">
             <a:extLst>
               <a:ext uri="{FF2B5EF4-FFF2-40B4-BE49-F238E27FC236}">
@@ -23022,7 +23912,7 @@
 </p:sld>
 </file>
 
-<file path=ppt/slides/slide41.xml><?xml version="1.0" encoding="utf-8"?>
+<file path=ppt/slides/slide43.xml><?xml version="1.0" encoding="utf-8"?>
 <p:sld xmlns:a="http://schemas.openxmlformats.org/drawingml/2006/main" xmlns:r="http://schemas.openxmlformats.org/officeDocument/2006/relationships" xmlns:p="http://schemas.openxmlformats.org/presentationml/2006/main">
   <p:cSld>
     <p:spTree>
@@ -23617,7 +24507,7 @@
             </a:r>
             <a:r>
               <a:rPr lang="pt-BR" dirty="0"/>
-              <a:t>, um baseado na entropia de janelas de dados e outro baseado nos algoritmos RNA e SVM aplicados, também, a janelas de dados.</a:t>
+              <a:t>, um baseado na entropia de janelas de dados e outro baseado nos algoritmos RNA e SVM.</a:t>
             </a:r>
           </a:p>
           <a:p>
